--- a/doc/ASME V&V Symposium/ASME V&V Symposium.pptx
+++ b/doc/ASME V&V Symposium/ASME V&V Symposium.pptx
@@ -5,26 +5,20 @@
     <p:sldMasterId id="2147483648" r:id="rId1"/>
   </p:sldMasterIdLst>
   <p:notesMasterIdLst>
-    <p:notesMasterId r:id="rId16"/>
+    <p:notesMasterId r:id="rId10"/>
   </p:notesMasterIdLst>
   <p:handoutMasterIdLst>
-    <p:handoutMasterId r:id="rId17"/>
+    <p:handoutMasterId r:id="rId11"/>
   </p:handoutMasterIdLst>
   <p:sldIdLst>
     <p:sldId id="270" r:id="rId2"/>
-    <p:sldId id="256" r:id="rId3"/>
-    <p:sldId id="267" r:id="rId4"/>
-    <p:sldId id="257" r:id="rId5"/>
-    <p:sldId id="258" r:id="rId6"/>
-    <p:sldId id="271" r:id="rId7"/>
-    <p:sldId id="259" r:id="rId8"/>
-    <p:sldId id="268" r:id="rId9"/>
-    <p:sldId id="262" r:id="rId10"/>
-    <p:sldId id="263" r:id="rId11"/>
-    <p:sldId id="269" r:id="rId12"/>
-    <p:sldId id="272" r:id="rId13"/>
-    <p:sldId id="264" r:id="rId14"/>
-    <p:sldId id="266" r:id="rId15"/>
+    <p:sldId id="257" r:id="rId3"/>
+    <p:sldId id="258" r:id="rId4"/>
+    <p:sldId id="275" r:id="rId5"/>
+    <p:sldId id="274" r:id="rId6"/>
+    <p:sldId id="276" r:id="rId7"/>
+    <p:sldId id="277" r:id="rId8"/>
+    <p:sldId id="273" r:id="rId9"/>
   </p:sldIdLst>
   <p:sldSz cx="9144000" cy="5715000" type="screen16x10"/>
   <p:notesSz cx="6858000" cy="9144000"/>
@@ -125,7 +119,7 @@
   </p:defaultTextStyle>
   <p:extLst>
     <p:ext uri="{EFAFB233-063F-42B5-8137-9DF3F51BA10A}">
-      <p15:sldGuideLst xmlns:p15="http://schemas.microsoft.com/office/powerpoint/2012/main" xmlns="">
+      <p15:sldGuideLst xmlns="" xmlns:p15="http://schemas.microsoft.com/office/powerpoint/2012/main">
         <p15:guide id="1" orient="horz" pos="2744">
           <p15:clr>
             <a:srgbClr val="A4A3A4"/>
@@ -139,7 +133,7 @@
       </p15:sldGuideLst>
     </p:ext>
     <p:ext uri="{2D200454-40CA-4A62-9FC3-DE9A4176ACB9}">
-      <p15:notesGuideLst xmlns:p15="http://schemas.microsoft.com/office/powerpoint/2012/main" xmlns="">
+      <p15:notesGuideLst xmlns="" xmlns:p15="http://schemas.microsoft.com/office/powerpoint/2012/main">
         <p15:guide id="1" orient="horz" pos="2880">
           <p15:clr>
             <a:srgbClr val="A4A3A4"/>
@@ -303,7 +297,7 @@
                 <a:cs typeface="Arial"/>
               </a:rPr>
               <a:pPr/>
-              <a:t>4/5/17</a:t>
+              <a:t>4/17/17</a:t>
             </a:fld>
             <a:endParaRPr lang="en-US" dirty="0">
               <a:latin typeface="Arial"/>
@@ -601,7 +595,7 @@
                 <a:cs typeface="Arial"/>
               </a:rPr>
               <a:pPr/>
-              <a:t>4/5/17</a:t>
+              <a:t>4/17/17</a:t>
             </a:fld>
             <a:endParaRPr lang="en-US" dirty="0">
               <a:latin typeface="Arial"/>
@@ -793,12 +787,7 @@
             <p:ph type="sldImg"/>
           </p:nvPr>
         </p:nvSpPr>
-        <p:spPr>
-          <a:xfrm>
-            <a:off x="685800" y="685800"/>
-            <a:ext cx="5486400" cy="3429000"/>
-          </a:xfrm>
-        </p:spPr>
+        <p:spPr/>
       </p:sp>
       <p:sp>
         <p:nvSpPr>
@@ -815,7 +804,82 @@
           <a:bodyPr/>
           <a:lstStyle/>
           <a:p>
-            <a:endParaRPr lang="en-US" dirty="0"/>
+            <a:r>
+              <a:rPr lang="en-US" dirty="0" err="1" smtClean="0"/>
+              <a:t>EOSlib</a:t>
+            </a:r>
+            <a:r>
+              <a:rPr lang="en-US" dirty="0" smtClean="0"/>
+              <a:t> is designed to be easily extensible, by editing ASCII data files and dynamically loading model libraries. It can</a:t>
+            </a:r>
+            <a:r>
+              <a:rPr lang="en-US" baseline="0" dirty="0" smtClean="0"/>
+              <a:t> also be used in a way that is completely self-contained, which greatly simplifies the challenge of debugging EOS errors in hydro codes, because you don’t have to run the entire hydro machinery (grid generation, input files, etc.) in order to check the behavior of the EOS.</a:t>
+            </a:r>
+          </a:p>
+          <a:p>
+            <a:r>
+              <a:rPr lang="en-US" baseline="0" dirty="0" err="1" smtClean="0"/>
+              <a:t>EOSlib</a:t>
+            </a:r>
+            <a:r>
+              <a:rPr lang="en-US" baseline="0" dirty="0" smtClean="0"/>
+              <a:t> is designed for correctness first, and efficiency second, and it provides a specific target implementation for V&amp;V studies of EOS models. </a:t>
+            </a:r>
+          </a:p>
+          <a:p>
+            <a:r>
+              <a:rPr lang="en-US" baseline="0" dirty="0" smtClean="0"/>
+              <a:t>Despite this design, </a:t>
+            </a:r>
+            <a:r>
+              <a:rPr lang="en-US" baseline="0" dirty="0" err="1" smtClean="0"/>
+              <a:t>EOSlib</a:t>
+            </a:r>
+            <a:r>
+              <a:rPr lang="en-US" baseline="0" dirty="0" smtClean="0"/>
+              <a:t> is efficient enough to be linked directly into hydro codes, and may be “good-enough” for many purposes. If not, optimized EOS modules can be compared to </a:t>
+            </a:r>
+            <a:r>
+              <a:rPr lang="en-US" baseline="0" dirty="0" err="1" smtClean="0"/>
+              <a:t>EOSlib</a:t>
+            </a:r>
+            <a:r>
+              <a:rPr lang="en-US" baseline="0" dirty="0" smtClean="0"/>
+              <a:t> to ensure correctness.</a:t>
+            </a:r>
+          </a:p>
+          <a:p>
+            <a:r>
+              <a:rPr lang="en-US" baseline="0" dirty="0" err="1" smtClean="0"/>
+              <a:t>EOSlib</a:t>
+            </a:r>
+            <a:r>
+              <a:rPr lang="en-US" baseline="0" dirty="0" smtClean="0"/>
+              <a:t> includes many useful utilities for managing databases and automating thermodynamic computations. It can list and sort available material models, </a:t>
+            </a:r>
+          </a:p>
+          <a:p>
+            <a:endParaRPr lang="en-US" dirty="0" smtClean="0"/>
+          </a:p>
+          <a:p>
+            <a:r>
+              <a:rPr lang="en-US" dirty="0" smtClean="0"/>
+              <a:t>Figure shows partially burned detonation</a:t>
+            </a:r>
+            <a:r>
+              <a:rPr lang="en-US" baseline="0" dirty="0" smtClean="0"/>
+              <a:t> loci for PBX 9501, with blue being unreacted and red being fully reacted. Note the CJ detonations states for each locus, and the von Neumann (</a:t>
+            </a:r>
+            <a:r>
+              <a:rPr lang="en-US" baseline="0" dirty="0" err="1" smtClean="0"/>
+              <a:t>Zel’dovich</a:t>
+            </a:r>
+            <a:r>
+              <a:rPr lang="en-US" baseline="0" dirty="0" smtClean="0"/>
+              <a:t>) spike. This analysis is directly related to the ZND detonation profile. A ZND detonation corresponds to an initial shock to the VN state, followed by a steady reaction down the solid black line, reaching the CJ state at the end of the reaction zone (assuming not an overdriven flow).</a:t>
+            </a:r>
+            <a:endParaRPr lang="en-US" dirty="0" smtClean="0"/>
           </a:p>
         </p:txBody>
       </p:sp>
@@ -839,7 +903,7 @@
                 <a:latin typeface="Arial"/>
                 <a:cs typeface="Arial"/>
               </a:rPr>
-              <a:t>2</a:t>
+              <a:t>8</a:t>
             </a:fld>
             <a:endParaRPr lang="en-US" dirty="0">
               <a:latin typeface="Arial"/>
@@ -851,7 +915,7 @@
     </p:spTree>
     <p:extLst>
       <p:ext uri="{BB962C8B-B14F-4D97-AF65-F5344CB8AC3E}">
-        <p14:creationId xmlns:p14="http://schemas.microsoft.com/office/powerpoint/2010/main" val="2766814149"/>
+        <p14:creationId xmlns:p14="http://schemas.microsoft.com/office/powerpoint/2010/main" val="1423872653"/>
       </p:ext>
     </p:extLst>
   </p:cSld>
@@ -10009,516 +10073,6 @@
 </p:sld>
 </file>
 
-<file path=ppt/slides/slide10.xml><?xml version="1.0" encoding="utf-8"?>
-<p:sld xmlns:a="http://schemas.openxmlformats.org/drawingml/2006/main" xmlns:r="http://schemas.openxmlformats.org/officeDocument/2006/relationships" xmlns:p="http://schemas.openxmlformats.org/presentationml/2006/main">
-  <p:cSld>
-    <p:spTree>
-      <p:nvGrpSpPr>
-        <p:cNvPr id="1" name=""/>
-        <p:cNvGrpSpPr/>
-        <p:nvPr/>
-      </p:nvGrpSpPr>
-      <p:grpSpPr>
-        <a:xfrm>
-          <a:off x="0" y="0"/>
-          <a:ext cx="0" cy="0"/>
-          <a:chOff x="0" y="0"/>
-          <a:chExt cx="0" cy="0"/>
-        </a:xfrm>
-      </p:grpSpPr>
-      <p:sp>
-        <p:nvSpPr>
-          <p:cNvPr id="2" name="Title 1"/>
-          <p:cNvSpPr>
-            <a:spLocks noGrp="1"/>
-          </p:cNvSpPr>
-          <p:nvPr>
-            <p:ph type="title"/>
-          </p:nvPr>
-        </p:nvSpPr>
-        <p:spPr/>
-        <p:txBody>
-          <a:bodyPr/>
-          <a:lstStyle/>
-          <a:p>
-            <a:endParaRPr lang="de-DE" dirty="0"/>
-          </a:p>
-        </p:txBody>
-      </p:sp>
-      <p:sp>
-        <p:nvSpPr>
-          <p:cNvPr id="3" name="Picture Placeholder 2"/>
-          <p:cNvSpPr>
-            <a:spLocks noGrp="1"/>
-          </p:cNvSpPr>
-          <p:nvPr>
-            <p:ph type="pic" sz="quarter" idx="15"/>
-          </p:nvPr>
-        </p:nvSpPr>
-        <p:spPr/>
-      </p:sp>
-      <p:sp>
-        <p:nvSpPr>
-          <p:cNvPr id="4" name="Text Placeholder 3"/>
-          <p:cNvSpPr>
-            <a:spLocks noGrp="1"/>
-          </p:cNvSpPr>
-          <p:nvPr>
-            <p:ph type="body" sz="quarter" idx="16"/>
-          </p:nvPr>
-        </p:nvSpPr>
-        <p:spPr/>
-        <p:txBody>
-          <a:bodyPr/>
-          <a:lstStyle/>
-          <a:p>
-            <a:endParaRPr lang="de-DE" dirty="0"/>
-          </a:p>
-        </p:txBody>
-      </p:sp>
-      <p:sp>
-        <p:nvSpPr>
-          <p:cNvPr id="5" name="Picture Placeholder 4"/>
-          <p:cNvSpPr>
-            <a:spLocks noGrp="1"/>
-          </p:cNvSpPr>
-          <p:nvPr>
-            <p:ph type="pic" sz="quarter" idx="17"/>
-          </p:nvPr>
-        </p:nvSpPr>
-        <p:spPr/>
-      </p:sp>
-      <p:sp>
-        <p:nvSpPr>
-          <p:cNvPr id="6" name="Picture Placeholder 5"/>
-          <p:cNvSpPr>
-            <a:spLocks noGrp="1"/>
-          </p:cNvSpPr>
-          <p:nvPr>
-            <p:ph type="pic" sz="quarter" idx="18"/>
-          </p:nvPr>
-        </p:nvSpPr>
-        <p:spPr/>
-      </p:sp>
-    </p:spTree>
-    <p:extLst>
-      <p:ext uri="{BB962C8B-B14F-4D97-AF65-F5344CB8AC3E}">
-        <p14:creationId xmlns:p14="http://schemas.microsoft.com/office/powerpoint/2010/main" val="1486479028"/>
-      </p:ext>
-    </p:extLst>
-  </p:cSld>
-  <p:clrMapOvr>
-    <a:masterClrMapping/>
-  </p:clrMapOvr>
-  <mc:AlternateContent xmlns:mc="http://schemas.openxmlformats.org/markup-compatibility/2006" xmlns:p14="http://schemas.microsoft.com/office/powerpoint/2010/main">
-    <mc:Choice Requires="p14">
-      <p:transition spd="med" p14:dur="700">
-        <p:fade/>
-      </p:transition>
-    </mc:Choice>
-    <mc:Fallback xmlns="">
-      <p:transition spd="med">
-        <p:fade/>
-      </p:transition>
-    </mc:Fallback>
-  </mc:AlternateContent>
-  <p:timing>
-    <p:tnLst>
-      <p:par>
-        <p:cTn xmlns:p14="http://schemas.microsoft.com/office/powerpoint/2010/main" id="1" dur="indefinite" restart="never" nodeType="tmRoot"/>
-      </p:par>
-    </p:tnLst>
-  </p:timing>
-</p:sld>
-</file>
-
-<file path=ppt/slides/slide11.xml><?xml version="1.0" encoding="utf-8"?>
-<p:sld xmlns:a="http://schemas.openxmlformats.org/drawingml/2006/main" xmlns:r="http://schemas.openxmlformats.org/officeDocument/2006/relationships" xmlns:p="http://schemas.openxmlformats.org/presentationml/2006/main">
-  <p:cSld>
-    <p:spTree>
-      <p:nvGrpSpPr>
-        <p:cNvPr id="1" name=""/>
-        <p:cNvGrpSpPr/>
-        <p:nvPr/>
-      </p:nvGrpSpPr>
-      <p:grpSpPr>
-        <a:xfrm>
-          <a:off x="0" y="0"/>
-          <a:ext cx="0" cy="0"/>
-          <a:chOff x="0" y="0"/>
-          <a:chExt cx="0" cy="0"/>
-        </a:xfrm>
-      </p:grpSpPr>
-      <p:sp>
-        <p:nvSpPr>
-          <p:cNvPr id="7" name="Title 6"/>
-          <p:cNvSpPr>
-            <a:spLocks noGrp="1"/>
-          </p:cNvSpPr>
-          <p:nvPr>
-            <p:ph type="title"/>
-          </p:nvPr>
-        </p:nvSpPr>
-        <p:spPr/>
-        <p:txBody>
-          <a:bodyPr/>
-          <a:lstStyle/>
-          <a:p>
-            <a:endParaRPr lang="en-US"/>
-          </a:p>
-        </p:txBody>
-      </p:sp>
-      <p:sp>
-        <p:nvSpPr>
-          <p:cNvPr id="8" name="Picture Placeholder 7"/>
-          <p:cNvSpPr>
-            <a:spLocks noGrp="1"/>
-          </p:cNvSpPr>
-          <p:nvPr>
-            <p:ph type="pic" sz="quarter" idx="15"/>
-          </p:nvPr>
-        </p:nvSpPr>
-        <p:spPr/>
-      </p:sp>
-      <p:sp>
-        <p:nvSpPr>
-          <p:cNvPr id="9" name="Text Placeholder 8"/>
-          <p:cNvSpPr>
-            <a:spLocks noGrp="1"/>
-          </p:cNvSpPr>
-          <p:nvPr>
-            <p:ph type="body" sz="quarter" idx="16"/>
-          </p:nvPr>
-        </p:nvSpPr>
-        <p:spPr/>
-        <p:txBody>
-          <a:bodyPr/>
-          <a:lstStyle/>
-          <a:p>
-            <a:endParaRPr lang="en-US"/>
-          </a:p>
-        </p:txBody>
-      </p:sp>
-      <p:sp>
-        <p:nvSpPr>
-          <p:cNvPr id="10" name="Picture Placeholder 9"/>
-          <p:cNvSpPr>
-            <a:spLocks noGrp="1"/>
-          </p:cNvSpPr>
-          <p:nvPr>
-            <p:ph type="pic" sz="quarter" idx="17"/>
-          </p:nvPr>
-        </p:nvSpPr>
-        <p:spPr/>
-      </p:sp>
-      <p:sp>
-        <p:nvSpPr>
-          <p:cNvPr id="11" name="Picture Placeholder 10"/>
-          <p:cNvSpPr>
-            <a:spLocks noGrp="1"/>
-          </p:cNvSpPr>
-          <p:nvPr>
-            <p:ph type="pic" sz="quarter" idx="18"/>
-          </p:nvPr>
-        </p:nvSpPr>
-        <p:spPr/>
-      </p:sp>
-      <p:sp>
-        <p:nvSpPr>
-          <p:cNvPr id="12" name="Picture Placeholder 11"/>
-          <p:cNvSpPr>
-            <a:spLocks noGrp="1"/>
-          </p:cNvSpPr>
-          <p:nvPr>
-            <p:ph type="pic" sz="quarter" idx="19"/>
-          </p:nvPr>
-        </p:nvSpPr>
-        <p:spPr/>
-      </p:sp>
-      <p:sp>
-        <p:nvSpPr>
-          <p:cNvPr id="13" name="Picture Placeholder 12"/>
-          <p:cNvSpPr>
-            <a:spLocks noGrp="1"/>
-          </p:cNvSpPr>
-          <p:nvPr>
-            <p:ph type="pic" sz="quarter" idx="20"/>
-          </p:nvPr>
-        </p:nvSpPr>
-        <p:spPr/>
-      </p:sp>
-      <p:sp>
-        <p:nvSpPr>
-          <p:cNvPr id="14" name="Picture Placeholder 13"/>
-          <p:cNvSpPr>
-            <a:spLocks noGrp="1"/>
-          </p:cNvSpPr>
-          <p:nvPr>
-            <p:ph type="pic" sz="quarter" idx="21"/>
-          </p:nvPr>
-        </p:nvSpPr>
-        <p:spPr/>
-      </p:sp>
-    </p:spTree>
-    <p:extLst>
-      <p:ext uri="{BB962C8B-B14F-4D97-AF65-F5344CB8AC3E}">
-        <p14:creationId xmlns:p14="http://schemas.microsoft.com/office/powerpoint/2010/main" val="515238101"/>
-      </p:ext>
-    </p:extLst>
-  </p:cSld>
-  <p:clrMapOvr>
-    <a:masterClrMapping/>
-  </p:clrMapOvr>
-  <mc:AlternateContent xmlns:mc="http://schemas.openxmlformats.org/markup-compatibility/2006" xmlns:p14="http://schemas.microsoft.com/office/powerpoint/2010/main">
-    <mc:Choice Requires="p14">
-      <p:transition spd="med" p14:dur="700">
-        <p:fade/>
-      </p:transition>
-    </mc:Choice>
-    <mc:Fallback xmlns="">
-      <p:transition xmlns:p14="http://schemas.microsoft.com/office/powerpoint/2010/main" spd="med">
-        <p:fade/>
-      </p:transition>
-    </mc:Fallback>
-  </mc:AlternateContent>
-  <p:timing>
-    <p:tnLst>
-      <p:par>
-        <p:cTn xmlns:p14="http://schemas.microsoft.com/office/powerpoint/2010/main" id="1" dur="indefinite" restart="never" nodeType="tmRoot"/>
-      </p:par>
-    </p:tnLst>
-  </p:timing>
-</p:sld>
-</file>
-
-<file path=ppt/slides/slide12.xml><?xml version="1.0" encoding="utf-8"?>
-<p:sld xmlns:a="http://schemas.openxmlformats.org/drawingml/2006/main" xmlns:r="http://schemas.openxmlformats.org/officeDocument/2006/relationships" xmlns:p="http://schemas.openxmlformats.org/presentationml/2006/main">
-  <p:cSld>
-    <p:spTree>
-      <p:nvGrpSpPr>
-        <p:cNvPr id="1" name=""/>
-        <p:cNvGrpSpPr/>
-        <p:nvPr/>
-      </p:nvGrpSpPr>
-      <p:grpSpPr>
-        <a:xfrm>
-          <a:off x="0" y="0"/>
-          <a:ext cx="0" cy="0"/>
-          <a:chOff x="0" y="0"/>
-          <a:chExt cx="0" cy="0"/>
-        </a:xfrm>
-      </p:grpSpPr>
-      <p:sp>
-        <p:nvSpPr>
-          <p:cNvPr id="15" name="Title 14"/>
-          <p:cNvSpPr>
-            <a:spLocks noGrp="1"/>
-          </p:cNvSpPr>
-          <p:nvPr>
-            <p:ph type="title"/>
-          </p:nvPr>
-        </p:nvSpPr>
-        <p:spPr/>
-        <p:txBody>
-          <a:bodyPr/>
-          <a:lstStyle/>
-          <a:p>
-            <a:endParaRPr lang="en-US"/>
-          </a:p>
-        </p:txBody>
-      </p:sp>
-      <p:sp>
-        <p:nvSpPr>
-          <p:cNvPr id="16" name="Content Placeholder 15"/>
-          <p:cNvSpPr>
-            <a:spLocks noGrp="1"/>
-          </p:cNvSpPr>
-          <p:nvPr>
-            <p:ph sz="quarter" idx="13"/>
-          </p:nvPr>
-        </p:nvSpPr>
-        <p:spPr/>
-        <p:txBody>
-          <a:bodyPr/>
-          <a:lstStyle/>
-          <a:p>
-            <a:endParaRPr lang="en-US" dirty="0"/>
-          </a:p>
-        </p:txBody>
-      </p:sp>
-    </p:spTree>
-    <p:extLst>
-      <p:ext uri="{BB962C8B-B14F-4D97-AF65-F5344CB8AC3E}">
-        <p14:creationId xmlns:p14="http://schemas.microsoft.com/office/powerpoint/2010/main" val="3290589665"/>
-      </p:ext>
-    </p:extLst>
-  </p:cSld>
-  <p:clrMapOvr>
-    <a:masterClrMapping/>
-  </p:clrMapOvr>
-  <mc:AlternateContent xmlns:mc="http://schemas.openxmlformats.org/markup-compatibility/2006" xmlns:p14="http://schemas.microsoft.com/office/powerpoint/2010/main">
-    <mc:Choice Requires="p14">
-      <p:transition spd="med" p14:dur="700">
-        <p:fade/>
-      </p:transition>
-    </mc:Choice>
-    <mc:Fallback xmlns="">
-      <p:transition xmlns:p14="http://schemas.microsoft.com/office/powerpoint/2010/main" spd="med">
-        <p:fade/>
-      </p:transition>
-    </mc:Fallback>
-  </mc:AlternateContent>
-</p:sld>
-</file>
-
-<file path=ppt/slides/slide13.xml><?xml version="1.0" encoding="utf-8"?>
-<p:sld xmlns:a="http://schemas.openxmlformats.org/drawingml/2006/main" xmlns:r="http://schemas.openxmlformats.org/officeDocument/2006/relationships" xmlns:p="http://schemas.openxmlformats.org/presentationml/2006/main">
-  <p:cSld>
-    <p:spTree>
-      <p:nvGrpSpPr>
-        <p:cNvPr id="1" name=""/>
-        <p:cNvGrpSpPr/>
-        <p:nvPr/>
-      </p:nvGrpSpPr>
-      <p:grpSpPr>
-        <a:xfrm>
-          <a:off x="0" y="0"/>
-          <a:ext cx="0" cy="0"/>
-          <a:chOff x="0" y="0"/>
-          <a:chExt cx="0" cy="0"/>
-        </a:xfrm>
-      </p:grpSpPr>
-      <p:sp>
-        <p:nvSpPr>
-          <p:cNvPr id="2" name="Picture Placeholder 1"/>
-          <p:cNvSpPr>
-            <a:spLocks noGrp="1"/>
-          </p:cNvSpPr>
-          <p:nvPr>
-            <p:ph type="pic" sz="quarter" idx="15"/>
-          </p:nvPr>
-        </p:nvSpPr>
-        <p:spPr/>
-      </p:sp>
-      <p:sp>
-        <p:nvSpPr>
-          <p:cNvPr id="6" name="Title 5"/>
-          <p:cNvSpPr>
-            <a:spLocks noGrp="1"/>
-          </p:cNvSpPr>
-          <p:nvPr>
-            <p:ph type="title"/>
-          </p:nvPr>
-        </p:nvSpPr>
-        <p:spPr/>
-        <p:txBody>
-          <a:bodyPr/>
-          <a:lstStyle/>
-          <a:p>
-            <a:endParaRPr lang="de-DE" dirty="0"/>
-          </a:p>
-        </p:txBody>
-      </p:sp>
-    </p:spTree>
-    <p:extLst>
-      <p:ext uri="{BB962C8B-B14F-4D97-AF65-F5344CB8AC3E}">
-        <p14:creationId xmlns:p14="http://schemas.microsoft.com/office/powerpoint/2010/main" val="3340645889"/>
-      </p:ext>
-    </p:extLst>
-  </p:cSld>
-  <p:clrMapOvr>
-    <a:masterClrMapping/>
-  </p:clrMapOvr>
-  <mc:AlternateContent xmlns:mc="http://schemas.openxmlformats.org/markup-compatibility/2006" xmlns:p14="http://schemas.microsoft.com/office/powerpoint/2010/main">
-    <mc:Choice Requires="p14">
-      <p:transition spd="med" p14:dur="700">
-        <p:fade/>
-      </p:transition>
-    </mc:Choice>
-    <mc:Fallback xmlns="">
-      <p:transition spd="med">
-        <p:fade/>
-      </p:transition>
-    </mc:Fallback>
-  </mc:AlternateContent>
-  <p:timing>
-    <p:tnLst>
-      <p:par>
-        <p:cTn xmlns:p14="http://schemas.microsoft.com/office/powerpoint/2010/main" id="1" dur="indefinite" restart="never" nodeType="tmRoot"/>
-      </p:par>
-    </p:tnLst>
-  </p:timing>
-</p:sld>
-</file>
-
-<file path=ppt/slides/slide14.xml><?xml version="1.0" encoding="utf-8"?>
-<p:sld xmlns:a="http://schemas.openxmlformats.org/drawingml/2006/main" xmlns:r="http://schemas.openxmlformats.org/officeDocument/2006/relationships" xmlns:p="http://schemas.openxmlformats.org/presentationml/2006/main">
-  <p:cSld>
-    <p:spTree>
-      <p:nvGrpSpPr>
-        <p:cNvPr id="1" name=""/>
-        <p:cNvGrpSpPr/>
-        <p:nvPr/>
-      </p:nvGrpSpPr>
-      <p:grpSpPr>
-        <a:xfrm>
-          <a:off x="0" y="0"/>
-          <a:ext cx="0" cy="0"/>
-          <a:chOff x="0" y="0"/>
-          <a:chExt cx="0" cy="0"/>
-        </a:xfrm>
-      </p:grpSpPr>
-      <p:sp>
-        <p:nvSpPr>
-          <p:cNvPr id="2" name="Title 1"/>
-          <p:cNvSpPr>
-            <a:spLocks noGrp="1"/>
-          </p:cNvSpPr>
-          <p:nvPr>
-            <p:ph type="title"/>
-          </p:nvPr>
-        </p:nvSpPr>
-        <p:spPr/>
-        <p:txBody>
-          <a:bodyPr/>
-          <a:lstStyle/>
-          <a:p>
-            <a:endParaRPr lang="de-DE" dirty="0"/>
-          </a:p>
-        </p:txBody>
-      </p:sp>
-    </p:spTree>
-    <p:extLst>
-      <p:ext uri="{BB962C8B-B14F-4D97-AF65-F5344CB8AC3E}">
-        <p14:creationId xmlns:p14="http://schemas.microsoft.com/office/powerpoint/2010/main" val="3662181966"/>
-      </p:ext>
-    </p:extLst>
-  </p:cSld>
-  <p:clrMapOvr>
-    <a:masterClrMapping/>
-  </p:clrMapOvr>
-  <mc:AlternateContent xmlns:mc="http://schemas.openxmlformats.org/markup-compatibility/2006" xmlns:p14="http://schemas.microsoft.com/office/powerpoint/2010/main">
-    <mc:Choice Requires="p14">
-      <p:transition spd="med" p14:dur="700">
-        <p:fade/>
-      </p:transition>
-    </mc:Choice>
-    <mc:Fallback xmlns="">
-      <p:transition spd="med">
-        <p:fade/>
-      </p:transition>
-    </mc:Fallback>
-  </mc:AlternateContent>
-  <p:timing>
-    <p:tnLst>
-      <p:par>
-        <p:cTn xmlns:p14="http://schemas.microsoft.com/office/powerpoint/2010/main" id="1" dur="indefinite" restart="never" nodeType="tmRoot"/>
-      </p:par>
-    </p:tnLst>
-  </p:timing>
-</p:sld>
-</file>
-
 <file path=ppt/slides/slide2.xml><?xml version="1.0" encoding="utf-8"?>
 <p:sld xmlns:a="http://schemas.openxmlformats.org/drawingml/2006/main" xmlns:r="http://schemas.openxmlformats.org/officeDocument/2006/relationships" xmlns:p="http://schemas.openxmlformats.org/presentationml/2006/main">
   <p:cSld>
@@ -10536,116 +10090,6 @@
           <a:chExt cx="0" cy="0"/>
         </a:xfrm>
       </p:grpSpPr>
-    </p:spTree>
-    <p:extLst>
-      <p:ext uri="{BB962C8B-B14F-4D97-AF65-F5344CB8AC3E}">
-        <p14:creationId xmlns:p14="http://schemas.microsoft.com/office/powerpoint/2010/main" val="3528007377"/>
-      </p:ext>
-    </p:extLst>
-  </p:cSld>
-  <p:clrMapOvr>
-    <a:masterClrMapping/>
-  </p:clrMapOvr>
-  <mc:AlternateContent xmlns:mc="http://schemas.openxmlformats.org/markup-compatibility/2006" xmlns:p14="http://schemas.microsoft.com/office/powerpoint/2010/main">
-    <mc:Choice Requires="p14">
-      <p:transition spd="med" p14:dur="700">
-        <p:fade/>
-      </p:transition>
-    </mc:Choice>
-    <mc:Fallback xmlns="">
-      <p:transition xmlns:p14="http://schemas.microsoft.com/office/powerpoint/2010/main" spd="med">
-        <p:fade/>
-      </p:transition>
-    </mc:Fallback>
-  </mc:AlternateContent>
-  <p:timing>
-    <p:tnLst>
-      <p:par>
-        <p:cTn xmlns:p14="http://schemas.microsoft.com/office/powerpoint/2010/main" id="1" dur="indefinite" restart="never" nodeType="tmRoot"/>
-      </p:par>
-    </p:tnLst>
-  </p:timing>
-</p:sld>
-</file>
-
-<file path=ppt/slides/slide3.xml><?xml version="1.0" encoding="utf-8"?>
-<p:sld xmlns:a="http://schemas.openxmlformats.org/drawingml/2006/main" xmlns:r="http://schemas.openxmlformats.org/officeDocument/2006/relationships" xmlns:p="http://schemas.openxmlformats.org/presentationml/2006/main">
-  <p:cSld>
-    <p:spTree>
-      <p:nvGrpSpPr>
-        <p:cNvPr id="1" name=""/>
-        <p:cNvGrpSpPr/>
-        <p:nvPr/>
-      </p:nvGrpSpPr>
-      <p:grpSpPr>
-        <a:xfrm>
-          <a:off x="0" y="0"/>
-          <a:ext cx="0" cy="0"/>
-          <a:chOff x="0" y="0"/>
-          <a:chExt cx="0" cy="0"/>
-        </a:xfrm>
-      </p:grpSpPr>
-      <p:sp>
-        <p:nvSpPr>
-          <p:cNvPr id="2" name="Picture Placeholder 1"/>
-          <p:cNvSpPr>
-            <a:spLocks noGrp="1"/>
-          </p:cNvSpPr>
-          <p:nvPr>
-            <p:ph type="pic" sz="quarter" idx="10"/>
-          </p:nvPr>
-        </p:nvSpPr>
-        <p:spPr/>
-      </p:sp>
-    </p:spTree>
-    <p:extLst>
-      <p:ext uri="{BB962C8B-B14F-4D97-AF65-F5344CB8AC3E}">
-        <p14:creationId xmlns:p14="http://schemas.microsoft.com/office/powerpoint/2010/main" val="3675639507"/>
-      </p:ext>
-    </p:extLst>
-  </p:cSld>
-  <p:clrMapOvr>
-    <a:masterClrMapping/>
-  </p:clrMapOvr>
-  <mc:AlternateContent xmlns:mc="http://schemas.openxmlformats.org/markup-compatibility/2006" xmlns:p14="http://schemas.microsoft.com/office/powerpoint/2010/main">
-    <mc:Choice Requires="p14">
-      <p:transition spd="med" p14:dur="700">
-        <p:fade/>
-      </p:transition>
-    </mc:Choice>
-    <mc:Fallback xmlns="">
-      <p:transition xmlns:p14="http://schemas.microsoft.com/office/powerpoint/2010/main" spd="med">
-        <p:fade/>
-      </p:transition>
-    </mc:Fallback>
-  </mc:AlternateContent>
-  <p:timing>
-    <p:tnLst>
-      <p:par>
-        <p:cTn xmlns:p14="http://schemas.microsoft.com/office/powerpoint/2010/main" id="1" dur="indefinite" restart="never" nodeType="tmRoot"/>
-      </p:par>
-    </p:tnLst>
-  </p:timing>
-</p:sld>
-</file>
-
-<file path=ppt/slides/slide4.xml><?xml version="1.0" encoding="utf-8"?>
-<p:sld xmlns:a="http://schemas.openxmlformats.org/drawingml/2006/main" xmlns:r="http://schemas.openxmlformats.org/officeDocument/2006/relationships" xmlns:p="http://schemas.openxmlformats.org/presentationml/2006/main">
-  <p:cSld>
-    <p:spTree>
-      <p:nvGrpSpPr>
-        <p:cNvPr id="1" name=""/>
-        <p:cNvGrpSpPr/>
-        <p:nvPr/>
-      </p:nvGrpSpPr>
-      <p:grpSpPr>
-        <a:xfrm>
-          <a:off x="0" y="0"/>
-          <a:ext cx="0" cy="0"/>
-          <a:chOff x="0" y="0"/>
-          <a:chExt cx="0" cy="0"/>
-        </a:xfrm>
-      </p:grpSpPr>
       <p:sp>
         <p:nvSpPr>
           <p:cNvPr id="10" name="Title 9"/>
@@ -10683,16 +10127,38 @@
             <p:ph type="body" sz="quarter" idx="11"/>
           </p:nvPr>
         </p:nvSpPr>
-        <p:spPr/>
+        <p:spPr>
+          <a:xfrm>
+            <a:off x="5143500" y="3166534"/>
+            <a:ext cx="3543300" cy="690506"/>
+          </a:xfrm>
+        </p:spPr>
         <p:txBody>
           <a:bodyPr/>
           <a:lstStyle/>
           <a:p>
             <a:r>
               <a:rPr lang="en-US" dirty="0" smtClean="0"/>
-              <a:t>C. Nathan Woods</a:t>
+              <a:t>C. Nathan </a:t>
+            </a:r>
+            <a:r>
+              <a:rPr lang="en-US" dirty="0" smtClean="0"/>
+              <a:t>Woods</a:t>
+            </a:r>
+          </a:p>
+          <a:p>
+            <a:r>
+              <a:rPr lang="en-US" dirty="0" smtClean="0"/>
+              <a:t>Ralph </a:t>
+            </a:r>
+            <a:r>
+              <a:rPr lang="en-US" dirty="0" err="1" smtClean="0"/>
+              <a:t>Menikoff</a:t>
             </a:r>
             <a:endParaRPr lang="en-US" dirty="0"/>
+          </a:p>
+          <a:p>
+            <a:endParaRPr lang="en-US" dirty="0" smtClean="0"/>
           </a:p>
         </p:txBody>
       </p:sp>
@@ -11051,7 +10517,7 @@
 </p:sld>
 </file>
 
-<file path=ppt/slides/slide5.xml><?xml version="1.0" encoding="utf-8"?>
+<file path=ppt/slides/slide3.xml><?xml version="1.0" encoding="utf-8"?>
 <p:sld xmlns:a="http://schemas.openxmlformats.org/drawingml/2006/main" xmlns:r="http://schemas.openxmlformats.org/officeDocument/2006/relationships" xmlns:p="http://schemas.openxmlformats.org/presentationml/2006/main">
   <p:cSld>
     <p:spTree>
@@ -11070,12 +10536,46 @@
       </p:grpSpPr>
       <p:sp>
         <p:nvSpPr>
+          <p:cNvPr id="2" name="Title 1"/>
+          <p:cNvSpPr>
+            <a:spLocks noGrp="1"/>
+          </p:cNvSpPr>
+          <p:nvPr>
+            <p:ph type="title"/>
+          </p:nvPr>
+        </p:nvSpPr>
+        <p:spPr/>
+        <p:txBody>
+          <a:bodyPr/>
+          <a:lstStyle/>
+          <a:p>
+            <a:r>
+              <a:rPr lang="en-US" dirty="0"/>
+              <a:t>The ZND wave in </a:t>
+            </a:r>
+            <a:r>
+              <a:rPr lang="en-US" dirty="0" err="1"/>
+              <a:t>ExactPack</a:t>
+            </a:r>
+            <a:r>
+              <a:rPr lang="en-US" dirty="0"/>
+              <a:t/>
+            </a:r>
+            <a:br>
+              <a:rPr lang="en-US" dirty="0"/>
+            </a:br>
+            <a:endParaRPr lang="en-US" dirty="0"/>
+          </a:p>
+        </p:txBody>
+      </p:sp>
+      <p:sp>
+        <p:nvSpPr>
           <p:cNvPr id="11" name="Text Placeholder 10"/>
           <p:cNvSpPr>
             <a:spLocks noGrp="1"/>
           </p:cNvSpPr>
           <p:nvPr>
-            <p:ph type="body" sz="quarter" idx="12"/>
+            <p:ph sz="quarter" idx="13"/>
           </p:nvPr>
         </p:nvSpPr>
         <p:spPr/>
@@ -11083,18 +10583,18 @@
           <a:bodyPr/>
           <a:lstStyle/>
           <a:p>
-            <a:endParaRPr lang="en-US"/>
-          </a:p>
-        </p:txBody>
-      </p:sp>
-      <p:sp>
-        <p:nvSpPr>
-          <p:cNvPr id="12" name="Text Placeholder 11"/>
+            <a:endParaRPr lang="en-US" dirty="0"/>
+          </a:p>
+        </p:txBody>
+      </p:sp>
+      <p:sp>
+        <p:nvSpPr>
+          <p:cNvPr id="3" name="Content Placeholder 2"/>
           <p:cNvSpPr>
             <a:spLocks noGrp="1"/>
           </p:cNvSpPr>
           <p:nvPr>
-            <p:ph type="body" sz="quarter" idx="13"/>
+            <p:ph sz="quarter" idx="14"/>
           </p:nvPr>
         </p:nvSpPr>
         <p:spPr/>
@@ -11138,7 +10638,7 @@
 </p:sld>
 </file>
 
-<file path=ppt/slides/slide6.xml><?xml version="1.0" encoding="utf-8"?>
+<file path=ppt/slides/slide4.xml><?xml version="1.0" encoding="utf-8"?>
 <p:sld xmlns:a="http://schemas.openxmlformats.org/drawingml/2006/main" xmlns:r="http://schemas.openxmlformats.org/officeDocument/2006/relationships" xmlns:p="http://schemas.openxmlformats.org/presentationml/2006/main">
   <p:cSld>
     <p:spTree>
@@ -11157,19 +10657,7 @@
       </p:grpSpPr>
       <p:sp>
         <p:nvSpPr>
-          <p:cNvPr id="4" name="Picture Placeholder 3"/>
-          <p:cNvSpPr>
-            <a:spLocks noGrp="1"/>
-          </p:cNvSpPr>
-          <p:nvPr>
-            <p:ph type="pic" sz="quarter" idx="11"/>
-          </p:nvPr>
-        </p:nvSpPr>
-        <p:spPr/>
-      </p:sp>
-      <p:sp>
-        <p:nvSpPr>
-          <p:cNvPr id="5" name="Text Placeholder 4"/>
+          <p:cNvPr id="4" name="Text Placeholder 3"/>
           <p:cNvSpPr>
             <a:spLocks noGrp="1"/>
           </p:cNvSpPr>
@@ -11182,13 +10670,21 @@
           <a:bodyPr/>
           <a:lstStyle/>
           <a:p>
-            <a:endParaRPr lang="en-US"/>
-          </a:p>
-        </p:txBody>
-      </p:sp>
-      <p:sp>
-        <p:nvSpPr>
-          <p:cNvPr id="6" name="Text Placeholder 5"/>
+            <a:r>
+              <a:rPr lang="en-US" dirty="0" err="1" smtClean="0"/>
+              <a:t>EOSlib</a:t>
+            </a:r>
+            <a:r>
+              <a:rPr lang="en-US" dirty="0" smtClean="0"/>
+              <a:t> – The Library</a:t>
+            </a:r>
+            <a:endParaRPr lang="en-US" dirty="0"/>
+          </a:p>
+        </p:txBody>
+      </p:sp>
+      <p:sp>
+        <p:nvSpPr>
+          <p:cNvPr id="5" name="Text Placeholder 4"/>
           <p:cNvSpPr>
             <a:spLocks noGrp="1"/>
           </p:cNvSpPr>
@@ -11201,14 +10697,14 @@
           <a:bodyPr/>
           <a:lstStyle/>
           <a:p>
-            <a:endParaRPr lang="en-US" dirty="0"/>
+            <a:endParaRPr lang="en-US"/>
           </a:p>
         </p:txBody>
       </p:sp>
     </p:spTree>
     <p:extLst>
       <p:ext uri="{BB962C8B-B14F-4D97-AF65-F5344CB8AC3E}">
-        <p14:creationId xmlns:p14="http://schemas.microsoft.com/office/powerpoint/2010/main" val="2251662692"/>
+        <p14:creationId xmlns:p14="http://schemas.microsoft.com/office/powerpoint/2010/main" val="3705481492"/>
       </p:ext>
     </p:extLst>
   </p:cSld>
@@ -11227,13 +10723,182 @@
       </p:transition>
     </mc:Fallback>
   </mc:AlternateContent>
-  <p:timing>
-    <p:tnLst>
-      <p:par>
-        <p:cTn xmlns:p14="http://schemas.microsoft.com/office/powerpoint/2010/main" id="1" dur="indefinite" restart="never" nodeType="tmRoot"/>
-      </p:par>
-    </p:tnLst>
-  </p:timing>
+</p:sld>
+</file>
+
+<file path=ppt/slides/slide5.xml><?xml version="1.0" encoding="utf-8"?>
+<p:sld xmlns:a="http://schemas.openxmlformats.org/drawingml/2006/main" xmlns:r="http://schemas.openxmlformats.org/officeDocument/2006/relationships" xmlns:p="http://schemas.openxmlformats.org/presentationml/2006/main">
+  <p:cSld>
+    <p:spTree>
+      <p:nvGrpSpPr>
+        <p:cNvPr id="1" name=""/>
+        <p:cNvGrpSpPr/>
+        <p:nvPr/>
+      </p:nvGrpSpPr>
+      <p:grpSpPr>
+        <a:xfrm>
+          <a:off x="0" y="0"/>
+          <a:ext cx="0" cy="0"/>
+          <a:chOff x="0" y="0"/>
+          <a:chExt cx="0" cy="0"/>
+        </a:xfrm>
+      </p:grpSpPr>
+      <p:sp>
+        <p:nvSpPr>
+          <p:cNvPr id="5" name="Text Placeholder 4"/>
+          <p:cNvSpPr>
+            <a:spLocks noGrp="1"/>
+          </p:cNvSpPr>
+          <p:nvPr>
+            <p:ph type="body" sz="quarter" idx="12"/>
+          </p:nvPr>
+        </p:nvSpPr>
+        <p:spPr/>
+        <p:txBody>
+          <a:bodyPr/>
+          <a:lstStyle/>
+          <a:p>
+            <a:r>
+              <a:rPr lang="en-US" dirty="0" err="1" smtClean="0"/>
+              <a:t>EOSlib</a:t>
+            </a:r>
+            <a:r>
+              <a:rPr lang="en-US" dirty="0" smtClean="0"/>
+              <a:t> – The Database</a:t>
+            </a:r>
+            <a:endParaRPr lang="en-US" dirty="0"/>
+          </a:p>
+        </p:txBody>
+      </p:sp>
+      <p:sp>
+        <p:nvSpPr>
+          <p:cNvPr id="6" name="Text Placeholder 5"/>
+          <p:cNvSpPr>
+            <a:spLocks noGrp="1"/>
+          </p:cNvSpPr>
+          <p:nvPr>
+            <p:ph type="body" sz="quarter" idx="13"/>
+          </p:nvPr>
+        </p:nvSpPr>
+        <p:spPr/>
+        <p:txBody>
+          <a:bodyPr/>
+          <a:lstStyle/>
+          <a:p>
+            <a:endParaRPr lang="en-US"/>
+          </a:p>
+        </p:txBody>
+      </p:sp>
+    </p:spTree>
+    <p:extLst>
+      <p:ext uri="{BB962C8B-B14F-4D97-AF65-F5344CB8AC3E}">
+        <p14:creationId xmlns:p14="http://schemas.microsoft.com/office/powerpoint/2010/main" val="96774930"/>
+      </p:ext>
+    </p:extLst>
+  </p:cSld>
+  <p:clrMapOvr>
+    <a:masterClrMapping/>
+  </p:clrMapOvr>
+  <mc:AlternateContent xmlns:mc="http://schemas.openxmlformats.org/markup-compatibility/2006" xmlns:p14="http://schemas.microsoft.com/office/powerpoint/2010/main">
+    <mc:Choice Requires="p14">
+      <p:transition spd="med" p14:dur="700">
+        <p:fade/>
+      </p:transition>
+    </mc:Choice>
+    <mc:Fallback xmlns="">
+      <p:transition xmlns:p14="http://schemas.microsoft.com/office/powerpoint/2010/main" spd="med">
+        <p:fade/>
+      </p:transition>
+    </mc:Fallback>
+  </mc:AlternateContent>
+</p:sld>
+</file>
+
+<file path=ppt/slides/slide6.xml><?xml version="1.0" encoding="utf-8"?>
+<p:sld xmlns:a="http://schemas.openxmlformats.org/drawingml/2006/main" xmlns:r="http://schemas.openxmlformats.org/officeDocument/2006/relationships" xmlns:p="http://schemas.openxmlformats.org/presentationml/2006/main">
+  <p:cSld>
+    <p:spTree>
+      <p:nvGrpSpPr>
+        <p:cNvPr id="1" name=""/>
+        <p:cNvGrpSpPr/>
+        <p:nvPr/>
+      </p:nvGrpSpPr>
+      <p:grpSpPr>
+        <a:xfrm>
+          <a:off x="0" y="0"/>
+          <a:ext cx="0" cy="0"/>
+          <a:chOff x="0" y="0"/>
+          <a:chExt cx="0" cy="0"/>
+        </a:xfrm>
+      </p:grpSpPr>
+      <p:sp>
+        <p:nvSpPr>
+          <p:cNvPr id="5" name="Text Placeholder 4"/>
+          <p:cNvSpPr>
+            <a:spLocks noGrp="1"/>
+          </p:cNvSpPr>
+          <p:nvPr>
+            <p:ph type="body" sz="quarter" idx="12"/>
+          </p:nvPr>
+        </p:nvSpPr>
+        <p:spPr/>
+        <p:txBody>
+          <a:bodyPr/>
+          <a:lstStyle/>
+          <a:p>
+            <a:r>
+              <a:rPr lang="en-US" dirty="0" err="1" smtClean="0"/>
+              <a:t>EOSlib</a:t>
+            </a:r>
+            <a:r>
+              <a:rPr lang="en-US" dirty="0" smtClean="0"/>
+              <a:t> – The Applications</a:t>
+            </a:r>
+            <a:endParaRPr lang="en-US" dirty="0"/>
+          </a:p>
+        </p:txBody>
+      </p:sp>
+      <p:sp>
+        <p:nvSpPr>
+          <p:cNvPr id="6" name="Text Placeholder 5"/>
+          <p:cNvSpPr>
+            <a:spLocks noGrp="1"/>
+          </p:cNvSpPr>
+          <p:nvPr>
+            <p:ph type="body" sz="quarter" idx="13"/>
+          </p:nvPr>
+        </p:nvSpPr>
+        <p:spPr/>
+        <p:txBody>
+          <a:bodyPr/>
+          <a:lstStyle/>
+          <a:p>
+            <a:endParaRPr lang="en-US"/>
+          </a:p>
+        </p:txBody>
+      </p:sp>
+    </p:spTree>
+    <p:extLst>
+      <p:ext uri="{BB962C8B-B14F-4D97-AF65-F5344CB8AC3E}">
+        <p14:creationId xmlns:p14="http://schemas.microsoft.com/office/powerpoint/2010/main" val="453941"/>
+      </p:ext>
+    </p:extLst>
+  </p:cSld>
+  <p:clrMapOvr>
+    <a:masterClrMapping/>
+  </p:clrMapOvr>
+  <mc:AlternateContent xmlns:mc="http://schemas.openxmlformats.org/markup-compatibility/2006" xmlns:p14="http://schemas.microsoft.com/office/powerpoint/2010/main">
+    <mc:Choice Requires="p14">
+      <p:transition spd="med" p14:dur="700">
+        <p:fade/>
+      </p:transition>
+    </mc:Choice>
+    <mc:Fallback xmlns="">
+      <p:transition xmlns:p14="http://schemas.microsoft.com/office/powerpoint/2010/main" spd="med">
+        <p:fade/>
+      </p:transition>
+    </mc:Fallback>
+  </mc:AlternateContent>
 </p:sld>
 </file>
 
@@ -11256,12 +10921,12 @@
       </p:grpSpPr>
       <p:sp>
         <p:nvSpPr>
-          <p:cNvPr id="5" name="Title 4"/>
+          <p:cNvPr id="5" name="Text Placeholder 4"/>
           <p:cNvSpPr>
             <a:spLocks noGrp="1"/>
           </p:cNvSpPr>
           <p:nvPr>
-            <p:ph type="title"/>
+            <p:ph type="body" sz="quarter" idx="12"/>
           </p:nvPr>
         </p:nvSpPr>
         <p:spPr/>
@@ -11269,18 +10934,42 @@
           <a:bodyPr/>
           <a:lstStyle/>
           <a:p>
-            <a:endParaRPr lang="en-US" sz="2400" dirty="0"/>
-          </a:p>
-        </p:txBody>
-      </p:sp>
-      <p:sp>
-        <p:nvSpPr>
-          <p:cNvPr id="6" name="Content Placeholder 5"/>
+            <a:r>
+              <a:rPr lang="en-US" dirty="0" err="1" smtClean="0"/>
+              <a:t>EOSlib</a:t>
+            </a:r>
+            <a:r>
+              <a:rPr lang="en-US" dirty="0" smtClean="0"/>
+              <a:t> – The Software (</a:t>
+            </a:r>
+            <a:r>
+              <a:rPr lang="en-US" dirty="0" err="1" smtClean="0"/>
+              <a:t>Cmake</a:t>
+            </a:r>
+            <a:r>
+              <a:rPr lang="en-US" dirty="0" smtClean="0"/>
+              <a:t>, </a:t>
+            </a:r>
+            <a:r>
+              <a:rPr lang="en-US" dirty="0" err="1" smtClean="0"/>
+              <a:t>GitHub</a:t>
+            </a:r>
+            <a:r>
+              <a:rPr lang="en-US" dirty="0" smtClean="0"/>
+              <a:t>, etc.)</a:t>
+            </a:r>
+            <a:endParaRPr lang="en-US" dirty="0"/>
+          </a:p>
+        </p:txBody>
+      </p:sp>
+      <p:sp>
+        <p:nvSpPr>
+          <p:cNvPr id="6" name="Text Placeholder 5"/>
           <p:cNvSpPr>
             <a:spLocks noGrp="1"/>
           </p:cNvSpPr>
           <p:nvPr>
-            <p:ph sz="quarter" idx="13"/>
+            <p:ph type="body" sz="quarter" idx="13"/>
           </p:nvPr>
         </p:nvSpPr>
         <p:spPr/>
@@ -11288,14 +10977,14 @@
           <a:bodyPr/>
           <a:lstStyle/>
           <a:p>
-            <a:endParaRPr lang="en-US" dirty="0"/>
+            <a:endParaRPr lang="en-US"/>
           </a:p>
         </p:txBody>
       </p:sp>
     </p:spTree>
     <p:extLst>
       <p:ext uri="{BB962C8B-B14F-4D97-AF65-F5344CB8AC3E}">
-        <p14:creationId xmlns:p14="http://schemas.microsoft.com/office/powerpoint/2010/main" val="1848279415"/>
+        <p14:creationId xmlns:p14="http://schemas.microsoft.com/office/powerpoint/2010/main" val="453941"/>
       </p:ext>
     </p:extLst>
   </p:cSld>
@@ -11314,13 +11003,6 @@
       </p:transition>
     </mc:Fallback>
   </mc:AlternateContent>
-  <p:timing>
-    <p:tnLst>
-      <p:par>
-        <p:cTn xmlns:p14="http://schemas.microsoft.com/office/powerpoint/2010/main" id="1" dur="indefinite" restart="never" nodeType="tmRoot"/>
-      </p:par>
-    </p:tnLst>
-  </p:timing>
 </p:sld>
 </file>
 
@@ -11356,7 +11038,15 @@
           <a:bodyPr/>
           <a:lstStyle/>
           <a:p>
-            <a:endParaRPr lang="en-US"/>
+            <a:r>
+              <a:rPr lang="en-US" dirty="0" err="1" smtClean="0"/>
+              <a:t>EOSlib</a:t>
+            </a:r>
+            <a:r>
+              <a:rPr lang="en-US" dirty="0" smtClean="0"/>
+              <a:t> – A reference implementation for analytic equation-of-state models</a:t>
+            </a:r>
+            <a:endParaRPr lang="en-US" dirty="0"/>
           </a:p>
         </p:txBody>
       </p:sp>
@@ -11375,7 +11065,136 @@
           <a:bodyPr/>
           <a:lstStyle/>
           <a:p>
-            <a:endParaRPr lang="en-US"/>
+            <a:r>
+              <a:rPr lang="en-US" dirty="0" smtClean="0"/>
+              <a:t>Extensible, stand-alone code for analytic EOS models.</a:t>
+            </a:r>
+          </a:p>
+          <a:p>
+            <a:r>
+              <a:rPr lang="en-US" dirty="0" smtClean="0"/>
+              <a:t>Provides a single target for verification and validation work.</a:t>
+            </a:r>
+          </a:p>
+          <a:p>
+            <a:r>
+              <a:rPr lang="en-US" dirty="0" smtClean="0"/>
+              <a:t>Provides tools for managing databases of EOS parameters.</a:t>
+            </a:r>
+          </a:p>
+          <a:p>
+            <a:r>
+              <a:rPr lang="en-US" dirty="0" smtClean="0"/>
+              <a:t>Facilitates EOS computations:</a:t>
+            </a:r>
+          </a:p>
+          <a:p>
+            <a:pPr lvl="1"/>
+            <a:r>
+              <a:rPr lang="en-US" dirty="0" err="1" smtClean="0"/>
+              <a:t>Hugoniot</a:t>
+            </a:r>
+            <a:r>
+              <a:rPr lang="en-US" dirty="0" smtClean="0"/>
+              <a:t> curves</a:t>
+            </a:r>
+          </a:p>
+          <a:p>
+            <a:pPr lvl="1"/>
+            <a:r>
+              <a:rPr lang="en-US" dirty="0" smtClean="0"/>
+              <a:t>Detonation profiles (see figure</a:t>
+            </a:r>
+            <a:r>
+              <a:rPr lang="en-US" baseline="30000" dirty="0" smtClean="0"/>
+              <a:t>1</a:t>
+            </a:r>
+            <a:r>
+              <a:rPr lang="en-US" dirty="0" smtClean="0"/>
+              <a:t>)</a:t>
+            </a:r>
+          </a:p>
+          <a:p>
+            <a:pPr lvl="1"/>
+            <a:r>
+              <a:rPr lang="en-US" dirty="0" smtClean="0"/>
+              <a:t>Simple plastic deformation</a:t>
+            </a:r>
+          </a:p>
+          <a:p>
+            <a:endParaRPr lang="en-US" dirty="0" smtClean="0"/>
+          </a:p>
+          <a:p>
+            <a:pPr marL="0" indent="0">
+              <a:buNone/>
+            </a:pPr>
+            <a:r>
+              <a:rPr lang="en-US" sz="1100" b="0" baseline="30000" dirty="0">
+                <a:solidFill>
+                  <a:srgbClr val="000000"/>
+                </a:solidFill>
+                <a:latin typeface="Lucida Grande"/>
+                <a:ea typeface="Lucida Grande"/>
+                <a:cs typeface="Lucida Grande"/>
+              </a:rPr>
+              <a:t>1</a:t>
+            </a:r>
+            <a:r>
+              <a:rPr lang="en-US" sz="1100" b="0" dirty="0">
+                <a:solidFill>
+                  <a:srgbClr val="000000"/>
+                </a:solidFill>
+                <a:latin typeface="Lucida Grande"/>
+                <a:ea typeface="Lucida Grande"/>
+                <a:cs typeface="Lucida Grande"/>
+              </a:rPr>
+              <a:t> </a:t>
+            </a:r>
+            <a:r>
+              <a:rPr lang="en-US" sz="1100" b="0" dirty="0" err="1">
+                <a:solidFill>
+                  <a:srgbClr val="000000"/>
+                </a:solidFill>
+                <a:latin typeface="Lucida Grande"/>
+                <a:ea typeface="Lucida Grande"/>
+                <a:cs typeface="Lucida Grande"/>
+              </a:rPr>
+              <a:t>Menikoff</a:t>
+            </a:r>
+            <a:r>
+              <a:rPr lang="en-US" sz="1100" b="0" dirty="0">
+                <a:solidFill>
+                  <a:srgbClr val="000000"/>
+                </a:solidFill>
+                <a:latin typeface="Lucida Grande"/>
+                <a:ea typeface="Lucida Grande"/>
+                <a:cs typeface="Lucida Grande"/>
+              </a:rPr>
+              <a:t>, </a:t>
+            </a:r>
+            <a:r>
+              <a:rPr lang="en-US" sz="1100" b="0" i="1" dirty="0">
+                <a:solidFill>
+                  <a:srgbClr val="000000"/>
+                </a:solidFill>
+                <a:latin typeface="Lucida Grande"/>
+                <a:ea typeface="Lucida Grande"/>
+                <a:cs typeface="Lucida Grande"/>
+              </a:rPr>
+              <a:t>Detonation Wave Profile</a:t>
+            </a:r>
+            <a:r>
+              <a:rPr lang="en-US" sz="1100" b="0" dirty="0">
+                <a:solidFill>
+                  <a:srgbClr val="000000"/>
+                </a:solidFill>
+                <a:latin typeface="Lucida Grande"/>
+                <a:ea typeface="Lucida Grande"/>
+                <a:cs typeface="Lucida Grande"/>
+              </a:rPr>
+              <a:t>, LA-UR-15-29498</a:t>
+            </a:r>
+            <a:endParaRPr lang="en-US" sz="1100" dirty="0"/>
           </a:p>
         </p:txBody>
       </p:sp>
@@ -11389,19 +11208,572 @@
             <p:ph sz="quarter" idx="14"/>
           </p:nvPr>
         </p:nvSpPr>
-        <p:spPr/>
+        <p:spPr>
+          <a:xfrm>
+            <a:off x="4667249" y="1333501"/>
+            <a:ext cx="4719462" cy="3802944"/>
+          </a:xfrm>
+        </p:spPr>
         <p:txBody>
           <a:bodyPr/>
           <a:lstStyle/>
           <a:p>
-            <a:endParaRPr lang="en-US"/>
-          </a:p>
-        </p:txBody>
-      </p:sp>
+            <a:pPr marL="0" indent="0">
+              <a:lnSpc>
+                <a:spcPct val="80000"/>
+              </a:lnSpc>
+              <a:buNone/>
+            </a:pPr>
+            <a:r>
+              <a:rPr lang="en-US" sz="800" dirty="0">
+                <a:latin typeface="Courier"/>
+                <a:cs typeface="Courier"/>
+              </a:rPr>
+              <a:t>EOS:DavisProducts=PBX9501;  units=hydro::</a:t>
+            </a:r>
+            <a:r>
+              <a:rPr lang="en-US" sz="800" dirty="0" err="1" smtClean="0">
+                <a:latin typeface="Courier"/>
+                <a:cs typeface="Courier"/>
+              </a:rPr>
+              <a:t>std</a:t>
+            </a:r>
+            <a:r>
+              <a:rPr lang="en-US" sz="800" dirty="0" smtClean="0">
+                <a:latin typeface="Courier"/>
+                <a:cs typeface="Courier"/>
+              </a:rPr>
+              <a:t/>
+            </a:r>
+            <a:br>
+              <a:rPr lang="en-US" sz="800" dirty="0" smtClean="0">
+                <a:latin typeface="Courier"/>
+                <a:cs typeface="Courier"/>
+              </a:rPr>
+            </a:br>
+            <a:r>
+              <a:rPr lang="cs-CZ" sz="800" dirty="0" smtClean="0">
+                <a:latin typeface="Courier"/>
+                <a:cs typeface="Courier"/>
+              </a:rPr>
+              <a:t>{</a:t>
+            </a:r>
+            <a:br>
+              <a:rPr lang="cs-CZ" sz="800" dirty="0" smtClean="0">
+                <a:latin typeface="Courier"/>
+                <a:cs typeface="Courier"/>
+              </a:rPr>
+            </a:br>
+            <a:r>
+              <a:rPr lang="cs-CZ" sz="800" dirty="0" smtClean="0">
+                <a:latin typeface="Courier"/>
+                <a:cs typeface="Courier"/>
+              </a:rPr>
+              <a:t># </a:t>
+            </a:r>
+            <a:r>
+              <a:rPr lang="cs-CZ" sz="800" dirty="0">
+                <a:latin typeface="Courier"/>
+                <a:cs typeface="Courier"/>
+              </a:rPr>
+              <a:t>ref: "Experimental Validation </a:t>
+            </a:r>
+            <a:r>
+              <a:rPr lang="cs-CZ" sz="800" dirty="0" err="1">
+                <a:latin typeface="Courier"/>
+                <a:cs typeface="Courier"/>
+              </a:rPr>
+              <a:t>of</a:t>
+            </a:r>
+            <a:r>
+              <a:rPr lang="cs-CZ" sz="800" dirty="0">
+                <a:latin typeface="Courier"/>
+                <a:cs typeface="Courier"/>
+              </a:rPr>
+              <a:t> </a:t>
+            </a:r>
+            <a:r>
+              <a:rPr lang="cs-CZ" sz="800" dirty="0" err="1" smtClean="0">
+                <a:latin typeface="Courier"/>
+                <a:cs typeface="Courier"/>
+              </a:rPr>
+              <a:t>Detonation</a:t>
+            </a:r>
+            <a:r>
+              <a:rPr lang="cs-CZ" sz="800" dirty="0" smtClean="0">
+                <a:latin typeface="Courier"/>
+                <a:cs typeface="Courier"/>
+              </a:rPr>
+              <a:t> </a:t>
+            </a:r>
+            <a:r>
+              <a:rPr lang="cs-CZ" sz="800" dirty="0" err="1" smtClean="0">
+                <a:latin typeface="Courier"/>
+                <a:cs typeface="Courier"/>
+              </a:rPr>
+              <a:t>Shock</a:t>
+            </a:r>
+            <a:r>
+              <a:rPr lang="cs-CZ" sz="800" dirty="0" smtClean="0">
+                <a:latin typeface="Courier"/>
+                <a:cs typeface="Courier"/>
+              </a:rPr>
+              <a:t> Dynamics</a:t>
+            </a:r>
+            <a:br>
+              <a:rPr lang="cs-CZ" sz="800" dirty="0" smtClean="0">
+                <a:latin typeface="Courier"/>
+                <a:cs typeface="Courier"/>
+              </a:rPr>
+            </a:br>
+            <a:r>
+              <a:rPr lang="cs-CZ" sz="800" dirty="0" smtClean="0">
+                <a:latin typeface="Courier"/>
+                <a:cs typeface="Courier"/>
+              </a:rPr>
+              <a:t>#       </a:t>
+            </a:r>
+            <a:r>
+              <a:rPr lang="cs-CZ" sz="800" dirty="0">
+                <a:latin typeface="Courier"/>
+                <a:cs typeface="Courier"/>
+              </a:rPr>
+              <a:t>in </a:t>
+            </a:r>
+            <a:r>
+              <a:rPr lang="cs-CZ" sz="800" dirty="0" err="1">
+                <a:latin typeface="Courier"/>
+                <a:cs typeface="Courier"/>
+              </a:rPr>
+              <a:t>Condensed</a:t>
+            </a:r>
+            <a:r>
+              <a:rPr lang="cs-CZ" sz="800" dirty="0">
+                <a:latin typeface="Courier"/>
+                <a:cs typeface="Courier"/>
+              </a:rPr>
+              <a:t> </a:t>
+            </a:r>
+            <a:r>
+              <a:rPr lang="cs-CZ" sz="800" dirty="0" err="1" smtClean="0">
+                <a:latin typeface="Courier"/>
+                <a:cs typeface="Courier"/>
+              </a:rPr>
+              <a:t>Explosives</a:t>
+            </a:r>
+            <a:r>
+              <a:rPr lang="cs-CZ" sz="800" dirty="0" smtClean="0">
+                <a:latin typeface="Courier"/>
+                <a:cs typeface="Courier"/>
+              </a:rPr>
+              <a:t>“</a:t>
+            </a:r>
+            <a:br>
+              <a:rPr lang="cs-CZ" sz="800" dirty="0" smtClean="0">
+                <a:latin typeface="Courier"/>
+                <a:cs typeface="Courier"/>
+              </a:rPr>
+            </a:br>
+            <a:r>
+              <a:rPr lang="cs-CZ" sz="800" dirty="0" smtClean="0">
+                <a:latin typeface="Courier"/>
+                <a:cs typeface="Courier"/>
+              </a:rPr>
+              <a:t>#       </a:t>
+            </a:r>
+            <a:r>
+              <a:rPr lang="cs-CZ" sz="800" dirty="0">
+                <a:latin typeface="Courier"/>
+                <a:cs typeface="Courier"/>
+              </a:rPr>
+              <a:t>D. E. Lambert, D. S. Stewart, S. Yoo and B. L. </a:t>
+            </a:r>
+            <a:r>
+              <a:rPr lang="cs-CZ" sz="800" dirty="0" err="1" smtClean="0">
+                <a:latin typeface="Courier"/>
+                <a:cs typeface="Courier"/>
+              </a:rPr>
+              <a:t>Wescott</a:t>
+            </a:r>
+            <a:r>
+              <a:rPr lang="cs-CZ" sz="800" dirty="0" smtClean="0">
+                <a:latin typeface="Courier"/>
+                <a:cs typeface="Courier"/>
+              </a:rPr>
+              <a:t/>
+            </a:r>
+            <a:br>
+              <a:rPr lang="cs-CZ" sz="800" dirty="0" smtClean="0">
+                <a:latin typeface="Courier"/>
+                <a:cs typeface="Courier"/>
+              </a:rPr>
+            </a:br>
+            <a:r>
+              <a:rPr lang="is-IS" sz="800" dirty="0" smtClean="0">
+                <a:latin typeface="Courier"/>
+                <a:cs typeface="Courier"/>
+              </a:rPr>
+              <a:t>#       </a:t>
+            </a:r>
+            <a:r>
+              <a:rPr lang="is-IS" sz="800" dirty="0">
+                <a:latin typeface="Courier"/>
+                <a:cs typeface="Courier"/>
+              </a:rPr>
+              <a:t>J. Fluid Mech. 546 (2006) pp. 227-</a:t>
+            </a:r>
+            <a:r>
+              <a:rPr lang="is-IS" sz="800" dirty="0" smtClean="0">
+                <a:latin typeface="Courier"/>
+                <a:cs typeface="Courier"/>
+              </a:rPr>
+              <a:t>253</a:t>
+            </a:r>
+            <a:br>
+              <a:rPr lang="is-IS" sz="800" dirty="0" smtClean="0">
+                <a:latin typeface="Courier"/>
+                <a:cs typeface="Courier"/>
+              </a:rPr>
+            </a:br>
+            <a:r>
+              <a:rPr lang="de-DE" sz="800" dirty="0" smtClean="0">
+                <a:latin typeface="Courier"/>
+                <a:cs typeface="Courier"/>
+              </a:rPr>
+              <a:t>    </a:t>
+            </a:r>
+            <a:r>
+              <a:rPr lang="de-DE" sz="800" dirty="0">
+                <a:latin typeface="Courier"/>
+                <a:cs typeface="Courier"/>
+              </a:rPr>
+              <a:t>rho0 = 1.844    # g/cm^</a:t>
+            </a:r>
+            <a:r>
+              <a:rPr lang="de-DE" sz="800" dirty="0" smtClean="0">
+                <a:latin typeface="Courier"/>
+                <a:cs typeface="Courier"/>
+              </a:rPr>
+              <a:t>3</a:t>
+            </a:r>
+            <a:br>
+              <a:rPr lang="de-DE" sz="800" dirty="0" smtClean="0">
+                <a:latin typeface="Courier"/>
+                <a:cs typeface="Courier"/>
+              </a:rPr>
+            </a:br>
+            <a:r>
+              <a:rPr lang="de-DE" sz="800" dirty="0" smtClean="0">
+                <a:latin typeface="Courier"/>
+                <a:cs typeface="Courier"/>
+              </a:rPr>
+              <a:t>    </a:t>
+            </a:r>
+            <a:r>
+              <a:rPr lang="de-DE" sz="800" dirty="0">
+                <a:latin typeface="Courier"/>
+                <a:cs typeface="Courier"/>
+              </a:rPr>
+              <a:t>e0   = 5.85     # MJ/</a:t>
+            </a:r>
+            <a:r>
+              <a:rPr lang="de-DE" sz="800" dirty="0" smtClean="0">
+                <a:latin typeface="Courier"/>
+                <a:cs typeface="Courier"/>
+              </a:rPr>
+              <a:t>kg</a:t>
+            </a:r>
+            <a:br>
+              <a:rPr lang="de-DE" sz="800" dirty="0" smtClean="0">
+                <a:latin typeface="Courier"/>
+                <a:cs typeface="Courier"/>
+              </a:rPr>
+            </a:br>
+            <a:r>
+              <a:rPr lang="ro-RO" sz="800" dirty="0" smtClean="0">
+                <a:latin typeface="Courier"/>
+                <a:cs typeface="Courier"/>
+              </a:rPr>
+              <a:t>    </a:t>
+            </a:r>
+            <a:r>
+              <a:rPr lang="ro-RO" sz="800" dirty="0">
+                <a:latin typeface="Courier"/>
+                <a:cs typeface="Courier"/>
+              </a:rPr>
+              <a:t>a    = </a:t>
+            </a:r>
+            <a:r>
+              <a:rPr lang="ro-RO" sz="800" dirty="0" smtClean="0">
+                <a:latin typeface="Courier"/>
+                <a:cs typeface="Courier"/>
+              </a:rPr>
+              <a:t>0.7965</a:t>
+            </a:r>
+            <a:br>
+              <a:rPr lang="ro-RO" sz="800" dirty="0" smtClean="0">
+                <a:latin typeface="Courier"/>
+                <a:cs typeface="Courier"/>
+              </a:rPr>
+            </a:br>
+            <a:r>
+              <a:rPr lang="de-DE" sz="800" dirty="0" smtClean="0">
+                <a:latin typeface="Courier"/>
+                <a:cs typeface="Courier"/>
+              </a:rPr>
+              <a:t>    </a:t>
+            </a:r>
+            <a:r>
+              <a:rPr lang="de-DE" sz="800" dirty="0">
+                <a:latin typeface="Courier"/>
+                <a:cs typeface="Courier"/>
+              </a:rPr>
+              <a:t>n    = </a:t>
+            </a:r>
+            <a:r>
+              <a:rPr lang="de-DE" sz="800" dirty="0" smtClean="0">
+                <a:latin typeface="Courier"/>
+                <a:cs typeface="Courier"/>
+              </a:rPr>
+              <a:t>1.758</a:t>
+            </a:r>
+            <a:br>
+              <a:rPr lang="de-DE" sz="800" dirty="0" smtClean="0">
+                <a:latin typeface="Courier"/>
+                <a:cs typeface="Courier"/>
+              </a:rPr>
+            </a:br>
+            <a:r>
+              <a:rPr lang="de-DE" sz="800" dirty="0" smtClean="0">
+                <a:latin typeface="Courier"/>
+                <a:cs typeface="Courier"/>
+              </a:rPr>
+              <a:t>    </a:t>
+            </a:r>
+            <a:r>
+              <a:rPr lang="de-DE" sz="800" dirty="0">
+                <a:latin typeface="Courier"/>
+                <a:cs typeface="Courier"/>
+              </a:rPr>
+              <a:t>Vc   = 0.8314   # cm^3/</a:t>
+            </a:r>
+            <a:r>
+              <a:rPr lang="de-DE" sz="800" dirty="0" err="1" smtClean="0">
+                <a:latin typeface="Courier"/>
+                <a:cs typeface="Courier"/>
+              </a:rPr>
+              <a:t>g</a:t>
+            </a:r>
+            <a:r>
+              <a:rPr lang="de-DE" sz="800" dirty="0" smtClean="0">
+                <a:latin typeface="Courier"/>
+                <a:cs typeface="Courier"/>
+              </a:rPr>
+              <a:t/>
+            </a:r>
+            <a:br>
+              <a:rPr lang="de-DE" sz="800" dirty="0" smtClean="0">
+                <a:latin typeface="Courier"/>
+                <a:cs typeface="Courier"/>
+              </a:rPr>
+            </a:br>
+            <a:r>
+              <a:rPr lang="de-DE" sz="800" dirty="0" smtClean="0">
+                <a:latin typeface="Courier"/>
+                <a:cs typeface="Courier"/>
+              </a:rPr>
+              <a:t>    </a:t>
+            </a:r>
+            <a:r>
+              <a:rPr lang="de-DE" sz="800" dirty="0">
+                <a:latin typeface="Courier"/>
+                <a:cs typeface="Courier"/>
+              </a:rPr>
+              <a:t>pc   = 3.738    # </a:t>
+            </a:r>
+            <a:r>
+              <a:rPr lang="de-DE" sz="800" dirty="0" err="1" smtClean="0">
+                <a:latin typeface="Courier"/>
+                <a:cs typeface="Courier"/>
+              </a:rPr>
+              <a:t>Gpa</a:t>
+            </a:r>
+            <a:r>
+              <a:rPr lang="de-DE" sz="800" dirty="0" smtClean="0">
+                <a:latin typeface="Courier"/>
+                <a:cs typeface="Courier"/>
+              </a:rPr>
+              <a:t/>
+            </a:r>
+            <a:br>
+              <a:rPr lang="de-DE" sz="800" dirty="0" smtClean="0">
+                <a:latin typeface="Courier"/>
+                <a:cs typeface="Courier"/>
+              </a:rPr>
+            </a:br>
+            <a:r>
+              <a:rPr lang="de-DE" sz="800" dirty="0" smtClean="0">
+                <a:latin typeface="Courier"/>
+                <a:cs typeface="Courier"/>
+              </a:rPr>
+              <a:t>    </a:t>
+            </a:r>
+            <a:r>
+              <a:rPr lang="de-DE" sz="800" dirty="0">
+                <a:latin typeface="Courier"/>
+                <a:cs typeface="Courier"/>
+              </a:rPr>
+              <a:t>b    = </a:t>
+            </a:r>
+            <a:r>
+              <a:rPr lang="de-DE" sz="800" dirty="0" smtClean="0">
+                <a:latin typeface="Courier"/>
+                <a:cs typeface="Courier"/>
+              </a:rPr>
+              <a:t>0.7</a:t>
+            </a:r>
+            <a:br>
+              <a:rPr lang="de-DE" sz="800" dirty="0" smtClean="0">
+                <a:latin typeface="Courier"/>
+                <a:cs typeface="Courier"/>
+              </a:rPr>
+            </a:br>
+            <a:r>
+              <a:rPr lang="de-DE" sz="800" dirty="0" smtClean="0">
+                <a:latin typeface="Courier"/>
+                <a:cs typeface="Courier"/>
+              </a:rPr>
+              <a:t>    </a:t>
+            </a:r>
+            <a:r>
+              <a:rPr lang="de-DE" sz="800" dirty="0">
+                <a:latin typeface="Courier"/>
+                <a:cs typeface="Courier"/>
+              </a:rPr>
+              <a:t>k    = </a:t>
+            </a:r>
+            <a:r>
+              <a:rPr lang="de-DE" sz="800" dirty="0" smtClean="0">
+                <a:latin typeface="Courier"/>
+                <a:cs typeface="Courier"/>
+              </a:rPr>
+              <a:t>1.3</a:t>
+            </a:r>
+            <a:br>
+              <a:rPr lang="de-DE" sz="800" dirty="0" smtClean="0">
+                <a:latin typeface="Courier"/>
+                <a:cs typeface="Courier"/>
+              </a:rPr>
+            </a:br>
+            <a:r>
+              <a:rPr lang="de-DE" sz="800" dirty="0" smtClean="0">
+                <a:latin typeface="Courier"/>
+                <a:cs typeface="Courier"/>
+              </a:rPr>
+              <a:t>    </a:t>
+            </a:r>
+            <a:r>
+              <a:rPr lang="de-DE" sz="800" dirty="0">
+                <a:latin typeface="Courier"/>
+                <a:cs typeface="Courier"/>
+              </a:rPr>
+              <a:t>Cv   = 0.945e-3 # (MJ/kg)/</a:t>
+            </a:r>
+            <a:r>
+              <a:rPr lang="de-DE" sz="800" dirty="0" smtClean="0">
+                <a:latin typeface="Courier"/>
+                <a:cs typeface="Courier"/>
+              </a:rPr>
+              <a:t>K</a:t>
+            </a:r>
+            <a:br>
+              <a:rPr lang="de-DE" sz="800" dirty="0" smtClean="0">
+                <a:latin typeface="Courier"/>
+                <a:cs typeface="Courier"/>
+              </a:rPr>
+            </a:br>
+            <a:r>
+              <a:rPr lang="ro-RO" sz="800" dirty="0" smtClean="0">
+                <a:latin typeface="Courier"/>
+                <a:cs typeface="Courier"/>
+              </a:rPr>
+              <a:t>    </a:t>
+            </a:r>
+            <a:r>
+              <a:rPr lang="ro-RO" sz="800" dirty="0">
+                <a:latin typeface="Courier"/>
+                <a:cs typeface="Courier"/>
+              </a:rPr>
+              <a:t>Tc   = </a:t>
+            </a:r>
+            <a:r>
+              <a:rPr lang="ro-RO" sz="800" dirty="0" smtClean="0">
+                <a:latin typeface="Courier"/>
+                <a:cs typeface="Courier"/>
+              </a:rPr>
+              <a:t>2407.34</a:t>
+            </a:r>
+            <a:r>
+              <a:rPr lang="ro-RO" sz="800" dirty="0">
+                <a:latin typeface="Courier"/>
+                <a:cs typeface="Courier"/>
+              </a:rPr>
+              <a:t/>
+            </a:r>
+            <a:br>
+              <a:rPr lang="ro-RO" sz="800" dirty="0">
+                <a:latin typeface="Courier"/>
+                <a:cs typeface="Courier"/>
+              </a:rPr>
+            </a:br>
+            <a:r>
+              <a:rPr lang="en-US" sz="800" dirty="0" smtClean="0">
+                <a:latin typeface="Courier"/>
+                <a:cs typeface="Courier"/>
+              </a:rPr>
+              <a:t>}</a:t>
+            </a:r>
+            <a:endParaRPr lang="en-US" sz="800" dirty="0">
+              <a:latin typeface="Courier"/>
+              <a:cs typeface="Courier"/>
+            </a:endParaRPr>
+          </a:p>
+          <a:p>
+            <a:pPr marL="0" indent="0">
+              <a:buNone/>
+            </a:pPr>
+            <a:endParaRPr lang="en-US" sz="1200" dirty="0"/>
+          </a:p>
+        </p:txBody>
+      </p:sp>
+      <p:pic>
+        <p:nvPicPr>
+          <p:cNvPr id="9" name="Picture 8"/>
+          <p:cNvPicPr>
+            <a:picLocks noChangeAspect="1"/>
+          </p:cNvPicPr>
+          <p:nvPr/>
+        </p:nvPicPr>
+        <p:blipFill>
+          <a:blip r:embed="rId3"/>
+          <a:stretch>
+            <a:fillRect/>
+          </a:stretch>
+        </p:blipFill>
+        <p:spPr>
+          <a:xfrm>
+            <a:off x="5031880" y="3083422"/>
+            <a:ext cx="2830832" cy="2120757"/>
+          </a:xfrm>
+          <a:prstGeom prst="rect">
+            <a:avLst/>
+          </a:prstGeom>
+        </p:spPr>
+      </p:pic>
     </p:spTree>
     <p:extLst>
       <p:ext uri="{BB962C8B-B14F-4D97-AF65-F5344CB8AC3E}">
-        <p14:creationId xmlns:p14="http://schemas.microsoft.com/office/powerpoint/2010/main" val="3720437226"/>
+        <p14:creationId xmlns:p14="http://schemas.microsoft.com/office/powerpoint/2010/main" val="3887120567"/>
       </p:ext>
     </p:extLst>
   </p:cSld>
@@ -11420,119 +11792,6 @@
       </p:transition>
     </mc:Fallback>
   </mc:AlternateContent>
-  <p:timing>
-    <p:tnLst>
-      <p:par>
-        <p:cTn xmlns:p14="http://schemas.microsoft.com/office/powerpoint/2010/main" id="1" dur="indefinite" restart="never" nodeType="tmRoot"/>
-      </p:par>
-    </p:tnLst>
-  </p:timing>
-</p:sld>
-</file>
-
-<file path=ppt/slides/slide9.xml><?xml version="1.0" encoding="utf-8"?>
-<p:sld xmlns:a="http://schemas.openxmlformats.org/drawingml/2006/main" xmlns:r="http://schemas.openxmlformats.org/officeDocument/2006/relationships" xmlns:p="http://schemas.openxmlformats.org/presentationml/2006/main">
-  <p:cSld>
-    <p:spTree>
-      <p:nvGrpSpPr>
-        <p:cNvPr id="1" name=""/>
-        <p:cNvGrpSpPr/>
-        <p:nvPr/>
-      </p:nvGrpSpPr>
-      <p:grpSpPr>
-        <a:xfrm>
-          <a:off x="0" y="0"/>
-          <a:ext cx="0" cy="0"/>
-          <a:chOff x="0" y="0"/>
-          <a:chExt cx="0" cy="0"/>
-        </a:xfrm>
-      </p:grpSpPr>
-      <p:sp>
-        <p:nvSpPr>
-          <p:cNvPr id="3" name="Content Placeholder 2"/>
-          <p:cNvSpPr>
-            <a:spLocks noGrp="1"/>
-          </p:cNvSpPr>
-          <p:nvPr>
-            <p:ph sz="quarter" idx="13"/>
-          </p:nvPr>
-        </p:nvSpPr>
-        <p:spPr/>
-        <p:txBody>
-          <a:bodyPr/>
-          <a:lstStyle/>
-          <a:p>
-            <a:endParaRPr lang="en-US"/>
-          </a:p>
-        </p:txBody>
-      </p:sp>
-      <p:sp>
-        <p:nvSpPr>
-          <p:cNvPr id="2" name="Title 1"/>
-          <p:cNvSpPr>
-            <a:spLocks noGrp="1"/>
-          </p:cNvSpPr>
-          <p:nvPr>
-            <p:ph type="title"/>
-          </p:nvPr>
-        </p:nvSpPr>
-        <p:spPr/>
-        <p:txBody>
-          <a:bodyPr/>
-          <a:lstStyle/>
-          <a:p>
-            <a:endParaRPr lang="en-US"/>
-          </a:p>
-        </p:txBody>
-      </p:sp>
-      <p:sp>
-        <p:nvSpPr>
-          <p:cNvPr id="4" name="Content Placeholder 3"/>
-          <p:cNvSpPr>
-            <a:spLocks noGrp="1"/>
-          </p:cNvSpPr>
-          <p:nvPr>
-            <p:ph sz="quarter" idx="14"/>
-          </p:nvPr>
-        </p:nvSpPr>
-        <p:spPr/>
-        <p:txBody>
-          <a:bodyPr/>
-          <a:lstStyle/>
-          <a:p>
-            <a:endParaRPr lang="en-US"/>
-          </a:p>
-        </p:txBody>
-      </p:sp>
-    </p:spTree>
-    <p:extLst>
-      <p:ext uri="{BB962C8B-B14F-4D97-AF65-F5344CB8AC3E}">
-        <p14:creationId xmlns:p14="http://schemas.microsoft.com/office/powerpoint/2010/main" val="3260116326"/>
-      </p:ext>
-    </p:extLst>
-  </p:cSld>
-  <p:clrMapOvr>
-    <a:masterClrMapping/>
-  </p:clrMapOvr>
-  <mc:AlternateContent xmlns:mc="http://schemas.openxmlformats.org/markup-compatibility/2006" xmlns:p14="http://schemas.microsoft.com/office/powerpoint/2010/main">
-    <mc:Choice Requires="p14">
-      <p:transition spd="med" p14:dur="700">
-        <p:fade/>
-      </p:transition>
-    </mc:Choice>
-    <mc:Fallback xmlns="">
-      <p:transition spd="med">
-        <p:fade/>
-      </p:transition>
-    </mc:Fallback>
-  </mc:AlternateContent>
-  <p:timing>
-    <p:tnLst>
-      <p:par>
-        <p:cTn xmlns:p14="http://schemas.microsoft.com/office/powerpoint/2010/main" id="1" dur="indefinite" restart="never" nodeType="tmRoot"/>
-      </p:par>
-    </p:tnLst>
-  </p:timing>
 </p:sld>
 </file>
 
@@ -11878,7 +12137,7 @@
   <a:extraClrSchemeLst/>
   <a:extLst>
     <a:ext uri="{05A4C25C-085E-4340-85A3-A5531E510DB2}">
-      <thm15:themeFamily xmlns:thm15="http://schemas.microsoft.com/office/thememl/2012/main" xmlns="" name="LANL_BLUE_WIDE_15JAN2016 (002) [Read-Only]" id="{ED0731E9-7D3D-45CE-A037-E3A8D0080D83}" vid="{506EBD21-AEC2-4EE9-8215-013AB7E5DC14}"/>
+      <thm15:themeFamily xmlns="" xmlns:thm15="http://schemas.microsoft.com/office/thememl/2012/main" name="LANL_BLUE_WIDE_15JAN2016 (002) [Read-Only]" id="{ED0731E9-7D3D-45CE-A037-E3A8D0080D83}" vid="{506EBD21-AEC2-4EE9-8215-013AB7E5DC14}"/>
     </a:ext>
   </a:extLst>
 </a:theme>

--- a/doc/ASME V&V Symposium/ASME V&V Symposium.pptx
+++ b/doc/ASME V&V Symposium/ASME V&V Symposium.pptx
@@ -5,20 +5,22 @@
     <p:sldMasterId id="2147483648" r:id="rId1"/>
   </p:sldMasterIdLst>
   <p:notesMasterIdLst>
-    <p:notesMasterId r:id="rId10"/>
+    <p:notesMasterId r:id="rId12"/>
   </p:notesMasterIdLst>
   <p:handoutMasterIdLst>
-    <p:handoutMasterId r:id="rId11"/>
+    <p:handoutMasterId r:id="rId13"/>
   </p:handoutMasterIdLst>
   <p:sldIdLst>
     <p:sldId id="270" r:id="rId2"/>
     <p:sldId id="257" r:id="rId3"/>
     <p:sldId id="258" r:id="rId4"/>
-    <p:sldId id="275" r:id="rId5"/>
-    <p:sldId id="274" r:id="rId6"/>
-    <p:sldId id="276" r:id="rId7"/>
-    <p:sldId id="277" r:id="rId8"/>
-    <p:sldId id="273" r:id="rId9"/>
+    <p:sldId id="278" r:id="rId5"/>
+    <p:sldId id="280" r:id="rId6"/>
+    <p:sldId id="275" r:id="rId7"/>
+    <p:sldId id="274" r:id="rId8"/>
+    <p:sldId id="276" r:id="rId9"/>
+    <p:sldId id="277" r:id="rId10"/>
+    <p:sldId id="273" r:id="rId11"/>
   </p:sldIdLst>
   <p:sldSz cx="9144000" cy="5715000" type="screen16x10"/>
   <p:notesSz cx="6858000" cy="9144000"/>
@@ -241,26 +243,16 @@
           </a:lstStyle>
           <a:p>
             <a:r>
-              <a:rPr lang="en-US" b="1" dirty="0">
+              <a:rPr lang="en-US" b="1" smtClean="0">
                 <a:latin typeface="Arial"/>
                 <a:cs typeface="Arial"/>
               </a:rPr>
-              <a:t>UNCLASSIFIED  |  LA-UR-</a:t>
-            </a:r>
-            <a:r>
-              <a:rPr lang="en-US" b="1" dirty="0" err="1">
-                <a:latin typeface="Arial"/>
-                <a:cs typeface="Arial"/>
-              </a:rPr>
-              <a:t>yy</a:t>
-            </a:r>
-            <a:r>
-              <a:rPr lang="en-US" b="1" dirty="0">
-                <a:latin typeface="Arial"/>
-                <a:cs typeface="Arial"/>
-              </a:rPr>
-              <a:t>-#####</a:t>
-            </a:r>
+              <a:t>UNCLASSIFIED  |  LA-UR-yy-#####</a:t>
+            </a:r>
+            <a:endParaRPr lang="en-US" b="1" dirty="0">
+              <a:latin typeface="Arial"/>
+              <a:cs typeface="Arial"/>
+            </a:endParaRPr>
           </a:p>
         </p:txBody>
       </p:sp>
@@ -535,25 +527,11 @@
           </a:lstStyle>
           <a:p>
             <a:r>
-              <a:rPr lang="en-US" b="1" dirty="0" smtClean="0">
+              <a:rPr lang="en-US" b="1" smtClean="0">
                 <a:latin typeface="Arial"/>
                 <a:cs typeface="Arial"/>
               </a:rPr>
-              <a:t>UNCLASSIFIED  |  LA-UR-</a:t>
-            </a:r>
-            <a:r>
-              <a:rPr lang="en-US" b="1" dirty="0" err="1" smtClean="0">
-                <a:latin typeface="Arial"/>
-                <a:cs typeface="Arial"/>
-              </a:rPr>
-              <a:t>yy</a:t>
-            </a:r>
-            <a:r>
-              <a:rPr lang="en-US" b="1" dirty="0" smtClean="0">
-                <a:latin typeface="Arial"/>
-                <a:cs typeface="Arial"/>
-              </a:rPr>
-              <a:t>-#####</a:t>
+              <a:t>UNCLASSIFIED  |  LA-UR-yy-#####</a:t>
             </a:r>
             <a:endParaRPr lang="en-US" b="1" dirty="0">
               <a:latin typeface="Arial"/>
@@ -805,81 +783,35 @@
           <a:lstStyle/>
           <a:p>
             <a:r>
+              <a:rPr lang="en-US" dirty="0" smtClean="0"/>
+              <a:t>Exact list of assumptions from </a:t>
+            </a:r>
+            <a:r>
               <a:rPr lang="en-US" dirty="0" err="1" smtClean="0"/>
-              <a:t>EOSlib</a:t>
-            </a:r>
-            <a:r>
-              <a:rPr lang="en-US" dirty="0" smtClean="0"/>
-              <a:t> is designed to be easily extensible, by editing ASCII data files and dynamically loading model libraries. It can</a:t>
+              <a:t>Fickett</a:t>
             </a:r>
             <a:r>
               <a:rPr lang="en-US" baseline="0" dirty="0" smtClean="0"/>
-              <a:t> also be used in a way that is completely self-contained, which greatly simplifies the challenge of debugging EOS errors in hydro codes, because you don’t have to run the entire hydro machinery (grid generation, input files, etc.) in order to check the behavior of the EOS.</a:t>
-            </a:r>
-          </a:p>
-          <a:p>
-            <a:r>
-              <a:rPr lang="en-US" baseline="0" dirty="0" err="1" smtClean="0"/>
-              <a:t>EOSlib</a:t>
-            </a:r>
+              <a:t> &amp; Davis:</a:t>
+            </a:r>
+          </a:p>
+          <a:p>
+            <a:pPr lvl="1"/>
             <a:r>
               <a:rPr lang="en-US" baseline="0" dirty="0" smtClean="0"/>
-              <a:t> is designed for correctness first, and efficiency second, and it provides a specific target implementation for V&amp;V studies of EOS models. </a:t>
-            </a:r>
-          </a:p>
-          <a:p>
+              <a:t>The flow is one dimensional</a:t>
+            </a:r>
+          </a:p>
+          <a:p>
+            <a:pPr lvl="1"/>
             <a:r>
               <a:rPr lang="en-US" baseline="0" dirty="0" smtClean="0"/>
-              <a:t>Despite this design, </a:t>
-            </a:r>
-            <a:r>
-              <a:rPr lang="en-US" baseline="0" dirty="0" err="1" smtClean="0"/>
-              <a:t>EOSlib</a:t>
-            </a:r>
-            <a:r>
-              <a:rPr lang="en-US" baseline="0" dirty="0" smtClean="0"/>
-              <a:t> is efficient enough to be linked directly into hydro codes, and may be “good-enough” for many purposes. If not, optimized EOS modules can be compared to </a:t>
-            </a:r>
-            <a:r>
-              <a:rPr lang="en-US" baseline="0" dirty="0" err="1" smtClean="0"/>
-              <a:t>EOSlib</a:t>
-            </a:r>
-            <a:r>
-              <a:rPr lang="en-US" baseline="0" dirty="0" smtClean="0"/>
-              <a:t> to ensure correctness.</a:t>
-            </a:r>
-          </a:p>
-          <a:p>
-            <a:r>
-              <a:rPr lang="en-US" baseline="0" dirty="0" err="1" smtClean="0"/>
-              <a:t>EOSlib</a:t>
-            </a:r>
-            <a:r>
-              <a:rPr lang="en-US" baseline="0" dirty="0" smtClean="0"/>
-              <a:t> includes many useful utilities for managing databases and automating thermodynamic computations. It can list and sort available material models, </a:t>
-            </a:r>
-          </a:p>
-          <a:p>
-            <a:endParaRPr lang="en-US" dirty="0" smtClean="0"/>
-          </a:p>
-          <a:p>
-            <a:r>
-              <a:rPr lang="en-US" dirty="0" smtClean="0"/>
-              <a:t>Figure shows partially burned detonation</a:t>
-            </a:r>
-            <a:r>
-              <a:rPr lang="en-US" baseline="0" dirty="0" smtClean="0"/>
-              <a:t> loci for PBX 9501, with blue being unreacted and red being fully reacted. Note the CJ detonations states for each locus, and the von Neumann (</a:t>
-            </a:r>
-            <a:r>
-              <a:rPr lang="en-US" baseline="0" dirty="0" err="1" smtClean="0"/>
-              <a:t>Zel’dovich</a:t>
-            </a:r>
-            <a:r>
-              <a:rPr lang="en-US" baseline="0" dirty="0" smtClean="0"/>
-              <a:t>) spike. This analysis is directly related to the ZND detonation profile. A ZND detonation corresponds to an initial shock to the VN state, followed by a steady reaction down the solid black line, reaching the CJ state at the end of the reaction zone (assuming not an overdriven flow).</a:t>
-            </a:r>
-            <a:endParaRPr lang="en-US" dirty="0" smtClean="0"/>
+              <a:t>The shock is a jump discontinuity, because transport effects (heat conduction, radiation, diffusion, viscosity) are neglected</a:t>
+            </a:r>
+          </a:p>
+          <a:p>
+            <a:pPr lvl="1"/>
+            <a:endParaRPr lang="en-US" dirty="0"/>
           </a:p>
         </p:txBody>
       </p:sp>
@@ -903,7 +835,540 @@
                 <a:latin typeface="Arial"/>
                 <a:cs typeface="Arial"/>
               </a:rPr>
-              <a:t>8</a:t>
+              <a:t>3</a:t>
+            </a:fld>
+            <a:endParaRPr lang="en-US" dirty="0">
+              <a:latin typeface="Arial"/>
+              <a:cs typeface="Arial"/>
+            </a:endParaRPr>
+          </a:p>
+        </p:txBody>
+      </p:sp>
+    </p:spTree>
+    <p:extLst>
+      <p:ext uri="{BB962C8B-B14F-4D97-AF65-F5344CB8AC3E}">
+        <p14:creationId xmlns:p14="http://schemas.microsoft.com/office/powerpoint/2010/main" val="2762626314"/>
+      </p:ext>
+    </p:extLst>
+  </p:cSld>
+  <p:clrMapOvr>
+    <a:masterClrMapping/>
+  </p:clrMapOvr>
+</p:notes>
+</file>
+
+<file path=ppt/notesSlides/notesSlide2.xml><?xml version="1.0" encoding="utf-8"?>
+<p:notes xmlns:a="http://schemas.openxmlformats.org/drawingml/2006/main" xmlns:r="http://schemas.openxmlformats.org/officeDocument/2006/relationships" xmlns:p="http://schemas.openxmlformats.org/presentationml/2006/main">
+  <p:cSld>
+    <p:spTree>
+      <p:nvGrpSpPr>
+        <p:cNvPr id="1" name=""/>
+        <p:cNvGrpSpPr/>
+        <p:nvPr/>
+      </p:nvGrpSpPr>
+      <p:grpSpPr>
+        <a:xfrm>
+          <a:off x="0" y="0"/>
+          <a:ext cx="0" cy="0"/>
+          <a:chOff x="0" y="0"/>
+          <a:chExt cx="0" cy="0"/>
+        </a:xfrm>
+      </p:grpSpPr>
+      <p:sp>
+        <p:nvSpPr>
+          <p:cNvPr id="2" name="Slide Image Placeholder 1"/>
+          <p:cNvSpPr>
+            <a:spLocks noGrp="1" noRot="1" noChangeAspect="1"/>
+          </p:cNvSpPr>
+          <p:nvPr>
+            <p:ph type="sldImg"/>
+          </p:nvPr>
+        </p:nvSpPr>
+        <p:spPr/>
+      </p:sp>
+      <p:sp>
+        <p:nvSpPr>
+          <p:cNvPr id="3" name="Notes Placeholder 2"/>
+          <p:cNvSpPr>
+            <a:spLocks noGrp="1"/>
+          </p:cNvSpPr>
+          <p:nvPr>
+            <p:ph type="body" idx="1"/>
+          </p:nvPr>
+        </p:nvSpPr>
+        <p:spPr/>
+        <p:txBody>
+          <a:bodyPr/>
+          <a:lstStyle/>
+          <a:p>
+            <a:r>
+              <a:rPr lang="en-US" dirty="0" smtClean="0"/>
+              <a:t>Exact list of assumptions from </a:t>
+            </a:r>
+            <a:r>
+              <a:rPr lang="en-US" dirty="0" err="1" smtClean="0"/>
+              <a:t>Fickett</a:t>
+            </a:r>
+            <a:r>
+              <a:rPr lang="en-US" baseline="0" dirty="0" smtClean="0"/>
+              <a:t> &amp; Davis:</a:t>
+            </a:r>
+          </a:p>
+          <a:p>
+            <a:pPr lvl="1"/>
+            <a:r>
+              <a:rPr lang="en-US" baseline="0" dirty="0" smtClean="0"/>
+              <a:t>The flow is one dimensional.</a:t>
+            </a:r>
+          </a:p>
+          <a:p>
+            <a:pPr lvl="1"/>
+            <a:r>
+              <a:rPr lang="en-US" baseline="0" dirty="0" smtClean="0"/>
+              <a:t>The shock is a jump discontinuity, because transport effects (heat conduction, radiation, diffusion, viscosity) are neglected.</a:t>
+            </a:r>
+          </a:p>
+          <a:p>
+            <a:pPr lvl="1"/>
+            <a:r>
+              <a:rPr lang="en-US" baseline="0" dirty="0" smtClean="0"/>
+              <a:t>The reaction rate is zero ahead of the shock and finite behind, and the reaction is irreversible.</a:t>
+            </a:r>
+          </a:p>
+          <a:p>
+            <a:pPr lvl="1"/>
+            <a:r>
+              <a:rPr lang="en-US" baseline="0" dirty="0" smtClean="0"/>
+              <a:t>All thermodynamic variables other than the chemical composition are in local thermodynamic equilibrium everywhere.</a:t>
+            </a:r>
+          </a:p>
+          <a:p>
+            <a:pPr lvl="0"/>
+            <a:r>
+              <a:rPr lang="en-US" baseline="0" dirty="0" smtClean="0"/>
+              <a:t>Notes on figure</a:t>
+            </a:r>
+          </a:p>
+          <a:p>
+            <a:pPr marL="393700" marR="0" lvl="1" indent="-171450" algn="l" defTabSz="457164" rtl="0" eaLnBrk="1" fontAlgn="auto" latinLnBrk="0" hangingPunct="1">
+              <a:lnSpc>
+                <a:spcPct val="100000"/>
+              </a:lnSpc>
+              <a:spcBef>
+                <a:spcPts val="0"/>
+              </a:spcBef>
+              <a:spcAft>
+                <a:spcPts val="0"/>
+              </a:spcAft>
+              <a:buClrTx/>
+              <a:buSzTx/>
+              <a:buFont typeface="Arial"/>
+              <a:buChar char="•"/>
+              <a:tabLst/>
+              <a:defRPr/>
+            </a:pPr>
+            <a:r>
+              <a:rPr lang="en-US" dirty="0" smtClean="0"/>
+              <a:t>Partially</a:t>
+            </a:r>
+            <a:r>
+              <a:rPr lang="en-US" baseline="0" dirty="0" smtClean="0"/>
+              <a:t> </a:t>
+            </a:r>
+            <a:r>
+              <a:rPr lang="en-US" dirty="0" smtClean="0"/>
+              <a:t>burned detonation</a:t>
+            </a:r>
+            <a:r>
+              <a:rPr lang="en-US" baseline="0" dirty="0" smtClean="0"/>
+              <a:t> loci for PBX 9501, with blue being unreacted and red being fully reacted. Note the CJ detonations states for each locus, and the von Neumann (</a:t>
+            </a:r>
+            <a:r>
+              <a:rPr lang="en-US" baseline="0" dirty="0" err="1" smtClean="0"/>
+              <a:t>Zel’dovich</a:t>
+            </a:r>
+            <a:r>
+              <a:rPr lang="en-US" baseline="0" dirty="0" smtClean="0"/>
+              <a:t>) spike. This analysis is directly related to the ZND detonation profile. A ZND detonation corresponds to an initial shock to the VN state, followed by a steady reaction down the solid black line, reaching the CJ state at the end of the reaction zone (assuming not an overdriven flow).</a:t>
+            </a:r>
+            <a:endParaRPr lang="en-US" dirty="0" smtClean="0"/>
+          </a:p>
+          <a:p>
+            <a:pPr lvl="1"/>
+            <a:endParaRPr lang="en-US" dirty="0"/>
+          </a:p>
+        </p:txBody>
+      </p:sp>
+      <p:sp>
+        <p:nvSpPr>
+          <p:cNvPr id="4" name="Slide Number Placeholder 3"/>
+          <p:cNvSpPr>
+            <a:spLocks noGrp="1"/>
+          </p:cNvSpPr>
+          <p:nvPr>
+            <p:ph type="sldNum" sz="quarter" idx="10"/>
+          </p:nvPr>
+        </p:nvSpPr>
+        <p:spPr/>
+        <p:txBody>
+          <a:bodyPr/>
+          <a:lstStyle/>
+          <a:p>
+            <a:fld id="{233964B0-89DE-BA48-9DB8-30E2ACD1928B}" type="slidenum">
+              <a:rPr lang="en-US" smtClean="0">
+                <a:latin typeface="Arial"/>
+                <a:cs typeface="Arial"/>
+              </a:rPr>
+              <a:t>4</a:t>
+            </a:fld>
+            <a:endParaRPr lang="en-US" dirty="0">
+              <a:latin typeface="Arial"/>
+              <a:cs typeface="Arial"/>
+            </a:endParaRPr>
+          </a:p>
+        </p:txBody>
+      </p:sp>
+    </p:spTree>
+    <p:extLst>
+      <p:ext uri="{BB962C8B-B14F-4D97-AF65-F5344CB8AC3E}">
+        <p14:creationId xmlns:p14="http://schemas.microsoft.com/office/powerpoint/2010/main" val="2762626314"/>
+      </p:ext>
+    </p:extLst>
+  </p:cSld>
+  <p:clrMapOvr>
+    <a:masterClrMapping/>
+  </p:clrMapOvr>
+</p:notes>
+</file>
+
+<file path=ppt/notesSlides/notesSlide3.xml><?xml version="1.0" encoding="utf-8"?>
+<p:notes xmlns:a="http://schemas.openxmlformats.org/drawingml/2006/main" xmlns:r="http://schemas.openxmlformats.org/officeDocument/2006/relationships" xmlns:p="http://schemas.openxmlformats.org/presentationml/2006/main">
+  <p:cSld>
+    <p:spTree>
+      <p:nvGrpSpPr>
+        <p:cNvPr id="1" name=""/>
+        <p:cNvGrpSpPr/>
+        <p:nvPr/>
+      </p:nvGrpSpPr>
+      <p:grpSpPr>
+        <a:xfrm>
+          <a:off x="0" y="0"/>
+          <a:ext cx="0" cy="0"/>
+          <a:chOff x="0" y="0"/>
+          <a:chExt cx="0" cy="0"/>
+        </a:xfrm>
+      </p:grpSpPr>
+      <p:sp>
+        <p:nvSpPr>
+          <p:cNvPr id="2" name="Slide Image Placeholder 1"/>
+          <p:cNvSpPr>
+            <a:spLocks noGrp="1" noRot="1" noChangeAspect="1"/>
+          </p:cNvSpPr>
+          <p:nvPr>
+            <p:ph type="sldImg"/>
+          </p:nvPr>
+        </p:nvSpPr>
+        <p:spPr/>
+      </p:sp>
+      <p:sp>
+        <p:nvSpPr>
+          <p:cNvPr id="3" name="Notes Placeholder 2"/>
+          <p:cNvSpPr>
+            <a:spLocks noGrp="1"/>
+          </p:cNvSpPr>
+          <p:nvPr>
+            <p:ph type="body" idx="1"/>
+          </p:nvPr>
+        </p:nvSpPr>
+        <p:spPr/>
+        <p:txBody>
+          <a:bodyPr/>
+          <a:lstStyle/>
+          <a:p>
+            <a:r>
+              <a:rPr lang="en-US" dirty="0" smtClean="0"/>
+              <a:t>Exact list of assumptions from </a:t>
+            </a:r>
+            <a:r>
+              <a:rPr lang="en-US" dirty="0" err="1" smtClean="0"/>
+              <a:t>Fickett</a:t>
+            </a:r>
+            <a:r>
+              <a:rPr lang="en-US" baseline="0" dirty="0" smtClean="0"/>
+              <a:t> &amp; Davis:</a:t>
+            </a:r>
+          </a:p>
+          <a:p>
+            <a:pPr lvl="1"/>
+            <a:r>
+              <a:rPr lang="en-US" baseline="0" dirty="0" smtClean="0"/>
+              <a:t>The flow is one dimensional.</a:t>
+            </a:r>
+          </a:p>
+          <a:p>
+            <a:pPr lvl="1"/>
+            <a:r>
+              <a:rPr lang="en-US" baseline="0" dirty="0" smtClean="0"/>
+              <a:t>The shock is a jump discontinuity, because transport effects (heat conduction, radiation, diffusion, viscosity) are neglected.</a:t>
+            </a:r>
+          </a:p>
+          <a:p>
+            <a:pPr lvl="1"/>
+            <a:r>
+              <a:rPr lang="en-US" baseline="0" dirty="0" smtClean="0"/>
+              <a:t>The reaction rate is zero ahead of the shock and finite behind, and the reaction is irreversible.</a:t>
+            </a:r>
+          </a:p>
+          <a:p>
+            <a:pPr lvl="1"/>
+            <a:r>
+              <a:rPr lang="en-US" baseline="0" dirty="0" smtClean="0"/>
+              <a:t>All thermodynamic variables other than the chemical composition are in local thermodynamic equilibrium everywhere.</a:t>
+            </a:r>
+          </a:p>
+          <a:p>
+            <a:pPr lvl="0"/>
+            <a:r>
+              <a:rPr lang="en-US" baseline="0" dirty="0" smtClean="0"/>
+              <a:t>Notes on figure</a:t>
+            </a:r>
+          </a:p>
+          <a:p>
+            <a:pPr marL="393700" marR="0" lvl="1" indent="-171450" algn="l" defTabSz="457164" rtl="0" eaLnBrk="1" fontAlgn="auto" latinLnBrk="0" hangingPunct="1">
+              <a:lnSpc>
+                <a:spcPct val="100000"/>
+              </a:lnSpc>
+              <a:spcBef>
+                <a:spcPts val="0"/>
+              </a:spcBef>
+              <a:spcAft>
+                <a:spcPts val="0"/>
+              </a:spcAft>
+              <a:buClrTx/>
+              <a:buSzTx/>
+              <a:buFont typeface="Arial"/>
+              <a:buChar char="•"/>
+              <a:tabLst/>
+              <a:defRPr/>
+            </a:pPr>
+            <a:r>
+              <a:rPr lang="en-US" dirty="0" smtClean="0"/>
+              <a:t>Partially</a:t>
+            </a:r>
+            <a:r>
+              <a:rPr lang="en-US" baseline="0" dirty="0" smtClean="0"/>
+              <a:t> </a:t>
+            </a:r>
+            <a:r>
+              <a:rPr lang="en-US" dirty="0" smtClean="0"/>
+              <a:t>burned detonation</a:t>
+            </a:r>
+            <a:r>
+              <a:rPr lang="en-US" baseline="0" dirty="0" smtClean="0"/>
+              <a:t> loci for PBX 9501, with blue being unreacted and red being fully reacted. Note the CJ detonations states for each locus, and the von Neumann (</a:t>
+            </a:r>
+            <a:r>
+              <a:rPr lang="en-US" baseline="0" dirty="0" err="1" smtClean="0"/>
+              <a:t>Zel’dovich</a:t>
+            </a:r>
+            <a:r>
+              <a:rPr lang="en-US" baseline="0" dirty="0" smtClean="0"/>
+              <a:t>) spike. This analysis is directly related to the ZND detonation profile. A ZND detonation corresponds to an initial shock to the VN state, followed by a steady reaction down the solid black line, reaching the CJ state at the end of the reaction zone (assuming not an overdriven flow).</a:t>
+            </a:r>
+            <a:endParaRPr lang="en-US" dirty="0" smtClean="0"/>
+          </a:p>
+          <a:p>
+            <a:pPr lvl="1"/>
+            <a:endParaRPr lang="en-US" dirty="0"/>
+          </a:p>
+        </p:txBody>
+      </p:sp>
+      <p:sp>
+        <p:nvSpPr>
+          <p:cNvPr id="4" name="Slide Number Placeholder 3"/>
+          <p:cNvSpPr>
+            <a:spLocks noGrp="1"/>
+          </p:cNvSpPr>
+          <p:nvPr>
+            <p:ph type="sldNum" sz="quarter" idx="10"/>
+          </p:nvPr>
+        </p:nvSpPr>
+        <p:spPr/>
+        <p:txBody>
+          <a:bodyPr/>
+          <a:lstStyle/>
+          <a:p>
+            <a:fld id="{233964B0-89DE-BA48-9DB8-30E2ACD1928B}" type="slidenum">
+              <a:rPr lang="en-US" smtClean="0">
+                <a:latin typeface="Arial"/>
+                <a:cs typeface="Arial"/>
+              </a:rPr>
+              <a:t>5</a:t>
+            </a:fld>
+            <a:endParaRPr lang="en-US" dirty="0">
+              <a:latin typeface="Arial"/>
+              <a:cs typeface="Arial"/>
+            </a:endParaRPr>
+          </a:p>
+        </p:txBody>
+      </p:sp>
+    </p:spTree>
+    <p:extLst>
+      <p:ext uri="{BB962C8B-B14F-4D97-AF65-F5344CB8AC3E}">
+        <p14:creationId xmlns:p14="http://schemas.microsoft.com/office/powerpoint/2010/main" val="2762626314"/>
+      </p:ext>
+    </p:extLst>
+  </p:cSld>
+  <p:clrMapOvr>
+    <a:masterClrMapping/>
+  </p:clrMapOvr>
+</p:notes>
+</file>
+
+<file path=ppt/notesSlides/notesSlide4.xml><?xml version="1.0" encoding="utf-8"?>
+<p:notes xmlns:a="http://schemas.openxmlformats.org/drawingml/2006/main" xmlns:r="http://schemas.openxmlformats.org/officeDocument/2006/relationships" xmlns:p="http://schemas.openxmlformats.org/presentationml/2006/main">
+  <p:cSld>
+    <p:spTree>
+      <p:nvGrpSpPr>
+        <p:cNvPr id="1" name=""/>
+        <p:cNvGrpSpPr/>
+        <p:nvPr/>
+      </p:nvGrpSpPr>
+      <p:grpSpPr>
+        <a:xfrm>
+          <a:off x="0" y="0"/>
+          <a:ext cx="0" cy="0"/>
+          <a:chOff x="0" y="0"/>
+          <a:chExt cx="0" cy="0"/>
+        </a:xfrm>
+      </p:grpSpPr>
+      <p:sp>
+        <p:nvSpPr>
+          <p:cNvPr id="2" name="Slide Image Placeholder 1"/>
+          <p:cNvSpPr>
+            <a:spLocks noGrp="1" noRot="1" noChangeAspect="1"/>
+          </p:cNvSpPr>
+          <p:nvPr>
+            <p:ph type="sldImg"/>
+          </p:nvPr>
+        </p:nvSpPr>
+        <p:spPr/>
+      </p:sp>
+      <p:sp>
+        <p:nvSpPr>
+          <p:cNvPr id="3" name="Notes Placeholder 2"/>
+          <p:cNvSpPr>
+            <a:spLocks noGrp="1"/>
+          </p:cNvSpPr>
+          <p:nvPr>
+            <p:ph type="body" idx="1"/>
+          </p:nvPr>
+        </p:nvSpPr>
+        <p:spPr/>
+        <p:txBody>
+          <a:bodyPr/>
+          <a:lstStyle/>
+          <a:p>
+            <a:r>
+              <a:rPr lang="en-US" dirty="0" err="1" smtClean="0"/>
+              <a:t>EOSlib</a:t>
+            </a:r>
+            <a:r>
+              <a:rPr lang="en-US" dirty="0" smtClean="0"/>
+              <a:t> is designed to be easily extensible, by editing ASCII data files and dynamically loading model libraries. It can</a:t>
+            </a:r>
+            <a:r>
+              <a:rPr lang="en-US" baseline="0" dirty="0" smtClean="0"/>
+              <a:t> also be used in a way that is completely self-contained, which greatly simplifies the challenge of debugging EOS errors in hydro codes, because you don’t have to run the entire hydro machinery (grid generation, input files, etc.) in order to check the behavior of the EOS.</a:t>
+            </a:r>
+          </a:p>
+          <a:p>
+            <a:r>
+              <a:rPr lang="en-US" baseline="0" dirty="0" err="1" smtClean="0"/>
+              <a:t>EOSlib</a:t>
+            </a:r>
+            <a:r>
+              <a:rPr lang="en-US" baseline="0" dirty="0" smtClean="0"/>
+              <a:t> is designed for correctness first, and efficiency second, and it provides a specific target implementation for V&amp;V studies of EOS models. </a:t>
+            </a:r>
+          </a:p>
+          <a:p>
+            <a:r>
+              <a:rPr lang="en-US" baseline="0" dirty="0" smtClean="0"/>
+              <a:t>Despite this design, </a:t>
+            </a:r>
+            <a:r>
+              <a:rPr lang="en-US" baseline="0" dirty="0" err="1" smtClean="0"/>
+              <a:t>EOSlib</a:t>
+            </a:r>
+            <a:r>
+              <a:rPr lang="en-US" baseline="0" dirty="0" smtClean="0"/>
+              <a:t> is efficient enough to be linked directly into hydro codes, and may be “good-enough” for many purposes. If not, optimized EOS modules can be compared to </a:t>
+            </a:r>
+            <a:r>
+              <a:rPr lang="en-US" baseline="0" dirty="0" err="1" smtClean="0"/>
+              <a:t>EOSlib</a:t>
+            </a:r>
+            <a:r>
+              <a:rPr lang="en-US" baseline="0" dirty="0" smtClean="0"/>
+              <a:t> to ensure correctness.</a:t>
+            </a:r>
+          </a:p>
+          <a:p>
+            <a:r>
+              <a:rPr lang="en-US" baseline="0" dirty="0" err="1" smtClean="0"/>
+              <a:t>EOSlib</a:t>
+            </a:r>
+            <a:r>
+              <a:rPr lang="en-US" baseline="0" dirty="0" smtClean="0"/>
+              <a:t> includes many useful utilities for managing databases and automating thermodynamic computations. It can list and sort available material models, </a:t>
+            </a:r>
+          </a:p>
+          <a:p>
+            <a:endParaRPr lang="en-US" dirty="0" smtClean="0"/>
+          </a:p>
+          <a:p>
+            <a:r>
+              <a:rPr lang="en-US" dirty="0" smtClean="0"/>
+              <a:t>Figure shows partially burned detonation</a:t>
+            </a:r>
+            <a:r>
+              <a:rPr lang="en-US" baseline="0" dirty="0" smtClean="0"/>
+              <a:t> loci for PBX 9501, with blue being unreacted and red being fully reacted. Note the CJ detonations states for each locus, and the von Neumann (</a:t>
+            </a:r>
+            <a:r>
+              <a:rPr lang="en-US" baseline="0" dirty="0" err="1" smtClean="0"/>
+              <a:t>Zel’dovich</a:t>
+            </a:r>
+            <a:r>
+              <a:rPr lang="en-US" baseline="0" dirty="0" smtClean="0"/>
+              <a:t>) spike. This analysis is directly related to the ZND detonation profile. A ZND detonation corresponds to an initial shock to the VN state, followed by a steady reaction down the solid black line, reaching the CJ state at the end of the reaction zone (assuming not an overdriven flow).</a:t>
+            </a:r>
+            <a:endParaRPr lang="en-US" dirty="0" smtClean="0"/>
+          </a:p>
+        </p:txBody>
+      </p:sp>
+      <p:sp>
+        <p:nvSpPr>
+          <p:cNvPr id="4" name="Slide Number Placeholder 3"/>
+          <p:cNvSpPr>
+            <a:spLocks noGrp="1"/>
+          </p:cNvSpPr>
+          <p:nvPr>
+            <p:ph type="sldNum" sz="quarter" idx="10"/>
+          </p:nvPr>
+        </p:nvSpPr>
+        <p:spPr/>
+        <p:txBody>
+          <a:bodyPr/>
+          <a:lstStyle/>
+          <a:p>
+            <a:fld id="{233964B0-89DE-BA48-9DB8-30E2ACD1928B}" type="slidenum">
+              <a:rPr lang="en-US" smtClean="0">
+                <a:latin typeface="Arial"/>
+                <a:cs typeface="Arial"/>
+              </a:rPr>
+              <a:t>10</a:t>
             </a:fld>
             <a:endParaRPr lang="en-US" dirty="0">
               <a:latin typeface="Arial"/>
@@ -10073,6 +10538,795 @@
 </p:sld>
 </file>
 
+<file path=ppt/slides/slide10.xml><?xml version="1.0" encoding="utf-8"?>
+<p:sld xmlns:a="http://schemas.openxmlformats.org/drawingml/2006/main" xmlns:r="http://schemas.openxmlformats.org/officeDocument/2006/relationships" xmlns:p="http://schemas.openxmlformats.org/presentationml/2006/main">
+  <p:cSld>
+    <p:spTree>
+      <p:nvGrpSpPr>
+        <p:cNvPr id="1" name=""/>
+        <p:cNvGrpSpPr/>
+        <p:nvPr/>
+      </p:nvGrpSpPr>
+      <p:grpSpPr>
+        <a:xfrm>
+          <a:off x="0" y="0"/>
+          <a:ext cx="0" cy="0"/>
+          <a:chOff x="0" y="0"/>
+          <a:chExt cx="0" cy="0"/>
+        </a:xfrm>
+      </p:grpSpPr>
+      <p:sp>
+        <p:nvSpPr>
+          <p:cNvPr id="4" name="Title 3"/>
+          <p:cNvSpPr>
+            <a:spLocks noGrp="1"/>
+          </p:cNvSpPr>
+          <p:nvPr>
+            <p:ph type="title"/>
+          </p:nvPr>
+        </p:nvSpPr>
+        <p:spPr/>
+        <p:txBody>
+          <a:bodyPr/>
+          <a:lstStyle/>
+          <a:p>
+            <a:r>
+              <a:rPr lang="en-US" dirty="0" err="1" smtClean="0"/>
+              <a:t>EOSlib</a:t>
+            </a:r>
+            <a:r>
+              <a:rPr lang="en-US" dirty="0" smtClean="0"/>
+              <a:t> – A reference implementation for analytic equation-of-state models</a:t>
+            </a:r>
+            <a:endParaRPr lang="en-US" dirty="0"/>
+          </a:p>
+        </p:txBody>
+      </p:sp>
+      <p:sp>
+        <p:nvSpPr>
+          <p:cNvPr id="5" name="Content Placeholder 4"/>
+          <p:cNvSpPr>
+            <a:spLocks noGrp="1"/>
+          </p:cNvSpPr>
+          <p:nvPr>
+            <p:ph sz="quarter" idx="13"/>
+          </p:nvPr>
+        </p:nvSpPr>
+        <p:spPr/>
+        <p:txBody>
+          <a:bodyPr/>
+          <a:lstStyle/>
+          <a:p>
+            <a:r>
+              <a:rPr lang="en-US" dirty="0" smtClean="0"/>
+              <a:t>Extensible, stand-alone code for analytic EOS models.</a:t>
+            </a:r>
+          </a:p>
+          <a:p>
+            <a:r>
+              <a:rPr lang="en-US" dirty="0" smtClean="0"/>
+              <a:t>Provides a single target for verification and validation work.</a:t>
+            </a:r>
+          </a:p>
+          <a:p>
+            <a:r>
+              <a:rPr lang="en-US" dirty="0" smtClean="0"/>
+              <a:t>Provides tools for managing databases of EOS parameters.</a:t>
+            </a:r>
+          </a:p>
+          <a:p>
+            <a:r>
+              <a:rPr lang="en-US" dirty="0" smtClean="0"/>
+              <a:t>Facilitates EOS computations:</a:t>
+            </a:r>
+          </a:p>
+          <a:p>
+            <a:pPr lvl="1"/>
+            <a:r>
+              <a:rPr lang="en-US" dirty="0" err="1" smtClean="0"/>
+              <a:t>Hugoniot</a:t>
+            </a:r>
+            <a:r>
+              <a:rPr lang="en-US" dirty="0" smtClean="0"/>
+              <a:t> curves</a:t>
+            </a:r>
+          </a:p>
+          <a:p>
+            <a:pPr lvl="1"/>
+            <a:r>
+              <a:rPr lang="en-US" dirty="0" smtClean="0"/>
+              <a:t>Detonation profiles (see figure</a:t>
+            </a:r>
+            <a:r>
+              <a:rPr lang="en-US" baseline="30000" dirty="0" smtClean="0"/>
+              <a:t>1</a:t>
+            </a:r>
+            <a:r>
+              <a:rPr lang="en-US" dirty="0" smtClean="0"/>
+              <a:t>)</a:t>
+            </a:r>
+          </a:p>
+          <a:p>
+            <a:pPr lvl="1"/>
+            <a:r>
+              <a:rPr lang="en-US" dirty="0" smtClean="0"/>
+              <a:t>Simple plastic deformation</a:t>
+            </a:r>
+          </a:p>
+          <a:p>
+            <a:endParaRPr lang="en-US" dirty="0" smtClean="0"/>
+          </a:p>
+          <a:p>
+            <a:pPr marL="0" indent="0">
+              <a:buNone/>
+            </a:pPr>
+            <a:r>
+              <a:rPr lang="en-US" sz="1100" b="0" baseline="30000" dirty="0">
+                <a:solidFill>
+                  <a:srgbClr val="000000"/>
+                </a:solidFill>
+                <a:latin typeface="Lucida Grande"/>
+                <a:ea typeface="Lucida Grande"/>
+                <a:cs typeface="Lucida Grande"/>
+              </a:rPr>
+              <a:t>1</a:t>
+            </a:r>
+            <a:r>
+              <a:rPr lang="en-US" sz="1100" b="0" dirty="0">
+                <a:solidFill>
+                  <a:srgbClr val="000000"/>
+                </a:solidFill>
+                <a:latin typeface="Lucida Grande"/>
+                <a:ea typeface="Lucida Grande"/>
+                <a:cs typeface="Lucida Grande"/>
+              </a:rPr>
+              <a:t> </a:t>
+            </a:r>
+            <a:r>
+              <a:rPr lang="en-US" sz="1100" b="0" dirty="0" err="1">
+                <a:solidFill>
+                  <a:srgbClr val="000000"/>
+                </a:solidFill>
+                <a:latin typeface="Lucida Grande"/>
+                <a:ea typeface="Lucida Grande"/>
+                <a:cs typeface="Lucida Grande"/>
+              </a:rPr>
+              <a:t>Menikoff</a:t>
+            </a:r>
+            <a:r>
+              <a:rPr lang="en-US" sz="1100" b="0" dirty="0">
+                <a:solidFill>
+                  <a:srgbClr val="000000"/>
+                </a:solidFill>
+                <a:latin typeface="Lucida Grande"/>
+                <a:ea typeface="Lucida Grande"/>
+                <a:cs typeface="Lucida Grande"/>
+              </a:rPr>
+              <a:t>, </a:t>
+            </a:r>
+            <a:r>
+              <a:rPr lang="en-US" sz="1100" b="0" i="1" dirty="0">
+                <a:solidFill>
+                  <a:srgbClr val="000000"/>
+                </a:solidFill>
+                <a:latin typeface="Lucida Grande"/>
+                <a:ea typeface="Lucida Grande"/>
+                <a:cs typeface="Lucida Grande"/>
+              </a:rPr>
+              <a:t>Detonation Wave Profile</a:t>
+            </a:r>
+            <a:r>
+              <a:rPr lang="en-US" sz="1100" b="0" dirty="0">
+                <a:solidFill>
+                  <a:srgbClr val="000000"/>
+                </a:solidFill>
+                <a:latin typeface="Lucida Grande"/>
+                <a:ea typeface="Lucida Grande"/>
+                <a:cs typeface="Lucida Grande"/>
+              </a:rPr>
+              <a:t>, LA-UR-15-29498</a:t>
+            </a:r>
+            <a:endParaRPr lang="en-US" sz="1100" dirty="0"/>
+          </a:p>
+        </p:txBody>
+      </p:sp>
+      <p:sp>
+        <p:nvSpPr>
+          <p:cNvPr id="6" name="Content Placeholder 5"/>
+          <p:cNvSpPr>
+            <a:spLocks noGrp="1"/>
+          </p:cNvSpPr>
+          <p:nvPr>
+            <p:ph sz="quarter" idx="14"/>
+          </p:nvPr>
+        </p:nvSpPr>
+        <p:spPr>
+          <a:xfrm>
+            <a:off x="4667249" y="1333501"/>
+            <a:ext cx="4719462" cy="3802944"/>
+          </a:xfrm>
+        </p:spPr>
+        <p:txBody>
+          <a:bodyPr/>
+          <a:lstStyle/>
+          <a:p>
+            <a:pPr marL="0" indent="0">
+              <a:lnSpc>
+                <a:spcPct val="80000"/>
+              </a:lnSpc>
+              <a:buNone/>
+            </a:pPr>
+            <a:r>
+              <a:rPr lang="en-US" sz="800" dirty="0">
+                <a:latin typeface="Courier"/>
+                <a:cs typeface="Courier"/>
+              </a:rPr>
+              <a:t>EOS:DavisProducts=PBX9501;  units=hydro::</a:t>
+            </a:r>
+            <a:r>
+              <a:rPr lang="en-US" sz="800" dirty="0" err="1" smtClean="0">
+                <a:latin typeface="Courier"/>
+                <a:cs typeface="Courier"/>
+              </a:rPr>
+              <a:t>std</a:t>
+            </a:r>
+            <a:r>
+              <a:rPr lang="en-US" sz="800" dirty="0" smtClean="0">
+                <a:latin typeface="Courier"/>
+                <a:cs typeface="Courier"/>
+              </a:rPr>
+              <a:t/>
+            </a:r>
+            <a:br>
+              <a:rPr lang="en-US" sz="800" dirty="0" smtClean="0">
+                <a:latin typeface="Courier"/>
+                <a:cs typeface="Courier"/>
+              </a:rPr>
+            </a:br>
+            <a:r>
+              <a:rPr lang="cs-CZ" sz="800" dirty="0" smtClean="0">
+                <a:latin typeface="Courier"/>
+                <a:cs typeface="Courier"/>
+              </a:rPr>
+              <a:t>{</a:t>
+            </a:r>
+            <a:br>
+              <a:rPr lang="cs-CZ" sz="800" dirty="0" smtClean="0">
+                <a:latin typeface="Courier"/>
+                <a:cs typeface="Courier"/>
+              </a:rPr>
+            </a:br>
+            <a:r>
+              <a:rPr lang="cs-CZ" sz="800" dirty="0" smtClean="0">
+                <a:latin typeface="Courier"/>
+                <a:cs typeface="Courier"/>
+              </a:rPr>
+              <a:t># </a:t>
+            </a:r>
+            <a:r>
+              <a:rPr lang="cs-CZ" sz="800" dirty="0">
+                <a:latin typeface="Courier"/>
+                <a:cs typeface="Courier"/>
+              </a:rPr>
+              <a:t>ref: "Experimental Validation </a:t>
+            </a:r>
+            <a:r>
+              <a:rPr lang="cs-CZ" sz="800" dirty="0" err="1">
+                <a:latin typeface="Courier"/>
+                <a:cs typeface="Courier"/>
+              </a:rPr>
+              <a:t>of</a:t>
+            </a:r>
+            <a:r>
+              <a:rPr lang="cs-CZ" sz="800" dirty="0">
+                <a:latin typeface="Courier"/>
+                <a:cs typeface="Courier"/>
+              </a:rPr>
+              <a:t> </a:t>
+            </a:r>
+            <a:r>
+              <a:rPr lang="cs-CZ" sz="800" dirty="0" err="1" smtClean="0">
+                <a:latin typeface="Courier"/>
+                <a:cs typeface="Courier"/>
+              </a:rPr>
+              <a:t>Detonation</a:t>
+            </a:r>
+            <a:r>
+              <a:rPr lang="cs-CZ" sz="800" dirty="0" smtClean="0">
+                <a:latin typeface="Courier"/>
+                <a:cs typeface="Courier"/>
+              </a:rPr>
+              <a:t> </a:t>
+            </a:r>
+            <a:r>
+              <a:rPr lang="cs-CZ" sz="800" dirty="0" err="1" smtClean="0">
+                <a:latin typeface="Courier"/>
+                <a:cs typeface="Courier"/>
+              </a:rPr>
+              <a:t>Shock</a:t>
+            </a:r>
+            <a:r>
+              <a:rPr lang="cs-CZ" sz="800" dirty="0" smtClean="0">
+                <a:latin typeface="Courier"/>
+                <a:cs typeface="Courier"/>
+              </a:rPr>
+              <a:t> Dynamics</a:t>
+            </a:r>
+            <a:br>
+              <a:rPr lang="cs-CZ" sz="800" dirty="0" smtClean="0">
+                <a:latin typeface="Courier"/>
+                <a:cs typeface="Courier"/>
+              </a:rPr>
+            </a:br>
+            <a:r>
+              <a:rPr lang="cs-CZ" sz="800" dirty="0" smtClean="0">
+                <a:latin typeface="Courier"/>
+                <a:cs typeface="Courier"/>
+              </a:rPr>
+              <a:t>#       </a:t>
+            </a:r>
+            <a:r>
+              <a:rPr lang="cs-CZ" sz="800" dirty="0">
+                <a:latin typeface="Courier"/>
+                <a:cs typeface="Courier"/>
+              </a:rPr>
+              <a:t>in </a:t>
+            </a:r>
+            <a:r>
+              <a:rPr lang="cs-CZ" sz="800" dirty="0" err="1">
+                <a:latin typeface="Courier"/>
+                <a:cs typeface="Courier"/>
+              </a:rPr>
+              <a:t>Condensed</a:t>
+            </a:r>
+            <a:r>
+              <a:rPr lang="cs-CZ" sz="800" dirty="0">
+                <a:latin typeface="Courier"/>
+                <a:cs typeface="Courier"/>
+              </a:rPr>
+              <a:t> </a:t>
+            </a:r>
+            <a:r>
+              <a:rPr lang="cs-CZ" sz="800" dirty="0" err="1" smtClean="0">
+                <a:latin typeface="Courier"/>
+                <a:cs typeface="Courier"/>
+              </a:rPr>
+              <a:t>Explosives</a:t>
+            </a:r>
+            <a:r>
+              <a:rPr lang="cs-CZ" sz="800" dirty="0" smtClean="0">
+                <a:latin typeface="Courier"/>
+                <a:cs typeface="Courier"/>
+              </a:rPr>
+              <a:t>“</a:t>
+            </a:r>
+            <a:br>
+              <a:rPr lang="cs-CZ" sz="800" dirty="0" smtClean="0">
+                <a:latin typeface="Courier"/>
+                <a:cs typeface="Courier"/>
+              </a:rPr>
+            </a:br>
+            <a:r>
+              <a:rPr lang="cs-CZ" sz="800" dirty="0" smtClean="0">
+                <a:latin typeface="Courier"/>
+                <a:cs typeface="Courier"/>
+              </a:rPr>
+              <a:t>#       </a:t>
+            </a:r>
+            <a:r>
+              <a:rPr lang="cs-CZ" sz="800" dirty="0">
+                <a:latin typeface="Courier"/>
+                <a:cs typeface="Courier"/>
+              </a:rPr>
+              <a:t>D. E. Lambert, D. S. Stewart, S. Yoo and B. L. </a:t>
+            </a:r>
+            <a:r>
+              <a:rPr lang="cs-CZ" sz="800" dirty="0" err="1" smtClean="0">
+                <a:latin typeface="Courier"/>
+                <a:cs typeface="Courier"/>
+              </a:rPr>
+              <a:t>Wescott</a:t>
+            </a:r>
+            <a:r>
+              <a:rPr lang="cs-CZ" sz="800" dirty="0" smtClean="0">
+                <a:latin typeface="Courier"/>
+                <a:cs typeface="Courier"/>
+              </a:rPr>
+              <a:t/>
+            </a:r>
+            <a:br>
+              <a:rPr lang="cs-CZ" sz="800" dirty="0" smtClean="0">
+                <a:latin typeface="Courier"/>
+                <a:cs typeface="Courier"/>
+              </a:rPr>
+            </a:br>
+            <a:r>
+              <a:rPr lang="is-IS" sz="800" dirty="0" smtClean="0">
+                <a:latin typeface="Courier"/>
+                <a:cs typeface="Courier"/>
+              </a:rPr>
+              <a:t>#       </a:t>
+            </a:r>
+            <a:r>
+              <a:rPr lang="is-IS" sz="800" dirty="0">
+                <a:latin typeface="Courier"/>
+                <a:cs typeface="Courier"/>
+              </a:rPr>
+              <a:t>J. Fluid Mech. 546 (2006) pp. 227-</a:t>
+            </a:r>
+            <a:r>
+              <a:rPr lang="is-IS" sz="800" dirty="0" smtClean="0">
+                <a:latin typeface="Courier"/>
+                <a:cs typeface="Courier"/>
+              </a:rPr>
+              <a:t>253</a:t>
+            </a:r>
+            <a:br>
+              <a:rPr lang="is-IS" sz="800" dirty="0" smtClean="0">
+                <a:latin typeface="Courier"/>
+                <a:cs typeface="Courier"/>
+              </a:rPr>
+            </a:br>
+            <a:r>
+              <a:rPr lang="de-DE" sz="800" dirty="0" smtClean="0">
+                <a:latin typeface="Courier"/>
+                <a:cs typeface="Courier"/>
+              </a:rPr>
+              <a:t>    </a:t>
+            </a:r>
+            <a:r>
+              <a:rPr lang="de-DE" sz="800" dirty="0">
+                <a:latin typeface="Courier"/>
+                <a:cs typeface="Courier"/>
+              </a:rPr>
+              <a:t>rho0 = 1.844    # g/cm^</a:t>
+            </a:r>
+            <a:r>
+              <a:rPr lang="de-DE" sz="800" dirty="0" smtClean="0">
+                <a:latin typeface="Courier"/>
+                <a:cs typeface="Courier"/>
+              </a:rPr>
+              <a:t>3</a:t>
+            </a:r>
+            <a:br>
+              <a:rPr lang="de-DE" sz="800" dirty="0" smtClean="0">
+                <a:latin typeface="Courier"/>
+                <a:cs typeface="Courier"/>
+              </a:rPr>
+            </a:br>
+            <a:r>
+              <a:rPr lang="de-DE" sz="800" dirty="0" smtClean="0">
+                <a:latin typeface="Courier"/>
+                <a:cs typeface="Courier"/>
+              </a:rPr>
+              <a:t>    </a:t>
+            </a:r>
+            <a:r>
+              <a:rPr lang="de-DE" sz="800" dirty="0">
+                <a:latin typeface="Courier"/>
+                <a:cs typeface="Courier"/>
+              </a:rPr>
+              <a:t>e0   = 5.85     # MJ/</a:t>
+            </a:r>
+            <a:r>
+              <a:rPr lang="de-DE" sz="800" dirty="0" smtClean="0">
+                <a:latin typeface="Courier"/>
+                <a:cs typeface="Courier"/>
+              </a:rPr>
+              <a:t>kg</a:t>
+            </a:r>
+            <a:br>
+              <a:rPr lang="de-DE" sz="800" dirty="0" smtClean="0">
+                <a:latin typeface="Courier"/>
+                <a:cs typeface="Courier"/>
+              </a:rPr>
+            </a:br>
+            <a:r>
+              <a:rPr lang="ro-RO" sz="800" dirty="0" smtClean="0">
+                <a:latin typeface="Courier"/>
+                <a:cs typeface="Courier"/>
+              </a:rPr>
+              <a:t>    </a:t>
+            </a:r>
+            <a:r>
+              <a:rPr lang="ro-RO" sz="800" dirty="0">
+                <a:latin typeface="Courier"/>
+                <a:cs typeface="Courier"/>
+              </a:rPr>
+              <a:t>a    = </a:t>
+            </a:r>
+            <a:r>
+              <a:rPr lang="ro-RO" sz="800" dirty="0" smtClean="0">
+                <a:latin typeface="Courier"/>
+                <a:cs typeface="Courier"/>
+              </a:rPr>
+              <a:t>0.7965</a:t>
+            </a:r>
+            <a:br>
+              <a:rPr lang="ro-RO" sz="800" dirty="0" smtClean="0">
+                <a:latin typeface="Courier"/>
+                <a:cs typeface="Courier"/>
+              </a:rPr>
+            </a:br>
+            <a:r>
+              <a:rPr lang="de-DE" sz="800" dirty="0" smtClean="0">
+                <a:latin typeface="Courier"/>
+                <a:cs typeface="Courier"/>
+              </a:rPr>
+              <a:t>    </a:t>
+            </a:r>
+            <a:r>
+              <a:rPr lang="de-DE" sz="800" dirty="0">
+                <a:latin typeface="Courier"/>
+                <a:cs typeface="Courier"/>
+              </a:rPr>
+              <a:t>n    = </a:t>
+            </a:r>
+            <a:r>
+              <a:rPr lang="de-DE" sz="800" dirty="0" smtClean="0">
+                <a:latin typeface="Courier"/>
+                <a:cs typeface="Courier"/>
+              </a:rPr>
+              <a:t>1.758</a:t>
+            </a:r>
+            <a:br>
+              <a:rPr lang="de-DE" sz="800" dirty="0" smtClean="0">
+                <a:latin typeface="Courier"/>
+                <a:cs typeface="Courier"/>
+              </a:rPr>
+            </a:br>
+            <a:r>
+              <a:rPr lang="de-DE" sz="800" dirty="0" smtClean="0">
+                <a:latin typeface="Courier"/>
+                <a:cs typeface="Courier"/>
+              </a:rPr>
+              <a:t>    </a:t>
+            </a:r>
+            <a:r>
+              <a:rPr lang="de-DE" sz="800" dirty="0">
+                <a:latin typeface="Courier"/>
+                <a:cs typeface="Courier"/>
+              </a:rPr>
+              <a:t>Vc   = 0.8314   # cm^3/</a:t>
+            </a:r>
+            <a:r>
+              <a:rPr lang="de-DE" sz="800" dirty="0" err="1" smtClean="0">
+                <a:latin typeface="Courier"/>
+                <a:cs typeface="Courier"/>
+              </a:rPr>
+              <a:t>g</a:t>
+            </a:r>
+            <a:r>
+              <a:rPr lang="de-DE" sz="800" dirty="0" smtClean="0">
+                <a:latin typeface="Courier"/>
+                <a:cs typeface="Courier"/>
+              </a:rPr>
+              <a:t/>
+            </a:r>
+            <a:br>
+              <a:rPr lang="de-DE" sz="800" dirty="0" smtClean="0">
+                <a:latin typeface="Courier"/>
+                <a:cs typeface="Courier"/>
+              </a:rPr>
+            </a:br>
+            <a:r>
+              <a:rPr lang="de-DE" sz="800" dirty="0" smtClean="0">
+                <a:latin typeface="Courier"/>
+                <a:cs typeface="Courier"/>
+              </a:rPr>
+              <a:t>    </a:t>
+            </a:r>
+            <a:r>
+              <a:rPr lang="de-DE" sz="800" dirty="0">
+                <a:latin typeface="Courier"/>
+                <a:cs typeface="Courier"/>
+              </a:rPr>
+              <a:t>pc   = 3.738    # </a:t>
+            </a:r>
+            <a:r>
+              <a:rPr lang="de-DE" sz="800" dirty="0" err="1" smtClean="0">
+                <a:latin typeface="Courier"/>
+                <a:cs typeface="Courier"/>
+              </a:rPr>
+              <a:t>Gpa</a:t>
+            </a:r>
+            <a:r>
+              <a:rPr lang="de-DE" sz="800" dirty="0" smtClean="0">
+                <a:latin typeface="Courier"/>
+                <a:cs typeface="Courier"/>
+              </a:rPr>
+              <a:t/>
+            </a:r>
+            <a:br>
+              <a:rPr lang="de-DE" sz="800" dirty="0" smtClean="0">
+                <a:latin typeface="Courier"/>
+                <a:cs typeface="Courier"/>
+              </a:rPr>
+            </a:br>
+            <a:r>
+              <a:rPr lang="de-DE" sz="800" dirty="0" smtClean="0">
+                <a:latin typeface="Courier"/>
+                <a:cs typeface="Courier"/>
+              </a:rPr>
+              <a:t>    </a:t>
+            </a:r>
+            <a:r>
+              <a:rPr lang="de-DE" sz="800" dirty="0">
+                <a:latin typeface="Courier"/>
+                <a:cs typeface="Courier"/>
+              </a:rPr>
+              <a:t>b    = </a:t>
+            </a:r>
+            <a:r>
+              <a:rPr lang="de-DE" sz="800" dirty="0" smtClean="0">
+                <a:latin typeface="Courier"/>
+                <a:cs typeface="Courier"/>
+              </a:rPr>
+              <a:t>0.7</a:t>
+            </a:r>
+            <a:br>
+              <a:rPr lang="de-DE" sz="800" dirty="0" smtClean="0">
+                <a:latin typeface="Courier"/>
+                <a:cs typeface="Courier"/>
+              </a:rPr>
+            </a:br>
+            <a:r>
+              <a:rPr lang="de-DE" sz="800" dirty="0" smtClean="0">
+                <a:latin typeface="Courier"/>
+                <a:cs typeface="Courier"/>
+              </a:rPr>
+              <a:t>    </a:t>
+            </a:r>
+            <a:r>
+              <a:rPr lang="de-DE" sz="800" dirty="0">
+                <a:latin typeface="Courier"/>
+                <a:cs typeface="Courier"/>
+              </a:rPr>
+              <a:t>k    = </a:t>
+            </a:r>
+            <a:r>
+              <a:rPr lang="de-DE" sz="800" dirty="0" smtClean="0">
+                <a:latin typeface="Courier"/>
+                <a:cs typeface="Courier"/>
+              </a:rPr>
+              <a:t>1.3</a:t>
+            </a:r>
+            <a:br>
+              <a:rPr lang="de-DE" sz="800" dirty="0" smtClean="0">
+                <a:latin typeface="Courier"/>
+                <a:cs typeface="Courier"/>
+              </a:rPr>
+            </a:br>
+            <a:r>
+              <a:rPr lang="de-DE" sz="800" dirty="0" smtClean="0">
+                <a:latin typeface="Courier"/>
+                <a:cs typeface="Courier"/>
+              </a:rPr>
+              <a:t>    </a:t>
+            </a:r>
+            <a:r>
+              <a:rPr lang="de-DE" sz="800" dirty="0">
+                <a:latin typeface="Courier"/>
+                <a:cs typeface="Courier"/>
+              </a:rPr>
+              <a:t>Cv   = 0.945e-3 # (MJ/kg)/</a:t>
+            </a:r>
+            <a:r>
+              <a:rPr lang="de-DE" sz="800" dirty="0" smtClean="0">
+                <a:latin typeface="Courier"/>
+                <a:cs typeface="Courier"/>
+              </a:rPr>
+              <a:t>K</a:t>
+            </a:r>
+            <a:br>
+              <a:rPr lang="de-DE" sz="800" dirty="0" smtClean="0">
+                <a:latin typeface="Courier"/>
+                <a:cs typeface="Courier"/>
+              </a:rPr>
+            </a:br>
+            <a:r>
+              <a:rPr lang="ro-RO" sz="800" dirty="0" smtClean="0">
+                <a:latin typeface="Courier"/>
+                <a:cs typeface="Courier"/>
+              </a:rPr>
+              <a:t>    </a:t>
+            </a:r>
+            <a:r>
+              <a:rPr lang="ro-RO" sz="800" dirty="0">
+                <a:latin typeface="Courier"/>
+                <a:cs typeface="Courier"/>
+              </a:rPr>
+              <a:t>Tc   = </a:t>
+            </a:r>
+            <a:r>
+              <a:rPr lang="ro-RO" sz="800" dirty="0" smtClean="0">
+                <a:latin typeface="Courier"/>
+                <a:cs typeface="Courier"/>
+              </a:rPr>
+              <a:t>2407.34</a:t>
+            </a:r>
+            <a:r>
+              <a:rPr lang="ro-RO" sz="800" dirty="0">
+                <a:latin typeface="Courier"/>
+                <a:cs typeface="Courier"/>
+              </a:rPr>
+              <a:t/>
+            </a:r>
+            <a:br>
+              <a:rPr lang="ro-RO" sz="800" dirty="0">
+                <a:latin typeface="Courier"/>
+                <a:cs typeface="Courier"/>
+              </a:rPr>
+            </a:br>
+            <a:r>
+              <a:rPr lang="en-US" sz="800" dirty="0" smtClean="0">
+                <a:latin typeface="Courier"/>
+                <a:cs typeface="Courier"/>
+              </a:rPr>
+              <a:t>}</a:t>
+            </a:r>
+            <a:endParaRPr lang="en-US" sz="800" dirty="0">
+              <a:latin typeface="Courier"/>
+              <a:cs typeface="Courier"/>
+            </a:endParaRPr>
+          </a:p>
+          <a:p>
+            <a:pPr marL="0" indent="0">
+              <a:buNone/>
+            </a:pPr>
+            <a:endParaRPr lang="en-US" sz="1200" dirty="0"/>
+          </a:p>
+        </p:txBody>
+      </p:sp>
+      <p:pic>
+        <p:nvPicPr>
+          <p:cNvPr id="9" name="Picture 8"/>
+          <p:cNvPicPr>
+            <a:picLocks noChangeAspect="1"/>
+          </p:cNvPicPr>
+          <p:nvPr/>
+        </p:nvPicPr>
+        <p:blipFill>
+          <a:blip r:embed="rId3"/>
+          <a:stretch>
+            <a:fillRect/>
+          </a:stretch>
+        </p:blipFill>
+        <p:spPr>
+          <a:xfrm>
+            <a:off x="5031880" y="3083422"/>
+            <a:ext cx="2830832" cy="2120757"/>
+          </a:xfrm>
+          <a:prstGeom prst="rect">
+            <a:avLst/>
+          </a:prstGeom>
+        </p:spPr>
+      </p:pic>
+    </p:spTree>
+    <p:extLst>
+      <p:ext uri="{BB962C8B-B14F-4D97-AF65-F5344CB8AC3E}">
+        <p14:creationId xmlns:p14="http://schemas.microsoft.com/office/powerpoint/2010/main" val="3887120567"/>
+      </p:ext>
+    </p:extLst>
+  </p:cSld>
+  <p:clrMapOvr>
+    <a:masterClrMapping/>
+  </p:clrMapOvr>
+  <mc:AlternateContent xmlns:mc="http://schemas.openxmlformats.org/markup-compatibility/2006" xmlns:p14="http://schemas.microsoft.com/office/powerpoint/2010/main">
+    <mc:Choice Requires="p14">
+      <p:transition spd="med" p14:dur="700">
+        <p:fade/>
+      </p:transition>
+    </mc:Choice>
+    <mc:Fallback xmlns="">
+      <p:transition xmlns:p14="http://schemas.microsoft.com/office/powerpoint/2010/main" spd="med">
+        <p:fade/>
+      </p:transition>
+    </mc:Fallback>
+  </mc:AlternateContent>
+</p:sld>
+</file>
+
 <file path=ppt/slides/slide2.xml><?xml version="1.0" encoding="utf-8"?>
 <p:sld xmlns:a="http://schemas.openxmlformats.org/drawingml/2006/main" xmlns:r="http://schemas.openxmlformats.org/officeDocument/2006/relationships" xmlns:p="http://schemas.openxmlformats.org/presentationml/2006/main">
   <p:cSld>
@@ -10550,20 +11804,13 @@
           <a:lstStyle/>
           <a:p>
             <a:r>
-              <a:rPr lang="en-US" dirty="0"/>
-              <a:t>The ZND wave in </a:t>
-            </a:r>
-            <a:r>
-              <a:rPr lang="en-US" dirty="0" err="1"/>
+              <a:rPr lang="en-US" dirty="0" smtClean="0"/>
+              <a:t>Reactive Flows in </a:t>
+            </a:r>
+            <a:r>
+              <a:rPr lang="en-US" dirty="0" err="1" smtClean="0"/>
               <a:t>ExactPack</a:t>
             </a:r>
-            <a:r>
-              <a:rPr lang="en-US" dirty="0"/>
-              <a:t/>
-            </a:r>
-            <a:br>
-              <a:rPr lang="en-US" dirty="0"/>
-            </a:br>
             <a:endParaRPr lang="en-US" dirty="0"/>
           </a:p>
         </p:txBody>
@@ -10583,26 +11830,252 @@
           <a:bodyPr/>
           <a:lstStyle/>
           <a:p>
+            <a:endParaRPr lang="en-US" dirty="0" smtClean="0"/>
+          </a:p>
+          <a:p>
+            <a:endParaRPr lang="en-US" dirty="0" smtClean="0"/>
+          </a:p>
+          <a:p>
             <a:endParaRPr lang="en-US" dirty="0"/>
           </a:p>
-        </p:txBody>
-      </p:sp>
-      <p:sp>
-        <p:nvSpPr>
-          <p:cNvPr id="3" name="Content Placeholder 2"/>
-          <p:cNvSpPr>
-            <a:spLocks noGrp="1"/>
-          </p:cNvSpPr>
+          <a:p>
+            <a:r>
+              <a:rPr lang="en-US" dirty="0" err="1" smtClean="0"/>
+              <a:t>ExactPack</a:t>
+            </a:r>
+            <a:r>
+              <a:rPr lang="en-US" dirty="0" smtClean="0"/>
+              <a:t> </a:t>
+            </a:r>
+          </a:p>
+          <a:p>
+            <a:r>
+              <a:rPr lang="en-US" dirty="0" smtClean="0"/>
+              <a:t>Chemically </a:t>
+            </a:r>
+            <a:r>
+              <a:rPr lang="en-US" dirty="0"/>
+              <a:t>reacting </a:t>
+            </a:r>
+            <a:r>
+              <a:rPr lang="en-US" dirty="0" smtClean="0"/>
+              <a:t>flow</a:t>
+            </a:r>
+          </a:p>
+          <a:p>
+            <a:r>
+              <a:rPr lang="en-US" dirty="0" smtClean="0"/>
+              <a:t>Reaction is initiated by a leading shock, and </a:t>
+            </a:r>
+            <a:r>
+              <a:rPr lang="en-US" dirty="0" smtClean="0">
+                <a:solidFill>
+                  <a:srgbClr val="3C3C3B"/>
+                </a:solidFill>
+                <a:latin typeface="Arial"/>
+                <a:cs typeface="Arial"/>
+              </a:rPr>
+              <a:t>proceeds at finite rate.</a:t>
+            </a:r>
+          </a:p>
+          <a:p>
+            <a:r>
+              <a:rPr lang="en-US" dirty="0" smtClean="0">
+                <a:solidFill>
+                  <a:srgbClr val="3C3C3B"/>
+                </a:solidFill>
+                <a:latin typeface="Arial"/>
+                <a:cs typeface="Arial"/>
+              </a:rPr>
+              <a:t>Flow exiting the reaction zone is at the Chapman-</a:t>
+            </a:r>
+            <a:r>
+              <a:rPr lang="en-US" dirty="0" err="1" smtClean="0">
+                <a:solidFill>
+                  <a:srgbClr val="3C3C3B"/>
+                </a:solidFill>
+                <a:latin typeface="Arial"/>
+                <a:cs typeface="Arial"/>
+              </a:rPr>
+              <a:t>Jouget</a:t>
+            </a:r>
+            <a:r>
+              <a:rPr lang="en-US" dirty="0" smtClean="0">
+                <a:solidFill>
+                  <a:srgbClr val="3C3C3B"/>
+                </a:solidFill>
+                <a:latin typeface="Arial"/>
+                <a:cs typeface="Arial"/>
+              </a:rPr>
+              <a:t> state</a:t>
+            </a:r>
+          </a:p>
+          <a:p>
+            <a:endParaRPr lang="en-US" dirty="0">
+              <a:solidFill>
+                <a:srgbClr val="3C3C3B"/>
+              </a:solidFill>
+              <a:latin typeface="Arial"/>
+              <a:cs typeface="Arial"/>
+            </a:endParaRPr>
+          </a:p>
+          <a:p>
+            <a:pPr marL="0" indent="0">
+              <a:buNone/>
+            </a:pPr>
+            <a:endParaRPr lang="en-US" dirty="0"/>
+          </a:p>
+        </p:txBody>
+      </p:sp>
+      <p:pic>
+        <p:nvPicPr>
+          <p:cNvPr id="4" name="Content Placeholder 3"/>
+          <p:cNvPicPr>
+            <a:picLocks noGrp="1" noChangeAspect="1"/>
+          </p:cNvPicPr>
           <p:nvPr>
             <p:ph sz="quarter" idx="14"/>
           </p:nvPr>
-        </p:nvSpPr>
+        </p:nvPicPr>
+        <p:blipFill rotWithShape="1">
+          <a:blip r:embed="rId3"/>
+          <a:srcRect b="-33840"/>
+          <a:stretch/>
+        </p:blipFill>
         <p:spPr/>
-        <p:txBody>
-          <a:bodyPr/>
+      </p:pic>
+      <p:sp>
+        <p:nvSpPr>
+          <p:cNvPr id="5" name="TextBox 4"/>
+          <p:cNvSpPr txBox="1"/>
+          <p:nvPr/>
+        </p:nvSpPr>
+        <p:spPr>
+          <a:xfrm>
+            <a:off x="4667250" y="4199467"/>
+            <a:ext cx="4019549" cy="1092607"/>
+          </a:xfrm>
+          <a:prstGeom prst="rect">
+            <a:avLst/>
+          </a:prstGeom>
+          <a:noFill/>
+        </p:spPr>
+        <p:txBody>
+          <a:bodyPr wrap="square" rtlCol="0">
+            <a:spAutoFit/>
+          </a:bodyPr>
           <a:lstStyle/>
           <a:p>
-            <a:endParaRPr lang="en-US"/>
+            <a:r>
+              <a:rPr lang="en-US" dirty="0" smtClean="0"/>
+              <a:t>Propagating ZND wave</a:t>
+            </a:r>
+            <a:r>
+              <a:rPr lang="en-US" baseline="30000" dirty="0" smtClean="0"/>
+              <a:t>2</a:t>
+            </a:r>
+            <a:r>
+              <a:rPr lang="en-US" dirty="0" smtClean="0"/>
+              <a:t/>
+            </a:r>
+            <a:br>
+              <a:rPr lang="en-US" dirty="0" smtClean="0"/>
+            </a:br>
+            <a:r>
+              <a:rPr lang="en-US" dirty="0" smtClean="0"/>
+              <a:t/>
+            </a:r>
+            <a:br>
+              <a:rPr lang="en-US" dirty="0" smtClean="0"/>
+            </a:br>
+            <a:r>
+              <a:rPr lang="en-US" dirty="0" smtClean="0"/>
+              <a:t/>
+            </a:r>
+            <a:br>
+              <a:rPr lang="en-US" dirty="0" smtClean="0"/>
+            </a:br>
+            <a:r>
+              <a:rPr lang="en-US" sz="1100" baseline="30000" dirty="0" smtClean="0">
+                <a:solidFill>
+                  <a:srgbClr val="000000"/>
+                </a:solidFill>
+                <a:latin typeface="Lucida Grande"/>
+                <a:ea typeface="Lucida Grande"/>
+                <a:cs typeface="Lucida Grande"/>
+              </a:rPr>
+              <a:t>2</a:t>
+            </a:r>
+            <a:r>
+              <a:rPr lang="en-US" sz="1100" dirty="0" smtClean="0">
+                <a:solidFill>
+                  <a:srgbClr val="000000"/>
+                </a:solidFill>
+                <a:latin typeface="Lucida Grande"/>
+                <a:ea typeface="Lucida Grande"/>
+                <a:cs typeface="Lucida Grande"/>
+              </a:rPr>
+              <a:t> </a:t>
+            </a:r>
+            <a:r>
+              <a:rPr lang="en-US" sz="1100" dirty="0" err="1">
+                <a:solidFill>
+                  <a:srgbClr val="000000"/>
+                </a:solidFill>
+                <a:latin typeface="Lucida Grande"/>
+                <a:ea typeface="Lucida Grande"/>
+                <a:cs typeface="Lucida Grande"/>
+              </a:rPr>
+              <a:t>Menikoff</a:t>
+            </a:r>
+            <a:r>
+              <a:rPr lang="en-US" sz="1100" dirty="0">
+                <a:solidFill>
+                  <a:srgbClr val="000000"/>
+                </a:solidFill>
+                <a:latin typeface="Lucida Grande"/>
+                <a:ea typeface="Lucida Grande"/>
+                <a:cs typeface="Lucida Grande"/>
+              </a:rPr>
+              <a:t>, </a:t>
+            </a:r>
+            <a:r>
+              <a:rPr lang="en-US" sz="1100" i="1" dirty="0">
+                <a:solidFill>
+                  <a:srgbClr val="000000"/>
+                </a:solidFill>
+                <a:latin typeface="Lucida Grande"/>
+                <a:ea typeface="Lucida Grande"/>
+                <a:cs typeface="Lucida Grande"/>
+              </a:rPr>
+              <a:t>Detonation Wave Profile</a:t>
+            </a:r>
+            <a:r>
+              <a:rPr lang="en-US" sz="1100" dirty="0">
+                <a:solidFill>
+                  <a:srgbClr val="000000"/>
+                </a:solidFill>
+                <a:latin typeface="Lucida Grande"/>
+                <a:ea typeface="Lucida Grande"/>
+                <a:cs typeface="Lucida Grande"/>
+              </a:rPr>
+              <a:t>, LA-UR-15-</a:t>
+            </a:r>
+            <a:r>
+              <a:rPr lang="en-US" sz="1100" dirty="0" smtClean="0">
+                <a:solidFill>
+                  <a:srgbClr val="000000"/>
+                </a:solidFill>
+                <a:latin typeface="Lucida Grande"/>
+                <a:ea typeface="Lucida Grande"/>
+                <a:cs typeface="Lucida Grande"/>
+              </a:rPr>
+              <a:t>29498</a:t>
+            </a:r>
+            <a:endParaRPr lang="en-US" sz="1100" dirty="0">
+              <a:latin typeface="Lucida Grande"/>
+              <a:cs typeface="Lucida Grande"/>
+            </a:endParaRPr>
           </a:p>
         </p:txBody>
       </p:sp>
@@ -10657,12 +12130,12 @@
       </p:grpSpPr>
       <p:sp>
         <p:nvSpPr>
-          <p:cNvPr id="4" name="Text Placeholder 3"/>
+          <p:cNvPr id="2" name="Title 1"/>
           <p:cNvSpPr>
             <a:spLocks noGrp="1"/>
           </p:cNvSpPr>
           <p:nvPr>
-            <p:ph type="body" sz="quarter" idx="12"/>
+            <p:ph type="title"/>
           </p:nvPr>
         </p:nvSpPr>
         <p:spPr/>
@@ -10671,25 +12144,40 @@
           <a:lstStyle/>
           <a:p>
             <a:r>
+              <a:rPr lang="en-US" dirty="0"/>
+              <a:t>The ZND wave in </a:t>
+            </a:r>
+            <a:r>
               <a:rPr lang="en-US" dirty="0" err="1" smtClean="0"/>
-              <a:t>EOSlib</a:t>
+              <a:t>ExactPack</a:t>
             </a:r>
             <a:r>
               <a:rPr lang="en-US" dirty="0" smtClean="0"/>
-              <a:t> – The Library</a:t>
-            </a:r>
+              <a:t>, </a:t>
+            </a:r>
+            <a:r>
+              <a:rPr lang="en-US" dirty="0" err="1" smtClean="0"/>
+              <a:t>con’t</a:t>
+            </a:r>
+            <a:r>
+              <a:rPr lang="en-US" dirty="0"/>
+              <a:t/>
+            </a:r>
+            <a:br>
+              <a:rPr lang="en-US" dirty="0"/>
+            </a:br>
             <a:endParaRPr lang="en-US" dirty="0"/>
           </a:p>
         </p:txBody>
       </p:sp>
       <p:sp>
         <p:nvSpPr>
-          <p:cNvPr id="5" name="Text Placeholder 4"/>
+          <p:cNvPr id="11" name="Text Placeholder 10"/>
           <p:cNvSpPr>
             <a:spLocks noGrp="1"/>
           </p:cNvSpPr>
           <p:nvPr>
-            <p:ph type="body" sz="quarter" idx="13"/>
+            <p:ph sz="quarter" idx="13"/>
           </p:nvPr>
         </p:nvSpPr>
         <p:spPr/>
@@ -10697,14 +12185,337 @@
           <a:bodyPr/>
           <a:lstStyle/>
           <a:p>
-            <a:endParaRPr lang="en-US"/>
+            <a:r>
+              <a:rPr lang="en-US" dirty="0" smtClean="0"/>
+              <a:t>Assumptions</a:t>
+            </a:r>
+            <a:r>
+              <a:rPr lang="en-US" baseline="30000" dirty="0" smtClean="0"/>
+              <a:t>1,2</a:t>
+            </a:r>
+            <a:r>
+              <a:rPr lang="en-US" dirty="0" smtClean="0"/>
+              <a:t>:</a:t>
+            </a:r>
+          </a:p>
+          <a:p>
+            <a:pPr lvl="1"/>
+            <a:r>
+              <a:rPr lang="en-US" dirty="0" smtClean="0"/>
+              <a:t>1-D, steady-state, laminar flow</a:t>
+            </a:r>
+          </a:p>
+          <a:p>
+            <a:pPr lvl="1"/>
+            <a:r>
+              <a:rPr lang="en-US" dirty="0" smtClean="0"/>
+              <a:t>Leading hydrodynamic shock</a:t>
+            </a:r>
+          </a:p>
+          <a:p>
+            <a:pPr lvl="1"/>
+            <a:r>
+              <a:rPr lang="en-US" dirty="0" smtClean="0"/>
+              <a:t>Reaction rate is finite</a:t>
+            </a:r>
+          </a:p>
+          <a:p>
+            <a:pPr lvl="1"/>
+            <a:r>
+              <a:rPr lang="en-US" dirty="0" smtClean="0"/>
+              <a:t>Consistent EOS for reactant/product mixture</a:t>
+            </a:r>
+          </a:p>
+          <a:p>
+            <a:pPr lvl="1"/>
+            <a:r>
+              <a:rPr lang="en-US" dirty="0" smtClean="0"/>
+              <a:t>Thermodynamic equilibrium</a:t>
+            </a:r>
+          </a:p>
+          <a:p>
+            <a:r>
+              <a:rPr lang="en-US" dirty="0" smtClean="0"/>
+              <a:t>Essential physics:</a:t>
+            </a:r>
+          </a:p>
+          <a:p>
+            <a:pPr lvl="1"/>
+            <a:r>
+              <a:rPr lang="en-US" dirty="0" smtClean="0"/>
+              <a:t>Well-defined reaction zone</a:t>
+            </a:r>
+          </a:p>
+          <a:p>
+            <a:pPr lvl="1"/>
+            <a:r>
+              <a:rPr lang="en-US" dirty="0" smtClean="0"/>
+              <a:t>Reaction ends at CJ state</a:t>
+            </a:r>
+          </a:p>
+          <a:p>
+            <a:pPr marL="0" indent="0">
+              <a:buNone/>
+            </a:pPr>
+            <a:r>
+              <a:rPr lang="en-US" sz="1100" b="0" baseline="30000" dirty="0" smtClean="0">
+                <a:solidFill>
+                  <a:srgbClr val="000000"/>
+                </a:solidFill>
+                <a:latin typeface="Lucida Grande"/>
+                <a:ea typeface="Lucida Grande"/>
+                <a:cs typeface="Lucida Grande"/>
+              </a:rPr>
+              <a:t/>
+            </a:r>
+            <a:br>
+              <a:rPr lang="en-US" sz="1100" b="0" baseline="30000" dirty="0" smtClean="0">
+                <a:solidFill>
+                  <a:srgbClr val="000000"/>
+                </a:solidFill>
+                <a:latin typeface="Lucida Grande"/>
+                <a:ea typeface="Lucida Grande"/>
+                <a:cs typeface="Lucida Grande"/>
+              </a:rPr>
+            </a:br>
+            <a:r>
+              <a:rPr lang="en-US" sz="1100" b="0" baseline="30000" dirty="0" smtClean="0">
+                <a:solidFill>
+                  <a:srgbClr val="000000"/>
+                </a:solidFill>
+                <a:latin typeface="Lucida Grande"/>
+                <a:ea typeface="Lucida Grande"/>
+                <a:cs typeface="Lucida Grande"/>
+              </a:rPr>
+              <a:t>1</a:t>
+            </a:r>
+            <a:r>
+              <a:rPr lang="en-US" sz="1100" b="0" dirty="0" smtClean="0">
+                <a:solidFill>
+                  <a:srgbClr val="000000"/>
+                </a:solidFill>
+                <a:latin typeface="Lucida Grande"/>
+                <a:ea typeface="Lucida Grande"/>
+                <a:cs typeface="Lucida Grande"/>
+              </a:rPr>
+              <a:t> </a:t>
+            </a:r>
+            <a:r>
+              <a:rPr lang="en-US" sz="1100" b="0" dirty="0" err="1" smtClean="0">
+                <a:solidFill>
+                  <a:srgbClr val="000000"/>
+                </a:solidFill>
+                <a:latin typeface="Lucida Grande"/>
+                <a:ea typeface="Lucida Grande"/>
+                <a:cs typeface="Lucida Grande"/>
+              </a:rPr>
+              <a:t>Fickett</a:t>
+            </a:r>
+            <a:r>
+              <a:rPr lang="en-US" sz="1100" b="0" dirty="0" smtClean="0">
+                <a:solidFill>
+                  <a:srgbClr val="000000"/>
+                </a:solidFill>
+                <a:latin typeface="Lucida Grande"/>
+                <a:ea typeface="Lucida Grande"/>
+                <a:cs typeface="Lucida Grande"/>
+              </a:rPr>
+              <a:t> &amp; Davis, </a:t>
+            </a:r>
+            <a:r>
+              <a:rPr lang="en-US" sz="1100" b="0" i="1" dirty="0" smtClean="0">
+                <a:solidFill>
+                  <a:srgbClr val="000000"/>
+                </a:solidFill>
+                <a:latin typeface="Lucida Grande"/>
+                <a:ea typeface="Lucida Grande"/>
+                <a:cs typeface="Lucida Grande"/>
+              </a:rPr>
+              <a:t>Detonation</a:t>
+            </a:r>
+            <a:r>
+              <a:rPr lang="en-US" sz="1100" b="0" dirty="0" smtClean="0">
+                <a:solidFill>
+                  <a:srgbClr val="000000"/>
+                </a:solidFill>
+                <a:latin typeface="Lucida Grande"/>
+                <a:ea typeface="Lucida Grande"/>
+                <a:cs typeface="Lucida Grande"/>
+              </a:rPr>
+              <a:t>, 1979</a:t>
+            </a:r>
+            <a:endParaRPr lang="en-US" sz="1100" b="0" dirty="0">
+              <a:solidFill>
+                <a:srgbClr val="3C3C3B"/>
+              </a:solidFill>
+              <a:latin typeface="Lucida Grande"/>
+              <a:cs typeface="Lucida Grande"/>
+            </a:endParaRPr>
+          </a:p>
+          <a:p>
+            <a:pPr marL="0" indent="0">
+              <a:buNone/>
+            </a:pPr>
+            <a:endParaRPr lang="en-US" dirty="0"/>
+          </a:p>
+        </p:txBody>
+      </p:sp>
+      <p:pic>
+        <p:nvPicPr>
+          <p:cNvPr id="18" name="Content Placeholder 17"/>
+          <p:cNvPicPr>
+            <a:picLocks noGrp="1" noChangeAspect="1"/>
+          </p:cNvPicPr>
+          <p:nvPr>
+            <p:ph sz="quarter" idx="14"/>
+          </p:nvPr>
+        </p:nvPicPr>
+        <p:blipFill rotWithShape="1">
+          <a:blip r:embed="rId3"/>
+          <a:srcRect t="2242" b="-28116"/>
+          <a:stretch/>
+        </p:blipFill>
+        <p:spPr/>
+      </p:pic>
+      <p:sp>
+        <p:nvSpPr>
+          <p:cNvPr id="17" name="TextBox 16"/>
+          <p:cNvSpPr txBox="1"/>
+          <p:nvPr/>
+        </p:nvSpPr>
+        <p:spPr>
+          <a:xfrm>
+            <a:off x="4667250" y="4199467"/>
+            <a:ext cx="4019549" cy="1092607"/>
+          </a:xfrm>
+          <a:prstGeom prst="rect">
+            <a:avLst/>
+          </a:prstGeom>
+          <a:noFill/>
+        </p:spPr>
+        <p:txBody>
+          <a:bodyPr wrap="square" rtlCol="0">
+            <a:spAutoFit/>
+          </a:bodyPr>
+          <a:lstStyle/>
+          <a:p>
+            <a:r>
+              <a:rPr lang="en-US" dirty="0" smtClean="0"/>
+              <a:t>The CJ-state for a mixture EOS</a:t>
+            </a:r>
+            <a:r>
+              <a:rPr lang="en-US" baseline="30000" dirty="0" smtClean="0"/>
+              <a:t>2</a:t>
+            </a:r>
+            <a:r>
+              <a:rPr lang="en-US" dirty="0" smtClean="0"/>
+              <a:t/>
+            </a:r>
+            <a:br>
+              <a:rPr lang="en-US" dirty="0" smtClean="0"/>
+            </a:br>
+            <a:r>
+              <a:rPr lang="en-US" dirty="0" smtClean="0"/>
+              <a:t/>
+            </a:r>
+            <a:br>
+              <a:rPr lang="en-US" dirty="0" smtClean="0"/>
+            </a:br>
+            <a:r>
+              <a:rPr lang="en-US" dirty="0" smtClean="0"/>
+              <a:t/>
+            </a:r>
+            <a:br>
+              <a:rPr lang="en-US" dirty="0" smtClean="0"/>
+            </a:br>
+            <a:r>
+              <a:rPr lang="en-US" sz="1100" baseline="30000" dirty="0" smtClean="0">
+                <a:solidFill>
+                  <a:srgbClr val="000000"/>
+                </a:solidFill>
+                <a:latin typeface="Lucida Grande"/>
+                <a:ea typeface="Lucida Grande"/>
+                <a:cs typeface="Lucida Grande"/>
+              </a:rPr>
+              <a:t>2</a:t>
+            </a:r>
+            <a:r>
+              <a:rPr lang="en-US" sz="1100" dirty="0" smtClean="0">
+                <a:solidFill>
+                  <a:srgbClr val="000000"/>
+                </a:solidFill>
+                <a:latin typeface="Lucida Grande"/>
+                <a:ea typeface="Lucida Grande"/>
+                <a:cs typeface="Lucida Grande"/>
+              </a:rPr>
+              <a:t> </a:t>
+            </a:r>
+            <a:r>
+              <a:rPr lang="en-US" sz="1100" dirty="0" err="1">
+                <a:solidFill>
+                  <a:srgbClr val="000000"/>
+                </a:solidFill>
+                <a:latin typeface="Lucida Grande"/>
+                <a:ea typeface="Lucida Grande"/>
+                <a:cs typeface="Lucida Grande"/>
+              </a:rPr>
+              <a:t>Menikoff</a:t>
+            </a:r>
+            <a:r>
+              <a:rPr lang="en-US" sz="1100" dirty="0">
+                <a:solidFill>
+                  <a:srgbClr val="000000"/>
+                </a:solidFill>
+                <a:latin typeface="Lucida Grande"/>
+                <a:ea typeface="Lucida Grande"/>
+                <a:cs typeface="Lucida Grande"/>
+              </a:rPr>
+              <a:t>, </a:t>
+            </a:r>
+            <a:r>
+              <a:rPr lang="en-US" sz="1100" i="1" dirty="0">
+                <a:solidFill>
+                  <a:srgbClr val="000000"/>
+                </a:solidFill>
+                <a:latin typeface="Lucida Grande"/>
+                <a:ea typeface="Lucida Grande"/>
+                <a:cs typeface="Lucida Grande"/>
+              </a:rPr>
+              <a:t>Detonation Wave Profile</a:t>
+            </a:r>
+            <a:r>
+              <a:rPr lang="en-US" sz="1100" dirty="0">
+                <a:solidFill>
+                  <a:srgbClr val="000000"/>
+                </a:solidFill>
+                <a:latin typeface="Lucida Grande"/>
+                <a:ea typeface="Lucida Grande"/>
+                <a:cs typeface="Lucida Grande"/>
+              </a:rPr>
+              <a:t>, LA-UR-15-</a:t>
+            </a:r>
+            <a:r>
+              <a:rPr lang="en-US" sz="1100" dirty="0" smtClean="0">
+                <a:solidFill>
+                  <a:srgbClr val="000000"/>
+                </a:solidFill>
+                <a:latin typeface="Lucida Grande"/>
+                <a:ea typeface="Lucida Grande"/>
+                <a:cs typeface="Lucida Grande"/>
+              </a:rPr>
+              <a:t>29498</a:t>
+            </a:r>
+            <a:endParaRPr lang="en-US" sz="1100" dirty="0">
+              <a:latin typeface="Lucida Grande"/>
+              <a:cs typeface="Lucida Grande"/>
+            </a:endParaRPr>
           </a:p>
         </p:txBody>
       </p:sp>
     </p:spTree>
     <p:extLst>
       <p:ext uri="{BB962C8B-B14F-4D97-AF65-F5344CB8AC3E}">
-        <p14:creationId xmlns:p14="http://schemas.microsoft.com/office/powerpoint/2010/main" val="3705481492"/>
+        <p14:creationId xmlns:p14="http://schemas.microsoft.com/office/powerpoint/2010/main" val="1738611676"/>
       </p:ext>
     </p:extLst>
   </p:cSld>
@@ -10723,6 +12534,13 @@
       </p:transition>
     </mc:Fallback>
   </mc:AlternateContent>
+  <p:timing>
+    <p:tnLst>
+      <p:par>
+        <p:cTn xmlns:p14="http://schemas.microsoft.com/office/powerpoint/2010/main" id="1" dur="indefinite" restart="never" nodeType="tmRoot"/>
+      </p:par>
+    </p:tnLst>
+  </p:timing>
 </p:sld>
 </file>
 
@@ -10745,12 +12563,12 @@
       </p:grpSpPr>
       <p:sp>
         <p:nvSpPr>
-          <p:cNvPr id="5" name="Text Placeholder 4"/>
+          <p:cNvPr id="2" name="Title 1"/>
           <p:cNvSpPr>
             <a:spLocks noGrp="1"/>
           </p:cNvSpPr>
           <p:nvPr>
-            <p:ph type="body" sz="quarter" idx="12"/>
+            <p:ph type="title"/>
           </p:nvPr>
         </p:nvSpPr>
         <p:spPr/>
@@ -10759,25 +12577,192 @@
           <a:lstStyle/>
           <a:p>
             <a:r>
+              <a:rPr lang="en-US" dirty="0"/>
+              <a:t>The ZND wave in </a:t>
+            </a:r>
+            <a:r>
               <a:rPr lang="en-US" dirty="0" err="1" smtClean="0"/>
-              <a:t>EOSlib</a:t>
+              <a:t>ExactPack</a:t>
             </a:r>
             <a:r>
               <a:rPr lang="en-US" dirty="0" smtClean="0"/>
-              <a:t> – The Database</a:t>
-            </a:r>
+              <a:t>, </a:t>
+            </a:r>
+            <a:r>
+              <a:rPr lang="en-US" dirty="0" err="1" smtClean="0"/>
+              <a:t>con’t</a:t>
+            </a:r>
+            <a:r>
+              <a:rPr lang="en-US" dirty="0"/>
+              <a:t/>
+            </a:r>
+            <a:br>
+              <a:rPr lang="en-US" dirty="0"/>
+            </a:br>
             <a:endParaRPr lang="en-US" dirty="0"/>
           </a:p>
         </p:txBody>
       </p:sp>
-      <p:sp>
-        <p:nvSpPr>
-          <p:cNvPr id="6" name="Text Placeholder 5"/>
+      <p:pic>
+        <p:nvPicPr>
+          <p:cNvPr id="18" name="Content Placeholder 17"/>
+          <p:cNvPicPr>
+            <a:picLocks noGrp="1" noChangeAspect="1"/>
+          </p:cNvPicPr>
+          <p:nvPr>
+            <p:ph sz="quarter" idx="14"/>
+          </p:nvPr>
+        </p:nvPicPr>
+        <p:blipFill rotWithShape="1">
+          <a:blip r:embed="rId4"/>
+          <a:srcRect t="2242" b="-28116"/>
+          <a:stretch/>
+        </p:blipFill>
+        <p:spPr/>
+      </p:pic>
+      <p:sp>
+        <p:nvSpPr>
+          <p:cNvPr id="17" name="TextBox 16"/>
+          <p:cNvSpPr txBox="1"/>
+          <p:nvPr/>
+        </p:nvSpPr>
+        <p:spPr>
+          <a:xfrm>
+            <a:off x="4667250" y="4199467"/>
+            <a:ext cx="4019549" cy="1092607"/>
+          </a:xfrm>
+          <a:prstGeom prst="rect">
+            <a:avLst/>
+          </a:prstGeom>
+          <a:noFill/>
+        </p:spPr>
+        <p:txBody>
+          <a:bodyPr wrap="square" rtlCol="0">
+            <a:spAutoFit/>
+          </a:bodyPr>
+          <a:lstStyle/>
+          <a:p>
+            <a:r>
+              <a:rPr lang="en-US" dirty="0" smtClean="0"/>
+              <a:t>The CJ-state for a mixture EOS</a:t>
+            </a:r>
+            <a:r>
+              <a:rPr lang="en-US" baseline="30000" dirty="0" smtClean="0"/>
+              <a:t>2</a:t>
+            </a:r>
+            <a:r>
+              <a:rPr lang="en-US" dirty="0" smtClean="0"/>
+              <a:t/>
+            </a:r>
+            <a:br>
+              <a:rPr lang="en-US" dirty="0" smtClean="0"/>
+            </a:br>
+            <a:r>
+              <a:rPr lang="en-US" dirty="0" smtClean="0"/>
+              <a:t/>
+            </a:r>
+            <a:br>
+              <a:rPr lang="en-US" dirty="0" smtClean="0"/>
+            </a:br>
+            <a:r>
+              <a:rPr lang="en-US" dirty="0" smtClean="0"/>
+              <a:t/>
+            </a:r>
+            <a:br>
+              <a:rPr lang="en-US" dirty="0" smtClean="0"/>
+            </a:br>
+            <a:r>
+              <a:rPr lang="en-US" sz="1100" baseline="30000" dirty="0" smtClean="0">
+                <a:solidFill>
+                  <a:srgbClr val="000000"/>
+                </a:solidFill>
+                <a:latin typeface="Lucida Grande"/>
+                <a:ea typeface="Lucida Grande"/>
+                <a:cs typeface="Lucida Grande"/>
+              </a:rPr>
+              <a:t>2</a:t>
+            </a:r>
+            <a:r>
+              <a:rPr lang="en-US" sz="1100" dirty="0" smtClean="0">
+                <a:solidFill>
+                  <a:srgbClr val="000000"/>
+                </a:solidFill>
+                <a:latin typeface="Lucida Grande"/>
+                <a:ea typeface="Lucida Grande"/>
+                <a:cs typeface="Lucida Grande"/>
+              </a:rPr>
+              <a:t> </a:t>
+            </a:r>
+            <a:r>
+              <a:rPr lang="en-US" sz="1100" dirty="0" err="1">
+                <a:solidFill>
+                  <a:srgbClr val="000000"/>
+                </a:solidFill>
+                <a:latin typeface="Lucida Grande"/>
+                <a:ea typeface="Lucida Grande"/>
+                <a:cs typeface="Lucida Grande"/>
+              </a:rPr>
+              <a:t>Menikoff</a:t>
+            </a:r>
+            <a:r>
+              <a:rPr lang="en-US" sz="1100" dirty="0">
+                <a:solidFill>
+                  <a:srgbClr val="000000"/>
+                </a:solidFill>
+                <a:latin typeface="Lucida Grande"/>
+                <a:ea typeface="Lucida Grande"/>
+                <a:cs typeface="Lucida Grande"/>
+              </a:rPr>
+              <a:t>, </a:t>
+            </a:r>
+            <a:r>
+              <a:rPr lang="en-US" sz="1100" i="1" dirty="0">
+                <a:solidFill>
+                  <a:srgbClr val="000000"/>
+                </a:solidFill>
+                <a:latin typeface="Lucida Grande"/>
+                <a:ea typeface="Lucida Grande"/>
+                <a:cs typeface="Lucida Grande"/>
+              </a:rPr>
+              <a:t>Detonation Wave Profile</a:t>
+            </a:r>
+            <a:r>
+              <a:rPr lang="en-US" sz="1100" dirty="0">
+                <a:solidFill>
+                  <a:srgbClr val="000000"/>
+                </a:solidFill>
+                <a:latin typeface="Lucida Grande"/>
+                <a:ea typeface="Lucida Grande"/>
+                <a:cs typeface="Lucida Grande"/>
+              </a:rPr>
+              <a:t>, LA-UR-15-</a:t>
+            </a:r>
+            <a:r>
+              <a:rPr lang="en-US" sz="1100" dirty="0" smtClean="0">
+                <a:solidFill>
+                  <a:srgbClr val="000000"/>
+                </a:solidFill>
+                <a:latin typeface="Lucida Grande"/>
+                <a:ea typeface="Lucida Grande"/>
+                <a:cs typeface="Lucida Grande"/>
+              </a:rPr>
+              <a:t>29498</a:t>
+            </a:r>
+            <a:endParaRPr lang="en-US" sz="1100" dirty="0">
+              <a:latin typeface="Lucida Grande"/>
+              <a:cs typeface="Lucida Grande"/>
+            </a:endParaRPr>
+          </a:p>
+        </p:txBody>
+      </p:sp>
+      <p:sp>
+        <p:nvSpPr>
+          <p:cNvPr id="3" name="Content Placeholder 2"/>
           <p:cNvSpPr>
             <a:spLocks noGrp="1"/>
           </p:cNvSpPr>
           <p:nvPr>
-            <p:ph type="body" sz="quarter" idx="13"/>
+            <p:ph sz="quarter" idx="13"/>
           </p:nvPr>
         </p:nvSpPr>
         <p:spPr/>
@@ -10785,14 +12770,110 @@
           <a:bodyPr/>
           <a:lstStyle/>
           <a:p>
-            <a:endParaRPr lang="en-US"/>
-          </a:p>
-        </p:txBody>
-      </p:sp>
+            <a:r>
+              <a:rPr lang="en-US" dirty="0" smtClean="0"/>
+              <a:t>Fundamental equations:</a:t>
+            </a:r>
+          </a:p>
+          <a:p>
+            <a:endParaRPr lang="en-US" dirty="0"/>
+          </a:p>
+          <a:p>
+            <a:endParaRPr lang="en-US" dirty="0" smtClean="0"/>
+          </a:p>
+          <a:p>
+            <a:endParaRPr lang="en-US" dirty="0"/>
+          </a:p>
+          <a:p>
+            <a:endParaRPr lang="en-US" dirty="0" smtClean="0"/>
+          </a:p>
+          <a:p>
+            <a:endParaRPr lang="en-US" dirty="0"/>
+          </a:p>
+          <a:p>
+            <a:endParaRPr lang="en-US" dirty="0" smtClean="0"/>
+          </a:p>
+          <a:p>
+            <a:endParaRPr lang="en-US" dirty="0"/>
+          </a:p>
+          <a:p>
+            <a:endParaRPr lang="en-US" dirty="0" smtClean="0"/>
+          </a:p>
+          <a:p>
+            <a:r>
+              <a:rPr lang="en-US" dirty="0" smtClean="0"/>
+              <a:t>Double implicit solve.</a:t>
+            </a:r>
+          </a:p>
+          <a:p>
+            <a:r>
+              <a:rPr lang="en-US" dirty="0" smtClean="0"/>
+              <a:t>Requires a specific EOS.</a:t>
+            </a:r>
+          </a:p>
+        </p:txBody>
+      </p:sp>
+      <p:graphicFrame>
+        <p:nvGraphicFramePr>
+          <p:cNvPr id="10" name="Content Placeholder 2"/>
+          <p:cNvGraphicFramePr>
+            <a:graphicFrameLocks noChangeAspect="1"/>
+          </p:cNvGraphicFramePr>
+          <p:nvPr>
+            <p:extLst>
+              <p:ext uri="{D42A27DB-BD31-4B8C-83A1-F6EECF244321}">
+                <p14:modId xmlns:p14="http://schemas.microsoft.com/office/powerpoint/2010/main" val="3196104443"/>
+              </p:ext>
+            </p:extLst>
+          </p:nvPr>
+        </p:nvGraphicFramePr>
+        <p:xfrm>
+          <a:off x="739314" y="1888066"/>
+          <a:ext cx="3593502" cy="2243476"/>
+        </p:xfrm>
+        <a:graphic>
+          <a:graphicData uri="http://schemas.openxmlformats.org/presentationml/2006/ole">
+            <mc:AlternateContent xmlns:mc="http://schemas.openxmlformats.org/markup-compatibility/2006">
+              <mc:Choice xmlns:v="urn:schemas-microsoft-com:vml" Requires="v">
+                <p:oleObj spid="_x0000_s2052" name="Equation" r:id="rId5" imgW="2400300" imgH="1498600" progId="Equation.DSMT4">
+                  <p:embed/>
+                </p:oleObj>
+              </mc:Choice>
+              <mc:Fallback>
+                <p:oleObj name="Equation" r:id="rId5" imgW="2400300" imgH="1498600" progId="Equation.DSMT4">
+                  <p:embed/>
+                  <p:pic>
+                    <p:nvPicPr>
+                      <p:cNvPr id="0" name=""/>
+                      <p:cNvPicPr/>
+                      <p:nvPr/>
+                    </p:nvPicPr>
+                    <p:blipFill>
+                      <a:blip r:embed="rId6"/>
+                      <a:stretch>
+                        <a:fillRect/>
+                      </a:stretch>
+                    </p:blipFill>
+                    <p:spPr>
+                      <a:xfrm>
+                        <a:off x="739314" y="1888066"/>
+                        <a:ext cx="3593502" cy="2243476"/>
+                      </a:xfrm>
+                      <a:prstGeom prst="rect">
+                        <a:avLst/>
+                      </a:prstGeom>
+                    </p:spPr>
+                  </p:pic>
+                </p:oleObj>
+              </mc:Fallback>
+            </mc:AlternateContent>
+          </a:graphicData>
+        </a:graphic>
+      </p:graphicFrame>
     </p:spTree>
     <p:extLst>
       <p:ext uri="{BB962C8B-B14F-4D97-AF65-F5344CB8AC3E}">
-        <p14:creationId xmlns:p14="http://schemas.microsoft.com/office/powerpoint/2010/main" val="96774930"/>
+        <p14:creationId xmlns:p14="http://schemas.microsoft.com/office/powerpoint/2010/main" val="1319761073"/>
       </p:ext>
     </p:extLst>
   </p:cSld>
@@ -10811,6 +12892,13 @@
       </p:transition>
     </mc:Fallback>
   </mc:AlternateContent>
+  <p:timing>
+    <p:tnLst>
+      <p:par>
+        <p:cTn xmlns:p14="http://schemas.microsoft.com/office/powerpoint/2010/main" id="1" dur="indefinite" restart="never" nodeType="tmRoot"/>
+      </p:par>
+    </p:tnLst>
+  </p:timing>
 </p:sld>
 </file>
 
@@ -10833,7 +12921,7 @@
       </p:grpSpPr>
       <p:sp>
         <p:nvSpPr>
-          <p:cNvPr id="5" name="Text Placeholder 4"/>
+          <p:cNvPr id="4" name="Text Placeholder 3"/>
           <p:cNvSpPr>
             <a:spLocks noGrp="1"/>
           </p:cNvSpPr>
@@ -10852,7 +12940,7 @@
             </a:r>
             <a:r>
               <a:rPr lang="en-US" dirty="0" smtClean="0"/>
-              <a:t> – The Applications</a:t>
+              <a:t> – The Library</a:t>
             </a:r>
             <a:endParaRPr lang="en-US" dirty="0"/>
           </a:p>
@@ -10860,7 +12948,7 @@
       </p:sp>
       <p:sp>
         <p:nvSpPr>
-          <p:cNvPr id="6" name="Text Placeholder 5"/>
+          <p:cNvPr id="5" name="Text Placeholder 4"/>
           <p:cNvSpPr>
             <a:spLocks noGrp="1"/>
           </p:cNvSpPr>
@@ -10880,7 +12968,7 @@
     </p:spTree>
     <p:extLst>
       <p:ext uri="{BB962C8B-B14F-4D97-AF65-F5344CB8AC3E}">
-        <p14:creationId xmlns:p14="http://schemas.microsoft.com/office/powerpoint/2010/main" val="453941"/>
+        <p14:creationId xmlns:p14="http://schemas.microsoft.com/office/powerpoint/2010/main" val="3705481492"/>
       </p:ext>
     </p:extLst>
   </p:cSld>
@@ -10940,23 +13028,7 @@
             </a:r>
             <a:r>
               <a:rPr lang="en-US" dirty="0" smtClean="0"/>
-              <a:t> – The Software (</a:t>
-            </a:r>
-            <a:r>
-              <a:rPr lang="en-US" dirty="0" err="1" smtClean="0"/>
-              <a:t>Cmake</a:t>
-            </a:r>
-            <a:r>
-              <a:rPr lang="en-US" dirty="0" smtClean="0"/>
-              <a:t>, </a:t>
-            </a:r>
-            <a:r>
-              <a:rPr lang="en-US" dirty="0" err="1" smtClean="0"/>
-              <a:t>GitHub</a:t>
-            </a:r>
-            <a:r>
-              <a:rPr lang="en-US" dirty="0" smtClean="0"/>
-              <a:t>, etc.)</a:t>
+              <a:t> – The Database</a:t>
             </a:r>
             <a:endParaRPr lang="en-US" dirty="0"/>
           </a:p>
@@ -10984,7 +13056,7 @@
     </p:spTree>
     <p:extLst>
       <p:ext uri="{BB962C8B-B14F-4D97-AF65-F5344CB8AC3E}">
-        <p14:creationId xmlns:p14="http://schemas.microsoft.com/office/powerpoint/2010/main" val="453941"/>
+        <p14:creationId xmlns:p14="http://schemas.microsoft.com/office/powerpoint/2010/main" val="96774930"/>
       </p:ext>
     </p:extLst>
   </p:cSld>
@@ -11025,12 +13097,12 @@
       </p:grpSpPr>
       <p:sp>
         <p:nvSpPr>
-          <p:cNvPr id="4" name="Title 3"/>
+          <p:cNvPr id="5" name="Text Placeholder 4"/>
           <p:cNvSpPr>
             <a:spLocks noGrp="1"/>
           </p:cNvSpPr>
           <p:nvPr>
-            <p:ph type="title"/>
+            <p:ph type="body" sz="quarter" idx="12"/>
           </p:nvPr>
         </p:nvSpPr>
         <p:spPr/>
@@ -11044,7 +13116,7 @@
             </a:r>
             <a:r>
               <a:rPr lang="en-US" dirty="0" smtClean="0"/>
-              <a:t> – A reference implementation for analytic equation-of-state models</a:t>
+              <a:t> – The Applications</a:t>
             </a:r>
             <a:endParaRPr lang="en-US" dirty="0"/>
           </a:p>
@@ -11052,12 +13124,12 @@
       </p:sp>
       <p:sp>
         <p:nvSpPr>
-          <p:cNvPr id="5" name="Content Placeholder 4"/>
+          <p:cNvPr id="6" name="Text Placeholder 5"/>
           <p:cNvSpPr>
             <a:spLocks noGrp="1"/>
           </p:cNvSpPr>
           <p:nvPr>
-            <p:ph sz="quarter" idx="13"/>
+            <p:ph type="body" sz="quarter" idx="13"/>
           </p:nvPr>
         </p:nvSpPr>
         <p:spPr/>
@@ -11065,715 +13137,149 @@
           <a:bodyPr/>
           <a:lstStyle/>
           <a:p>
-            <a:r>
-              <a:rPr lang="en-US" dirty="0" smtClean="0"/>
-              <a:t>Extensible, stand-alone code for analytic EOS models.</a:t>
-            </a:r>
-          </a:p>
-          <a:p>
-            <a:r>
-              <a:rPr lang="en-US" dirty="0" smtClean="0"/>
-              <a:t>Provides a single target for verification and validation work.</a:t>
-            </a:r>
-          </a:p>
-          <a:p>
-            <a:r>
-              <a:rPr lang="en-US" dirty="0" smtClean="0"/>
-              <a:t>Provides tools for managing databases of EOS parameters.</a:t>
-            </a:r>
-          </a:p>
-          <a:p>
-            <a:r>
-              <a:rPr lang="en-US" dirty="0" smtClean="0"/>
-              <a:t>Facilitates EOS computations:</a:t>
-            </a:r>
-          </a:p>
-          <a:p>
-            <a:pPr lvl="1"/>
-            <a:r>
-              <a:rPr lang="en-US" dirty="0" err="1" smtClean="0"/>
-              <a:t>Hugoniot</a:t>
-            </a:r>
-            <a:r>
-              <a:rPr lang="en-US" dirty="0" smtClean="0"/>
-              <a:t> curves</a:t>
-            </a:r>
-          </a:p>
-          <a:p>
-            <a:pPr lvl="1"/>
-            <a:r>
-              <a:rPr lang="en-US" dirty="0" smtClean="0"/>
-              <a:t>Detonation profiles (see figure</a:t>
-            </a:r>
-            <a:r>
-              <a:rPr lang="en-US" baseline="30000" dirty="0" smtClean="0"/>
-              <a:t>1</a:t>
-            </a:r>
-            <a:r>
-              <a:rPr lang="en-US" dirty="0" smtClean="0"/>
-              <a:t>)</a:t>
-            </a:r>
-          </a:p>
-          <a:p>
-            <a:pPr lvl="1"/>
-            <a:r>
-              <a:rPr lang="en-US" dirty="0" smtClean="0"/>
-              <a:t>Simple plastic deformation</a:t>
-            </a:r>
-          </a:p>
-          <a:p>
-            <a:endParaRPr lang="en-US" dirty="0" smtClean="0"/>
-          </a:p>
-          <a:p>
-            <a:pPr marL="0" indent="0">
-              <a:buNone/>
-            </a:pPr>
-            <a:r>
-              <a:rPr lang="en-US" sz="1100" b="0" baseline="30000" dirty="0">
-                <a:solidFill>
-                  <a:srgbClr val="000000"/>
-                </a:solidFill>
-                <a:latin typeface="Lucida Grande"/>
-                <a:ea typeface="Lucida Grande"/>
-                <a:cs typeface="Lucida Grande"/>
-              </a:rPr>
-              <a:t>1</a:t>
-            </a:r>
-            <a:r>
-              <a:rPr lang="en-US" sz="1100" b="0" dirty="0">
-                <a:solidFill>
-                  <a:srgbClr val="000000"/>
-                </a:solidFill>
-                <a:latin typeface="Lucida Grande"/>
-                <a:ea typeface="Lucida Grande"/>
-                <a:cs typeface="Lucida Grande"/>
-              </a:rPr>
-              <a:t> </a:t>
-            </a:r>
-            <a:r>
-              <a:rPr lang="en-US" sz="1100" b="0" dirty="0" err="1">
-                <a:solidFill>
-                  <a:srgbClr val="000000"/>
-                </a:solidFill>
-                <a:latin typeface="Lucida Grande"/>
-                <a:ea typeface="Lucida Grande"/>
-                <a:cs typeface="Lucida Grande"/>
-              </a:rPr>
-              <a:t>Menikoff</a:t>
-            </a:r>
-            <a:r>
-              <a:rPr lang="en-US" sz="1100" b="0" dirty="0">
-                <a:solidFill>
-                  <a:srgbClr val="000000"/>
-                </a:solidFill>
-                <a:latin typeface="Lucida Grande"/>
-                <a:ea typeface="Lucida Grande"/>
-                <a:cs typeface="Lucida Grande"/>
-              </a:rPr>
-              <a:t>, </a:t>
-            </a:r>
-            <a:r>
-              <a:rPr lang="en-US" sz="1100" b="0" i="1" dirty="0">
-                <a:solidFill>
-                  <a:srgbClr val="000000"/>
-                </a:solidFill>
-                <a:latin typeface="Lucida Grande"/>
-                <a:ea typeface="Lucida Grande"/>
-                <a:cs typeface="Lucida Grande"/>
-              </a:rPr>
-              <a:t>Detonation Wave Profile</a:t>
-            </a:r>
-            <a:r>
-              <a:rPr lang="en-US" sz="1100" b="0" dirty="0">
-                <a:solidFill>
-                  <a:srgbClr val="000000"/>
-                </a:solidFill>
-                <a:latin typeface="Lucida Grande"/>
-                <a:ea typeface="Lucida Grande"/>
-                <a:cs typeface="Lucida Grande"/>
-              </a:rPr>
-              <a:t>, LA-UR-15-29498</a:t>
-            </a:r>
-            <a:endParaRPr lang="en-US" sz="1100" dirty="0"/>
-          </a:p>
-        </p:txBody>
-      </p:sp>
-      <p:sp>
-        <p:nvSpPr>
-          <p:cNvPr id="6" name="Content Placeholder 5"/>
+            <a:endParaRPr lang="en-US"/>
+          </a:p>
+        </p:txBody>
+      </p:sp>
+    </p:spTree>
+    <p:extLst>
+      <p:ext uri="{BB962C8B-B14F-4D97-AF65-F5344CB8AC3E}">
+        <p14:creationId xmlns:p14="http://schemas.microsoft.com/office/powerpoint/2010/main" val="453941"/>
+      </p:ext>
+    </p:extLst>
+  </p:cSld>
+  <p:clrMapOvr>
+    <a:masterClrMapping/>
+  </p:clrMapOvr>
+  <mc:AlternateContent xmlns:mc="http://schemas.openxmlformats.org/markup-compatibility/2006" xmlns:p14="http://schemas.microsoft.com/office/powerpoint/2010/main">
+    <mc:Choice Requires="p14">
+      <p:transition spd="med" p14:dur="700">
+        <p:fade/>
+      </p:transition>
+    </mc:Choice>
+    <mc:Fallback xmlns="">
+      <p:transition xmlns:p14="http://schemas.microsoft.com/office/powerpoint/2010/main" spd="med">
+        <p:fade/>
+      </p:transition>
+    </mc:Fallback>
+  </mc:AlternateContent>
+</p:sld>
+</file>
+
+<file path=ppt/slides/slide9.xml><?xml version="1.0" encoding="utf-8"?>
+<p:sld xmlns:a="http://schemas.openxmlformats.org/drawingml/2006/main" xmlns:r="http://schemas.openxmlformats.org/officeDocument/2006/relationships" xmlns:p="http://schemas.openxmlformats.org/presentationml/2006/main">
+  <p:cSld>
+    <p:spTree>
+      <p:nvGrpSpPr>
+        <p:cNvPr id="1" name=""/>
+        <p:cNvGrpSpPr/>
+        <p:nvPr/>
+      </p:nvGrpSpPr>
+      <p:grpSpPr>
+        <a:xfrm>
+          <a:off x="0" y="0"/>
+          <a:ext cx="0" cy="0"/>
+          <a:chOff x="0" y="0"/>
+          <a:chExt cx="0" cy="0"/>
+        </a:xfrm>
+      </p:grpSpPr>
+      <p:sp>
+        <p:nvSpPr>
+          <p:cNvPr id="5" name="Text Placeholder 4"/>
           <p:cNvSpPr>
             <a:spLocks noGrp="1"/>
           </p:cNvSpPr>
           <p:nvPr>
-            <p:ph sz="quarter" idx="14"/>
+            <p:ph type="body" sz="quarter" idx="12"/>
           </p:nvPr>
         </p:nvSpPr>
-        <p:spPr>
-          <a:xfrm>
-            <a:off x="4667249" y="1333501"/>
-            <a:ext cx="4719462" cy="3802944"/>
-          </a:xfrm>
-        </p:spPr>
+        <p:spPr/>
         <p:txBody>
           <a:bodyPr/>
           <a:lstStyle/>
           <a:p>
-            <a:pPr marL="0" indent="0">
-              <a:lnSpc>
-                <a:spcPct val="80000"/>
-              </a:lnSpc>
-              <a:buNone/>
-            </a:pPr>
-            <a:r>
-              <a:rPr lang="en-US" sz="800" dirty="0">
-                <a:latin typeface="Courier"/>
-                <a:cs typeface="Courier"/>
-              </a:rPr>
-              <a:t>EOS:DavisProducts=PBX9501;  units=hydro::</a:t>
-            </a:r>
-            <a:r>
-              <a:rPr lang="en-US" sz="800" dirty="0" err="1" smtClean="0">
-                <a:latin typeface="Courier"/>
-                <a:cs typeface="Courier"/>
-              </a:rPr>
-              <a:t>std</a:t>
-            </a:r>
-            <a:r>
-              <a:rPr lang="en-US" sz="800" dirty="0" smtClean="0">
-                <a:latin typeface="Courier"/>
-                <a:cs typeface="Courier"/>
-              </a:rPr>
-              <a:t/>
-            </a:r>
-            <a:br>
-              <a:rPr lang="en-US" sz="800" dirty="0" smtClean="0">
-                <a:latin typeface="Courier"/>
-                <a:cs typeface="Courier"/>
-              </a:rPr>
-            </a:br>
-            <a:r>
-              <a:rPr lang="cs-CZ" sz="800" dirty="0" smtClean="0">
-                <a:latin typeface="Courier"/>
-                <a:cs typeface="Courier"/>
-              </a:rPr>
-              <a:t>{</a:t>
-            </a:r>
-            <a:br>
-              <a:rPr lang="cs-CZ" sz="800" dirty="0" smtClean="0">
-                <a:latin typeface="Courier"/>
-                <a:cs typeface="Courier"/>
-              </a:rPr>
-            </a:br>
-            <a:r>
-              <a:rPr lang="cs-CZ" sz="800" dirty="0" smtClean="0">
-                <a:latin typeface="Courier"/>
-                <a:cs typeface="Courier"/>
-              </a:rPr>
-              <a:t># </a:t>
-            </a:r>
-            <a:r>
-              <a:rPr lang="cs-CZ" sz="800" dirty="0">
-                <a:latin typeface="Courier"/>
-                <a:cs typeface="Courier"/>
-              </a:rPr>
-              <a:t>ref: "Experimental Validation </a:t>
-            </a:r>
-            <a:r>
-              <a:rPr lang="cs-CZ" sz="800" dirty="0" err="1">
-                <a:latin typeface="Courier"/>
-                <a:cs typeface="Courier"/>
-              </a:rPr>
-              <a:t>of</a:t>
-            </a:r>
-            <a:r>
-              <a:rPr lang="cs-CZ" sz="800" dirty="0">
-                <a:latin typeface="Courier"/>
-                <a:cs typeface="Courier"/>
-              </a:rPr>
-              <a:t> </a:t>
-            </a:r>
-            <a:r>
-              <a:rPr lang="cs-CZ" sz="800" dirty="0" err="1" smtClean="0">
-                <a:latin typeface="Courier"/>
-                <a:cs typeface="Courier"/>
-              </a:rPr>
-              <a:t>Detonation</a:t>
-            </a:r>
-            <a:r>
-              <a:rPr lang="cs-CZ" sz="800" dirty="0" smtClean="0">
-                <a:latin typeface="Courier"/>
-                <a:cs typeface="Courier"/>
-              </a:rPr>
-              <a:t> </a:t>
-            </a:r>
-            <a:r>
-              <a:rPr lang="cs-CZ" sz="800" dirty="0" err="1" smtClean="0">
-                <a:latin typeface="Courier"/>
-                <a:cs typeface="Courier"/>
-              </a:rPr>
-              <a:t>Shock</a:t>
-            </a:r>
-            <a:r>
-              <a:rPr lang="cs-CZ" sz="800" dirty="0" smtClean="0">
-                <a:latin typeface="Courier"/>
-                <a:cs typeface="Courier"/>
-              </a:rPr>
-              <a:t> Dynamics</a:t>
-            </a:r>
-            <a:br>
-              <a:rPr lang="cs-CZ" sz="800" dirty="0" smtClean="0">
-                <a:latin typeface="Courier"/>
-                <a:cs typeface="Courier"/>
-              </a:rPr>
-            </a:br>
-            <a:r>
-              <a:rPr lang="cs-CZ" sz="800" dirty="0" smtClean="0">
-                <a:latin typeface="Courier"/>
-                <a:cs typeface="Courier"/>
-              </a:rPr>
-              <a:t>#       </a:t>
-            </a:r>
-            <a:r>
-              <a:rPr lang="cs-CZ" sz="800" dirty="0">
-                <a:latin typeface="Courier"/>
-                <a:cs typeface="Courier"/>
-              </a:rPr>
-              <a:t>in </a:t>
-            </a:r>
-            <a:r>
-              <a:rPr lang="cs-CZ" sz="800" dirty="0" err="1">
-                <a:latin typeface="Courier"/>
-                <a:cs typeface="Courier"/>
-              </a:rPr>
-              <a:t>Condensed</a:t>
-            </a:r>
-            <a:r>
-              <a:rPr lang="cs-CZ" sz="800" dirty="0">
-                <a:latin typeface="Courier"/>
-                <a:cs typeface="Courier"/>
-              </a:rPr>
-              <a:t> </a:t>
-            </a:r>
-            <a:r>
-              <a:rPr lang="cs-CZ" sz="800" dirty="0" err="1" smtClean="0">
-                <a:latin typeface="Courier"/>
-                <a:cs typeface="Courier"/>
-              </a:rPr>
-              <a:t>Explosives</a:t>
-            </a:r>
-            <a:r>
-              <a:rPr lang="cs-CZ" sz="800" dirty="0" smtClean="0">
-                <a:latin typeface="Courier"/>
-                <a:cs typeface="Courier"/>
-              </a:rPr>
-              <a:t>“</a:t>
-            </a:r>
-            <a:br>
-              <a:rPr lang="cs-CZ" sz="800" dirty="0" smtClean="0">
-                <a:latin typeface="Courier"/>
-                <a:cs typeface="Courier"/>
-              </a:rPr>
-            </a:br>
-            <a:r>
-              <a:rPr lang="cs-CZ" sz="800" dirty="0" smtClean="0">
-                <a:latin typeface="Courier"/>
-                <a:cs typeface="Courier"/>
-              </a:rPr>
-              <a:t>#       </a:t>
-            </a:r>
-            <a:r>
-              <a:rPr lang="cs-CZ" sz="800" dirty="0">
-                <a:latin typeface="Courier"/>
-                <a:cs typeface="Courier"/>
-              </a:rPr>
-              <a:t>D. E. Lambert, D. S. Stewart, S. Yoo and B. L. </a:t>
-            </a:r>
-            <a:r>
-              <a:rPr lang="cs-CZ" sz="800" dirty="0" err="1" smtClean="0">
-                <a:latin typeface="Courier"/>
-                <a:cs typeface="Courier"/>
-              </a:rPr>
-              <a:t>Wescott</a:t>
-            </a:r>
-            <a:r>
-              <a:rPr lang="cs-CZ" sz="800" dirty="0" smtClean="0">
-                <a:latin typeface="Courier"/>
-                <a:cs typeface="Courier"/>
-              </a:rPr>
-              <a:t/>
-            </a:r>
-            <a:br>
-              <a:rPr lang="cs-CZ" sz="800" dirty="0" smtClean="0">
-                <a:latin typeface="Courier"/>
-                <a:cs typeface="Courier"/>
-              </a:rPr>
-            </a:br>
-            <a:r>
-              <a:rPr lang="is-IS" sz="800" dirty="0" smtClean="0">
-                <a:latin typeface="Courier"/>
-                <a:cs typeface="Courier"/>
-              </a:rPr>
-              <a:t>#       </a:t>
-            </a:r>
-            <a:r>
-              <a:rPr lang="is-IS" sz="800" dirty="0">
-                <a:latin typeface="Courier"/>
-                <a:cs typeface="Courier"/>
-              </a:rPr>
-              <a:t>J. Fluid Mech. 546 (2006) pp. 227-</a:t>
-            </a:r>
-            <a:r>
-              <a:rPr lang="is-IS" sz="800" dirty="0" smtClean="0">
-                <a:latin typeface="Courier"/>
-                <a:cs typeface="Courier"/>
-              </a:rPr>
-              <a:t>253</a:t>
-            </a:r>
-            <a:br>
-              <a:rPr lang="is-IS" sz="800" dirty="0" smtClean="0">
-                <a:latin typeface="Courier"/>
-                <a:cs typeface="Courier"/>
-              </a:rPr>
-            </a:br>
-            <a:r>
-              <a:rPr lang="de-DE" sz="800" dirty="0" smtClean="0">
-                <a:latin typeface="Courier"/>
-                <a:cs typeface="Courier"/>
-              </a:rPr>
-              <a:t>    </a:t>
-            </a:r>
-            <a:r>
-              <a:rPr lang="de-DE" sz="800" dirty="0">
-                <a:latin typeface="Courier"/>
-                <a:cs typeface="Courier"/>
-              </a:rPr>
-              <a:t>rho0 = 1.844    # g/cm^</a:t>
-            </a:r>
-            <a:r>
-              <a:rPr lang="de-DE" sz="800" dirty="0" smtClean="0">
-                <a:latin typeface="Courier"/>
-                <a:cs typeface="Courier"/>
-              </a:rPr>
-              <a:t>3</a:t>
-            </a:r>
-            <a:br>
-              <a:rPr lang="de-DE" sz="800" dirty="0" smtClean="0">
-                <a:latin typeface="Courier"/>
-                <a:cs typeface="Courier"/>
-              </a:rPr>
-            </a:br>
-            <a:r>
-              <a:rPr lang="de-DE" sz="800" dirty="0" smtClean="0">
-                <a:latin typeface="Courier"/>
-                <a:cs typeface="Courier"/>
-              </a:rPr>
-              <a:t>    </a:t>
-            </a:r>
-            <a:r>
-              <a:rPr lang="de-DE" sz="800" dirty="0">
-                <a:latin typeface="Courier"/>
-                <a:cs typeface="Courier"/>
-              </a:rPr>
-              <a:t>e0   = 5.85     # MJ/</a:t>
-            </a:r>
-            <a:r>
-              <a:rPr lang="de-DE" sz="800" dirty="0" smtClean="0">
-                <a:latin typeface="Courier"/>
-                <a:cs typeface="Courier"/>
-              </a:rPr>
-              <a:t>kg</a:t>
-            </a:r>
-            <a:br>
-              <a:rPr lang="de-DE" sz="800" dirty="0" smtClean="0">
-                <a:latin typeface="Courier"/>
-                <a:cs typeface="Courier"/>
-              </a:rPr>
-            </a:br>
-            <a:r>
-              <a:rPr lang="ro-RO" sz="800" dirty="0" smtClean="0">
-                <a:latin typeface="Courier"/>
-                <a:cs typeface="Courier"/>
-              </a:rPr>
-              <a:t>    </a:t>
-            </a:r>
-            <a:r>
-              <a:rPr lang="ro-RO" sz="800" dirty="0">
-                <a:latin typeface="Courier"/>
-                <a:cs typeface="Courier"/>
-              </a:rPr>
-              <a:t>a    = </a:t>
-            </a:r>
-            <a:r>
-              <a:rPr lang="ro-RO" sz="800" dirty="0" smtClean="0">
-                <a:latin typeface="Courier"/>
-                <a:cs typeface="Courier"/>
-              </a:rPr>
-              <a:t>0.7965</a:t>
-            </a:r>
-            <a:br>
-              <a:rPr lang="ro-RO" sz="800" dirty="0" smtClean="0">
-                <a:latin typeface="Courier"/>
-                <a:cs typeface="Courier"/>
-              </a:rPr>
-            </a:br>
-            <a:r>
-              <a:rPr lang="de-DE" sz="800" dirty="0" smtClean="0">
-                <a:latin typeface="Courier"/>
-                <a:cs typeface="Courier"/>
-              </a:rPr>
-              <a:t>    </a:t>
-            </a:r>
-            <a:r>
-              <a:rPr lang="de-DE" sz="800" dirty="0">
-                <a:latin typeface="Courier"/>
-                <a:cs typeface="Courier"/>
-              </a:rPr>
-              <a:t>n    = </a:t>
-            </a:r>
-            <a:r>
-              <a:rPr lang="de-DE" sz="800" dirty="0" smtClean="0">
-                <a:latin typeface="Courier"/>
-                <a:cs typeface="Courier"/>
-              </a:rPr>
-              <a:t>1.758</a:t>
-            </a:r>
-            <a:br>
-              <a:rPr lang="de-DE" sz="800" dirty="0" smtClean="0">
-                <a:latin typeface="Courier"/>
-                <a:cs typeface="Courier"/>
-              </a:rPr>
-            </a:br>
-            <a:r>
-              <a:rPr lang="de-DE" sz="800" dirty="0" smtClean="0">
-                <a:latin typeface="Courier"/>
-                <a:cs typeface="Courier"/>
-              </a:rPr>
-              <a:t>    </a:t>
-            </a:r>
-            <a:r>
-              <a:rPr lang="de-DE" sz="800" dirty="0">
-                <a:latin typeface="Courier"/>
-                <a:cs typeface="Courier"/>
-              </a:rPr>
-              <a:t>Vc   = 0.8314   # cm^3/</a:t>
-            </a:r>
-            <a:r>
-              <a:rPr lang="de-DE" sz="800" dirty="0" err="1" smtClean="0">
-                <a:latin typeface="Courier"/>
-                <a:cs typeface="Courier"/>
-              </a:rPr>
-              <a:t>g</a:t>
-            </a:r>
-            <a:r>
-              <a:rPr lang="de-DE" sz="800" dirty="0" smtClean="0">
-                <a:latin typeface="Courier"/>
-                <a:cs typeface="Courier"/>
-              </a:rPr>
-              <a:t/>
-            </a:r>
-            <a:br>
-              <a:rPr lang="de-DE" sz="800" dirty="0" smtClean="0">
-                <a:latin typeface="Courier"/>
-                <a:cs typeface="Courier"/>
-              </a:rPr>
-            </a:br>
-            <a:r>
-              <a:rPr lang="de-DE" sz="800" dirty="0" smtClean="0">
-                <a:latin typeface="Courier"/>
-                <a:cs typeface="Courier"/>
-              </a:rPr>
-              <a:t>    </a:t>
-            </a:r>
-            <a:r>
-              <a:rPr lang="de-DE" sz="800" dirty="0">
-                <a:latin typeface="Courier"/>
-                <a:cs typeface="Courier"/>
-              </a:rPr>
-              <a:t>pc   = 3.738    # </a:t>
-            </a:r>
-            <a:r>
-              <a:rPr lang="de-DE" sz="800" dirty="0" err="1" smtClean="0">
-                <a:latin typeface="Courier"/>
-                <a:cs typeface="Courier"/>
-              </a:rPr>
-              <a:t>Gpa</a:t>
-            </a:r>
-            <a:r>
-              <a:rPr lang="de-DE" sz="800" dirty="0" smtClean="0">
-                <a:latin typeface="Courier"/>
-                <a:cs typeface="Courier"/>
-              </a:rPr>
-              <a:t/>
-            </a:r>
-            <a:br>
-              <a:rPr lang="de-DE" sz="800" dirty="0" smtClean="0">
-                <a:latin typeface="Courier"/>
-                <a:cs typeface="Courier"/>
-              </a:rPr>
-            </a:br>
-            <a:r>
-              <a:rPr lang="de-DE" sz="800" dirty="0" smtClean="0">
-                <a:latin typeface="Courier"/>
-                <a:cs typeface="Courier"/>
-              </a:rPr>
-              <a:t>    </a:t>
-            </a:r>
-            <a:r>
-              <a:rPr lang="de-DE" sz="800" dirty="0">
-                <a:latin typeface="Courier"/>
-                <a:cs typeface="Courier"/>
-              </a:rPr>
-              <a:t>b    = </a:t>
-            </a:r>
-            <a:r>
-              <a:rPr lang="de-DE" sz="800" dirty="0" smtClean="0">
-                <a:latin typeface="Courier"/>
-                <a:cs typeface="Courier"/>
-              </a:rPr>
-              <a:t>0.7</a:t>
-            </a:r>
-            <a:br>
-              <a:rPr lang="de-DE" sz="800" dirty="0" smtClean="0">
-                <a:latin typeface="Courier"/>
-                <a:cs typeface="Courier"/>
-              </a:rPr>
-            </a:br>
-            <a:r>
-              <a:rPr lang="de-DE" sz="800" dirty="0" smtClean="0">
-                <a:latin typeface="Courier"/>
-                <a:cs typeface="Courier"/>
-              </a:rPr>
-              <a:t>    </a:t>
-            </a:r>
-            <a:r>
-              <a:rPr lang="de-DE" sz="800" dirty="0">
-                <a:latin typeface="Courier"/>
-                <a:cs typeface="Courier"/>
-              </a:rPr>
-              <a:t>k    = </a:t>
-            </a:r>
-            <a:r>
-              <a:rPr lang="de-DE" sz="800" dirty="0" smtClean="0">
-                <a:latin typeface="Courier"/>
-                <a:cs typeface="Courier"/>
-              </a:rPr>
-              <a:t>1.3</a:t>
-            </a:r>
-            <a:br>
-              <a:rPr lang="de-DE" sz="800" dirty="0" smtClean="0">
-                <a:latin typeface="Courier"/>
-                <a:cs typeface="Courier"/>
-              </a:rPr>
-            </a:br>
-            <a:r>
-              <a:rPr lang="de-DE" sz="800" dirty="0" smtClean="0">
-                <a:latin typeface="Courier"/>
-                <a:cs typeface="Courier"/>
-              </a:rPr>
-              <a:t>    </a:t>
-            </a:r>
-            <a:r>
-              <a:rPr lang="de-DE" sz="800" dirty="0">
-                <a:latin typeface="Courier"/>
-                <a:cs typeface="Courier"/>
-              </a:rPr>
-              <a:t>Cv   = 0.945e-3 # (MJ/kg)/</a:t>
-            </a:r>
-            <a:r>
-              <a:rPr lang="de-DE" sz="800" dirty="0" smtClean="0">
-                <a:latin typeface="Courier"/>
-                <a:cs typeface="Courier"/>
-              </a:rPr>
-              <a:t>K</a:t>
-            </a:r>
-            <a:br>
-              <a:rPr lang="de-DE" sz="800" dirty="0" smtClean="0">
-                <a:latin typeface="Courier"/>
-                <a:cs typeface="Courier"/>
-              </a:rPr>
-            </a:br>
-            <a:r>
-              <a:rPr lang="ro-RO" sz="800" dirty="0" smtClean="0">
-                <a:latin typeface="Courier"/>
-                <a:cs typeface="Courier"/>
-              </a:rPr>
-              <a:t>    </a:t>
-            </a:r>
-            <a:r>
-              <a:rPr lang="ro-RO" sz="800" dirty="0">
-                <a:latin typeface="Courier"/>
-                <a:cs typeface="Courier"/>
-              </a:rPr>
-              <a:t>Tc   = </a:t>
-            </a:r>
-            <a:r>
-              <a:rPr lang="ro-RO" sz="800" dirty="0" smtClean="0">
-                <a:latin typeface="Courier"/>
-                <a:cs typeface="Courier"/>
-              </a:rPr>
-              <a:t>2407.34</a:t>
-            </a:r>
-            <a:r>
-              <a:rPr lang="ro-RO" sz="800" dirty="0">
-                <a:latin typeface="Courier"/>
-                <a:cs typeface="Courier"/>
-              </a:rPr>
-              <a:t/>
-            </a:r>
-            <a:br>
-              <a:rPr lang="ro-RO" sz="800" dirty="0">
-                <a:latin typeface="Courier"/>
-                <a:cs typeface="Courier"/>
-              </a:rPr>
-            </a:br>
-            <a:r>
-              <a:rPr lang="en-US" sz="800" dirty="0" smtClean="0">
-                <a:latin typeface="Courier"/>
-                <a:cs typeface="Courier"/>
-              </a:rPr>
-              <a:t>}</a:t>
-            </a:r>
-            <a:endParaRPr lang="en-US" sz="800" dirty="0">
-              <a:latin typeface="Courier"/>
-              <a:cs typeface="Courier"/>
-            </a:endParaRPr>
-          </a:p>
-          <a:p>
-            <a:pPr marL="0" indent="0">
-              <a:buNone/>
-            </a:pPr>
-            <a:endParaRPr lang="en-US" sz="1200" dirty="0"/>
-          </a:p>
-        </p:txBody>
-      </p:sp>
-      <p:pic>
-        <p:nvPicPr>
-          <p:cNvPr id="9" name="Picture 8"/>
-          <p:cNvPicPr>
-            <a:picLocks noChangeAspect="1"/>
-          </p:cNvPicPr>
-          <p:nvPr/>
-        </p:nvPicPr>
-        <p:blipFill>
-          <a:blip r:embed="rId3"/>
-          <a:stretch>
-            <a:fillRect/>
-          </a:stretch>
-        </p:blipFill>
-        <p:spPr>
-          <a:xfrm>
-            <a:off x="5031880" y="3083422"/>
-            <a:ext cx="2830832" cy="2120757"/>
-          </a:xfrm>
-          <a:prstGeom prst="rect">
-            <a:avLst/>
-          </a:prstGeom>
-        </p:spPr>
-      </p:pic>
+            <a:r>
+              <a:rPr lang="en-US" dirty="0" err="1" smtClean="0"/>
+              <a:t>EOSlib</a:t>
+            </a:r>
+            <a:r>
+              <a:rPr lang="en-US" dirty="0" smtClean="0"/>
+              <a:t> – The Software (</a:t>
+            </a:r>
+            <a:r>
+              <a:rPr lang="en-US" dirty="0" err="1" smtClean="0"/>
+              <a:t>Cmake</a:t>
+            </a:r>
+            <a:r>
+              <a:rPr lang="en-US" dirty="0" smtClean="0"/>
+              <a:t>, </a:t>
+            </a:r>
+            <a:r>
+              <a:rPr lang="en-US" dirty="0" err="1" smtClean="0"/>
+              <a:t>GitHub</a:t>
+            </a:r>
+            <a:r>
+              <a:rPr lang="en-US" dirty="0" smtClean="0"/>
+              <a:t>, etc.)</a:t>
+            </a:r>
+            <a:endParaRPr lang="en-US" dirty="0"/>
+          </a:p>
+        </p:txBody>
+      </p:sp>
+      <p:sp>
+        <p:nvSpPr>
+          <p:cNvPr id="6" name="Text Placeholder 5"/>
+          <p:cNvSpPr>
+            <a:spLocks noGrp="1"/>
+          </p:cNvSpPr>
+          <p:nvPr>
+            <p:ph type="body" sz="quarter" idx="13"/>
+          </p:nvPr>
+        </p:nvSpPr>
+        <p:spPr/>
+        <p:txBody>
+          <a:bodyPr/>
+          <a:lstStyle/>
+          <a:p>
+            <a:r>
+              <a:rPr lang="en-US" dirty="0" smtClean="0"/>
+              <a:t>Extensibility in data files</a:t>
+            </a:r>
+          </a:p>
+          <a:p>
+            <a:r>
+              <a:rPr lang="en-US" dirty="0" smtClean="0"/>
+              <a:t>ASCII data files</a:t>
+            </a:r>
+          </a:p>
+          <a:p>
+            <a:r>
+              <a:rPr lang="en-US" dirty="0" smtClean="0"/>
+              <a:t>Basic wave computations</a:t>
+            </a:r>
+          </a:p>
+          <a:p>
+            <a:r>
+              <a:rPr lang="en-US" dirty="0" smtClean="0"/>
+              <a:t>Default methods for EOS models</a:t>
+            </a:r>
+          </a:p>
+          <a:p>
+            <a:r>
+              <a:rPr lang="en-US" dirty="0" err="1" smtClean="0"/>
+              <a:t>Cmake</a:t>
+            </a:r>
+            <a:r>
+              <a:rPr lang="en-US" dirty="0" smtClean="0"/>
+              <a:t> install</a:t>
+            </a:r>
+          </a:p>
+        </p:txBody>
+      </p:sp>
     </p:spTree>
     <p:extLst>
       <p:ext uri="{BB962C8B-B14F-4D97-AF65-F5344CB8AC3E}">
-        <p14:creationId xmlns:p14="http://schemas.microsoft.com/office/powerpoint/2010/main" val="3887120567"/>
+        <p14:creationId xmlns:p14="http://schemas.microsoft.com/office/powerpoint/2010/main" val="453941"/>
       </p:ext>
     </p:extLst>
   </p:cSld>
